--- a/The Azure Icon Game.pptx
+++ b/The Azure Icon Game.pptx
@@ -8,30 +8,33 @@
     <p:sldId id="256" r:id="rId2"/>
     <p:sldId id="260" r:id="rId3"/>
     <p:sldId id="288" r:id="rId4"/>
-    <p:sldId id="272" r:id="rId5"/>
-    <p:sldId id="292" r:id="rId6"/>
-    <p:sldId id="271" r:id="rId7"/>
-    <p:sldId id="273" r:id="rId8"/>
-    <p:sldId id="290" r:id="rId9"/>
-    <p:sldId id="274" r:id="rId10"/>
+    <p:sldId id="290" r:id="rId5"/>
+    <p:sldId id="272" r:id="rId6"/>
+    <p:sldId id="274" r:id="rId7"/>
+    <p:sldId id="292" r:id="rId8"/>
+    <p:sldId id="271" r:id="rId9"/>
+    <p:sldId id="273" r:id="rId10"/>
     <p:sldId id="275" r:id="rId11"/>
     <p:sldId id="276" r:id="rId12"/>
-    <p:sldId id="282" r:id="rId13"/>
-    <p:sldId id="283" r:id="rId14"/>
-    <p:sldId id="277" r:id="rId15"/>
-    <p:sldId id="278" r:id="rId16"/>
-    <p:sldId id="284" r:id="rId17"/>
-    <p:sldId id="285" r:id="rId18"/>
-    <p:sldId id="279" r:id="rId19"/>
-    <p:sldId id="281" r:id="rId20"/>
-    <p:sldId id="289" r:id="rId21"/>
-    <p:sldId id="280" r:id="rId22"/>
-    <p:sldId id="286" r:id="rId23"/>
-    <p:sldId id="287" r:id="rId24"/>
-    <p:sldId id="291" r:id="rId25"/>
-    <p:sldId id="266" r:id="rId26"/>
-    <p:sldId id="293" r:id="rId27"/>
-    <p:sldId id="269" r:id="rId28"/>
+    <p:sldId id="294" r:id="rId13"/>
+    <p:sldId id="282" r:id="rId14"/>
+    <p:sldId id="283" r:id="rId15"/>
+    <p:sldId id="277" r:id="rId16"/>
+    <p:sldId id="278" r:id="rId17"/>
+    <p:sldId id="284" r:id="rId18"/>
+    <p:sldId id="285" r:id="rId19"/>
+    <p:sldId id="279" r:id="rId20"/>
+    <p:sldId id="281" r:id="rId21"/>
+    <p:sldId id="289" r:id="rId22"/>
+    <p:sldId id="280" r:id="rId23"/>
+    <p:sldId id="286" r:id="rId24"/>
+    <p:sldId id="295" r:id="rId25"/>
+    <p:sldId id="287" r:id="rId26"/>
+    <p:sldId id="291" r:id="rId27"/>
+    <p:sldId id="296" r:id="rId28"/>
+    <p:sldId id="266" r:id="rId29"/>
+    <p:sldId id="293" r:id="rId30"/>
+    <p:sldId id="269" r:id="rId31"/>
   </p:sldIdLst>
   <p:sldSz cx="12192000" cy="6858000"/>
   <p:notesSz cx="6858000" cy="9144000"/>
@@ -138,10 +141,6 @@
 </p:presentation>
 </file>
 
-<file path=ppt/revisionInfo.xml><?xml version="1.0" encoding="utf-8"?>
-<p1510:revInfo xmlns:a="http://schemas.openxmlformats.org/drawingml/2006/main" xmlns:r="http://schemas.openxmlformats.org/officeDocument/2006/relationships" xmlns:p1510="http://schemas.microsoft.com/office/powerpoint/2015/10/main"/>
-</file>
-
 <file path=ppt/slideLayouts/slideLayout1.xml><?xml version="1.0" encoding="utf-8"?>
 <p:sldLayout xmlns:a="http://schemas.openxmlformats.org/drawingml/2006/main" xmlns:r="http://schemas.openxmlformats.org/officeDocument/2006/relationships" xmlns:p="http://schemas.openxmlformats.org/presentationml/2006/main" type="title" preserve="1">
   <p:cSld name="Title Slide">
@@ -291,7 +290,7 @@
           <a:p>
             <a:fld id="{8CD9E07E-FA0D-404F-8FFA-F4C9C459F055}" type="datetimeFigureOut">
               <a:rPr lang="en-GB" smtClean="0"/>
-              <a:t>03/04/2018</a:t>
+              <a:t>07/09/2018</a:t>
             </a:fld>
             <a:endParaRPr lang="en-GB" dirty="0"/>
           </a:p>
@@ -491,7 +490,7 @@
           <a:p>
             <a:fld id="{8CD9E07E-FA0D-404F-8FFA-F4C9C459F055}" type="datetimeFigureOut">
               <a:rPr lang="en-GB" smtClean="0"/>
-              <a:t>03/04/2018</a:t>
+              <a:t>07/09/2018</a:t>
             </a:fld>
             <a:endParaRPr lang="en-GB" dirty="0"/>
           </a:p>
@@ -701,7 +700,7 @@
           <a:p>
             <a:fld id="{8CD9E07E-FA0D-404F-8FFA-F4C9C459F055}" type="datetimeFigureOut">
               <a:rPr lang="en-GB" smtClean="0"/>
-              <a:t>03/04/2018</a:t>
+              <a:t>07/09/2018</a:t>
             </a:fld>
             <a:endParaRPr lang="en-GB" dirty="0"/>
           </a:p>
@@ -901,7 +900,7 @@
           <a:p>
             <a:fld id="{8CD9E07E-FA0D-404F-8FFA-F4C9C459F055}" type="datetimeFigureOut">
               <a:rPr lang="en-GB" smtClean="0"/>
-              <a:t>03/04/2018</a:t>
+              <a:t>07/09/2018</a:t>
             </a:fld>
             <a:endParaRPr lang="en-GB" dirty="0"/>
           </a:p>
@@ -1177,7 +1176,7 @@
           <a:p>
             <a:fld id="{8CD9E07E-FA0D-404F-8FFA-F4C9C459F055}" type="datetimeFigureOut">
               <a:rPr lang="en-GB" smtClean="0"/>
-              <a:t>03/04/2018</a:t>
+              <a:t>07/09/2018</a:t>
             </a:fld>
             <a:endParaRPr lang="en-GB" dirty="0"/>
           </a:p>
@@ -1445,7 +1444,7 @@
           <a:p>
             <a:fld id="{8CD9E07E-FA0D-404F-8FFA-F4C9C459F055}" type="datetimeFigureOut">
               <a:rPr lang="en-GB" smtClean="0"/>
-              <a:t>03/04/2018</a:t>
+              <a:t>07/09/2018</a:t>
             </a:fld>
             <a:endParaRPr lang="en-GB" dirty="0"/>
           </a:p>
@@ -1860,7 +1859,7 @@
           <a:p>
             <a:fld id="{8CD9E07E-FA0D-404F-8FFA-F4C9C459F055}" type="datetimeFigureOut">
               <a:rPr lang="en-GB" smtClean="0"/>
-              <a:t>03/04/2018</a:t>
+              <a:t>07/09/2018</a:t>
             </a:fld>
             <a:endParaRPr lang="en-GB" dirty="0"/>
           </a:p>
@@ -2002,7 +2001,7 @@
           <a:p>
             <a:fld id="{8CD9E07E-FA0D-404F-8FFA-F4C9C459F055}" type="datetimeFigureOut">
               <a:rPr lang="en-GB" smtClean="0"/>
-              <a:t>03/04/2018</a:t>
+              <a:t>07/09/2018</a:t>
             </a:fld>
             <a:endParaRPr lang="en-GB" dirty="0"/>
           </a:p>
@@ -2115,7 +2114,7 @@
           <a:p>
             <a:fld id="{8CD9E07E-FA0D-404F-8FFA-F4C9C459F055}" type="datetimeFigureOut">
               <a:rPr lang="en-GB" smtClean="0"/>
-              <a:t>03/04/2018</a:t>
+              <a:t>07/09/2018</a:t>
             </a:fld>
             <a:endParaRPr lang="en-GB" dirty="0"/>
           </a:p>
@@ -2428,7 +2427,7 @@
           <a:p>
             <a:fld id="{8CD9E07E-FA0D-404F-8FFA-F4C9C459F055}" type="datetimeFigureOut">
               <a:rPr lang="en-GB" smtClean="0"/>
-              <a:t>03/04/2018</a:t>
+              <a:t>07/09/2018</a:t>
             </a:fld>
             <a:endParaRPr lang="en-GB" dirty="0"/>
           </a:p>
@@ -2717,7 +2716,7 @@
           <a:p>
             <a:fld id="{8CD9E07E-FA0D-404F-8FFA-F4C9C459F055}" type="datetimeFigureOut">
               <a:rPr lang="en-GB" smtClean="0"/>
-              <a:t>03/04/2018</a:t>
+              <a:t>07/09/2018</a:t>
             </a:fld>
             <a:endParaRPr lang="en-GB" dirty="0"/>
           </a:p>
@@ -2960,7 +2959,7 @@
           <a:p>
             <a:fld id="{8CD9E07E-FA0D-404F-8FFA-F4C9C459F055}" type="datetimeFigureOut">
               <a:rPr lang="en-GB" smtClean="0"/>
-              <a:t>03/04/2018</a:t>
+              <a:t>07/09/2018</a:t>
             </a:fld>
             <a:endParaRPr lang="en-GB" dirty="0"/>
           </a:p>
@@ -4202,7 +4201,7 @@
           <p:cNvPr id="2" name="Picture 1">
             <a:extLst>
               <a:ext uri="{FF2B5EF4-FFF2-40B4-BE49-F238E27FC236}">
-                <a16:creationId xmlns:a16="http://schemas.microsoft.com/office/drawing/2014/main" id="{D26CFE51-372B-434A-A678-C469BF8E2A85}"/>
+                <a16:creationId xmlns:a16="http://schemas.microsoft.com/office/drawing/2014/main" id="{8195006A-8967-423E-81D0-E19F92DB2248}"/>
               </a:ext>
             </a:extLst>
           </p:cNvPr>
@@ -4219,8 +4218,8 @@
         </p:blipFill>
         <p:spPr>
           <a:xfrm>
-            <a:off x="2791284" y="61133"/>
-            <a:ext cx="6609432" cy="6735734"/>
+            <a:off x="2569296" y="0"/>
+            <a:ext cx="7053407" cy="6858000"/>
           </a:xfrm>
           <a:prstGeom prst="rect">
             <a:avLst/>
@@ -4314,7 +4313,7 @@
                 </a:effectLst>
                 <a:latin typeface="Segoe UI Light"/>
               </a:rPr>
-              <a:t>Machine Learning</a:t>
+              <a:t>Data Bricks</a:t>
             </a:r>
           </a:p>
         </p:txBody>
@@ -4322,7 +4321,7 @@
     </p:spTree>
     <p:extLst>
       <p:ext uri="{BB962C8B-B14F-4D97-AF65-F5344CB8AC3E}">
-        <p14:creationId xmlns:p14="http://schemas.microsoft.com/office/powerpoint/2010/main" val="2654462013"/>
+        <p14:creationId xmlns:p14="http://schemas.microsoft.com/office/powerpoint/2010/main" val="2471656630"/>
       </p:ext>
     </p:extLst>
   </p:cSld>
@@ -4437,10 +4436,10 @@
       </p:grpSpPr>
       <p:pic>
         <p:nvPicPr>
-          <p:cNvPr id="3" name="Picture 2">
-            <a:extLst>
-              <a:ext uri="{FF2B5EF4-FFF2-40B4-BE49-F238E27FC236}">
-                <a16:creationId xmlns:a16="http://schemas.microsoft.com/office/drawing/2014/main" id="{7D905101-6B8F-40C3-B498-71B7702E8DCE}"/>
+          <p:cNvPr id="2" name="Picture 1">
+            <a:extLst>
+              <a:ext uri="{FF2B5EF4-FFF2-40B4-BE49-F238E27FC236}">
+                <a16:creationId xmlns:a16="http://schemas.microsoft.com/office/drawing/2014/main" id="{D26CFE51-372B-434A-A678-C469BF8E2A85}"/>
               </a:ext>
             </a:extLst>
           </p:cNvPr>
@@ -4457,8 +4456,8 @@
         </p:blipFill>
         <p:spPr>
           <a:xfrm>
-            <a:off x="2192052" y="96866"/>
-            <a:ext cx="7807895" cy="6664267"/>
+            <a:off x="2791284" y="61133"/>
+            <a:ext cx="6609432" cy="6735734"/>
           </a:xfrm>
           <a:prstGeom prst="rect">
             <a:avLst/>
@@ -4552,7 +4551,7 @@
                 </a:effectLst>
                 <a:latin typeface="Segoe UI Light"/>
               </a:rPr>
-              <a:t>Storage Account</a:t>
+              <a:t>Machine Learning</a:t>
             </a:r>
           </a:p>
         </p:txBody>
@@ -4560,7 +4559,7 @@
     </p:spTree>
     <p:extLst>
       <p:ext uri="{BB962C8B-B14F-4D97-AF65-F5344CB8AC3E}">
-        <p14:creationId xmlns:p14="http://schemas.microsoft.com/office/powerpoint/2010/main" val="3409526432"/>
+        <p14:creationId xmlns:p14="http://schemas.microsoft.com/office/powerpoint/2010/main" val="2654462013"/>
       </p:ext>
     </p:extLst>
   </p:cSld>
@@ -4675,10 +4674,10 @@
       </p:grpSpPr>
       <p:pic>
         <p:nvPicPr>
-          <p:cNvPr id="2" name="Picture 1">
-            <a:extLst>
-              <a:ext uri="{FF2B5EF4-FFF2-40B4-BE49-F238E27FC236}">
-                <a16:creationId xmlns:a16="http://schemas.microsoft.com/office/drawing/2014/main" id="{61A332A1-A5CF-4183-96C1-700A13D3709E}"/>
+          <p:cNvPr id="3" name="Picture 2">
+            <a:extLst>
+              <a:ext uri="{FF2B5EF4-FFF2-40B4-BE49-F238E27FC236}">
+                <a16:creationId xmlns:a16="http://schemas.microsoft.com/office/drawing/2014/main" id="{7D905101-6B8F-40C3-B498-71B7702E8DCE}"/>
               </a:ext>
             </a:extLst>
           </p:cNvPr>
@@ -4695,8 +4694,8 @@
         </p:blipFill>
         <p:spPr>
           <a:xfrm>
-            <a:off x="1807471" y="56666"/>
-            <a:ext cx="8577057" cy="6744667"/>
+            <a:off x="2192052" y="96866"/>
+            <a:ext cx="7807895" cy="6664267"/>
           </a:xfrm>
           <a:prstGeom prst="rect">
             <a:avLst/>
@@ -4790,7 +4789,7 @@
                 </a:effectLst>
                 <a:latin typeface="Segoe UI Light"/>
               </a:rPr>
-              <a:t>Data Lake Store</a:t>
+              <a:t>Storage Account</a:t>
             </a:r>
           </a:p>
         </p:txBody>
@@ -4798,7 +4797,7 @@
     </p:spTree>
     <p:extLst>
       <p:ext uri="{BB962C8B-B14F-4D97-AF65-F5344CB8AC3E}">
-        <p14:creationId xmlns:p14="http://schemas.microsoft.com/office/powerpoint/2010/main" val="11206669"/>
+        <p14:creationId xmlns:p14="http://schemas.microsoft.com/office/powerpoint/2010/main" val="3409526432"/>
       </p:ext>
     </p:extLst>
   </p:cSld>
@@ -4913,10 +4912,10 @@
       </p:grpSpPr>
       <p:pic>
         <p:nvPicPr>
-          <p:cNvPr id="3" name="Picture 2">
-            <a:extLst>
-              <a:ext uri="{FF2B5EF4-FFF2-40B4-BE49-F238E27FC236}">
-                <a16:creationId xmlns:a16="http://schemas.microsoft.com/office/drawing/2014/main" id="{7FFBD379-1125-454D-884C-BE0C71819F86}"/>
+          <p:cNvPr id="2" name="Picture 1">
+            <a:extLst>
+              <a:ext uri="{FF2B5EF4-FFF2-40B4-BE49-F238E27FC236}">
+                <a16:creationId xmlns:a16="http://schemas.microsoft.com/office/drawing/2014/main" id="{61A332A1-A5CF-4183-96C1-700A13D3709E}"/>
               </a:ext>
             </a:extLst>
           </p:cNvPr>
@@ -4933,8 +4932,8 @@
         </p:blipFill>
         <p:spPr>
           <a:xfrm>
-            <a:off x="2733149" y="70066"/>
-            <a:ext cx="6725701" cy="6717867"/>
+            <a:off x="1807471" y="56666"/>
+            <a:ext cx="8577057" cy="6744667"/>
           </a:xfrm>
           <a:prstGeom prst="rect">
             <a:avLst/>
@@ -5028,7 +5027,7 @@
                 </a:effectLst>
                 <a:latin typeface="Segoe UI Light"/>
               </a:rPr>
-              <a:t>Data Lake Analytics</a:t>
+              <a:t>Data Lake Store</a:t>
             </a:r>
           </a:p>
         </p:txBody>
@@ -5036,7 +5035,7 @@
     </p:spTree>
     <p:extLst>
       <p:ext uri="{BB962C8B-B14F-4D97-AF65-F5344CB8AC3E}">
-        <p14:creationId xmlns:p14="http://schemas.microsoft.com/office/powerpoint/2010/main" val="2120805870"/>
+        <p14:creationId xmlns:p14="http://schemas.microsoft.com/office/powerpoint/2010/main" val="11206669"/>
       </p:ext>
     </p:extLst>
   </p:cSld>
@@ -5151,10 +5150,10 @@
       </p:grpSpPr>
       <p:pic>
         <p:nvPicPr>
-          <p:cNvPr id="2" name="Picture 1">
-            <a:extLst>
-              <a:ext uri="{FF2B5EF4-FFF2-40B4-BE49-F238E27FC236}">
-                <a16:creationId xmlns:a16="http://schemas.microsoft.com/office/drawing/2014/main" id="{C38964DD-8EC1-45F2-B3F2-C3FCC3003704}"/>
+          <p:cNvPr id="3" name="Picture 2">
+            <a:extLst>
+              <a:ext uri="{FF2B5EF4-FFF2-40B4-BE49-F238E27FC236}">
+                <a16:creationId xmlns:a16="http://schemas.microsoft.com/office/drawing/2014/main" id="{7FFBD379-1125-454D-884C-BE0C71819F86}"/>
               </a:ext>
             </a:extLst>
           </p:cNvPr>
@@ -5171,8 +5170,8 @@
         </p:blipFill>
         <p:spPr>
           <a:xfrm>
-            <a:off x="2719734" y="61133"/>
-            <a:ext cx="6752532" cy="6735734"/>
+            <a:off x="2733149" y="70066"/>
+            <a:ext cx="6725701" cy="6717867"/>
           </a:xfrm>
           <a:prstGeom prst="rect">
             <a:avLst/>
@@ -5266,7 +5265,7 @@
                 </a:effectLst>
                 <a:latin typeface="Segoe UI Light"/>
               </a:rPr>
-              <a:t>Data Factory</a:t>
+              <a:t>Data Lake Analytics</a:t>
             </a:r>
           </a:p>
         </p:txBody>
@@ -5274,7 +5273,7 @@
     </p:spTree>
     <p:extLst>
       <p:ext uri="{BB962C8B-B14F-4D97-AF65-F5344CB8AC3E}">
-        <p14:creationId xmlns:p14="http://schemas.microsoft.com/office/powerpoint/2010/main" val="3269637605"/>
+        <p14:creationId xmlns:p14="http://schemas.microsoft.com/office/powerpoint/2010/main" val="2120805870"/>
       </p:ext>
     </p:extLst>
   </p:cSld>
@@ -5389,10 +5388,10 @@
       </p:grpSpPr>
       <p:pic>
         <p:nvPicPr>
-          <p:cNvPr id="3" name="Picture 2">
-            <a:extLst>
-              <a:ext uri="{FF2B5EF4-FFF2-40B4-BE49-F238E27FC236}">
-                <a16:creationId xmlns:a16="http://schemas.microsoft.com/office/drawing/2014/main" id="{2FC316C0-0397-4BD6-9718-EDAB2D852ED2}"/>
+          <p:cNvPr id="2" name="Picture 1">
+            <a:extLst>
+              <a:ext uri="{FF2B5EF4-FFF2-40B4-BE49-F238E27FC236}">
+                <a16:creationId xmlns:a16="http://schemas.microsoft.com/office/drawing/2014/main" id="{C38964DD-8EC1-45F2-B3F2-C3FCC3003704}"/>
               </a:ext>
             </a:extLst>
           </p:cNvPr>
@@ -5409,8 +5408,8 @@
         </p:blipFill>
         <p:spPr>
           <a:xfrm>
-            <a:off x="2455893" y="52199"/>
-            <a:ext cx="7280213" cy="6753601"/>
+            <a:off x="2719734" y="61133"/>
+            <a:ext cx="6752532" cy="6735734"/>
           </a:xfrm>
           <a:prstGeom prst="rect">
             <a:avLst/>
@@ -5504,7 +5503,7 @@
                 </a:effectLst>
                 <a:latin typeface="Segoe UI Light"/>
               </a:rPr>
-              <a:t>Batch Service</a:t>
+              <a:t>Data Factory</a:t>
             </a:r>
           </a:p>
         </p:txBody>
@@ -5512,7 +5511,7 @@
     </p:spTree>
     <p:extLst>
       <p:ext uri="{BB962C8B-B14F-4D97-AF65-F5344CB8AC3E}">
-        <p14:creationId xmlns:p14="http://schemas.microsoft.com/office/powerpoint/2010/main" val="3653908531"/>
+        <p14:creationId xmlns:p14="http://schemas.microsoft.com/office/powerpoint/2010/main" val="3269637605"/>
       </p:ext>
     </p:extLst>
   </p:cSld>
@@ -5627,10 +5626,10 @@
       </p:grpSpPr>
       <p:pic>
         <p:nvPicPr>
-          <p:cNvPr id="2" name="Picture 1">
-            <a:extLst>
-              <a:ext uri="{FF2B5EF4-FFF2-40B4-BE49-F238E27FC236}">
-                <a16:creationId xmlns:a16="http://schemas.microsoft.com/office/drawing/2014/main" id="{CADC9F19-C808-496C-8907-5BBC0E85FC48}"/>
+          <p:cNvPr id="3" name="Picture 2">
+            <a:extLst>
+              <a:ext uri="{FF2B5EF4-FFF2-40B4-BE49-F238E27FC236}">
+                <a16:creationId xmlns:a16="http://schemas.microsoft.com/office/drawing/2014/main" id="{2FC316C0-0397-4BD6-9718-EDAB2D852ED2}"/>
               </a:ext>
             </a:extLst>
           </p:cNvPr>
@@ -5647,8 +5646,8 @@
         </p:blipFill>
         <p:spPr>
           <a:xfrm>
-            <a:off x="2429062" y="110266"/>
-            <a:ext cx="7333876" cy="6637467"/>
+            <a:off x="2455893" y="52199"/>
+            <a:ext cx="7280213" cy="6753601"/>
           </a:xfrm>
           <a:prstGeom prst="rect">
             <a:avLst/>
@@ -5742,7 +5741,7 @@
                 </a:effectLst>
                 <a:latin typeface="Segoe UI Light"/>
               </a:rPr>
-              <a:t>Automation</a:t>
+              <a:t>Batch Service</a:t>
             </a:r>
           </a:p>
         </p:txBody>
@@ -5750,7 +5749,7 @@
     </p:spTree>
     <p:extLst>
       <p:ext uri="{BB962C8B-B14F-4D97-AF65-F5344CB8AC3E}">
-        <p14:creationId xmlns:p14="http://schemas.microsoft.com/office/powerpoint/2010/main" val="3517388517"/>
+        <p14:creationId xmlns:p14="http://schemas.microsoft.com/office/powerpoint/2010/main" val="3653908531"/>
       </p:ext>
     </p:extLst>
   </p:cSld>
@@ -5868,7 +5867,7 @@
           <p:cNvPr id="2" name="Picture 1">
             <a:extLst>
               <a:ext uri="{FF2B5EF4-FFF2-40B4-BE49-F238E27FC236}">
-                <a16:creationId xmlns:a16="http://schemas.microsoft.com/office/drawing/2014/main" id="{50F73E81-00C0-4B00-A50D-7B25324EDCAA}"/>
+                <a16:creationId xmlns:a16="http://schemas.microsoft.com/office/drawing/2014/main" id="{CADC9F19-C808-496C-8907-5BBC0E85FC48}"/>
               </a:ext>
             </a:extLst>
           </p:cNvPr>
@@ -5885,8 +5884,8 @@
         </p:blipFill>
         <p:spPr>
           <a:xfrm>
-            <a:off x="2464837" y="87933"/>
-            <a:ext cx="7262326" cy="6682134"/>
+            <a:off x="2429062" y="110266"/>
+            <a:ext cx="7333876" cy="6637467"/>
           </a:xfrm>
           <a:prstGeom prst="rect">
             <a:avLst/>
@@ -5980,7 +5979,7 @@
                 </a:effectLst>
                 <a:latin typeface="Segoe UI Light"/>
               </a:rPr>
-              <a:t>Functions</a:t>
+              <a:t>Automation</a:t>
             </a:r>
           </a:p>
         </p:txBody>
@@ -5988,7 +5987,7 @@
     </p:spTree>
     <p:extLst>
       <p:ext uri="{BB962C8B-B14F-4D97-AF65-F5344CB8AC3E}">
-        <p14:creationId xmlns:p14="http://schemas.microsoft.com/office/powerpoint/2010/main" val="1387030895"/>
+        <p14:creationId xmlns:p14="http://schemas.microsoft.com/office/powerpoint/2010/main" val="3517388517"/>
       </p:ext>
     </p:extLst>
   </p:cSld>
@@ -6341,10 +6340,10 @@
       </p:grpSpPr>
       <p:pic>
         <p:nvPicPr>
-          <p:cNvPr id="3" name="Picture 2">
-            <a:extLst>
-              <a:ext uri="{FF2B5EF4-FFF2-40B4-BE49-F238E27FC236}">
-                <a16:creationId xmlns:a16="http://schemas.microsoft.com/office/drawing/2014/main" id="{3037B186-89CD-4244-8408-C10B6BBB660E}"/>
+          <p:cNvPr id="2" name="Picture 1">
+            <a:extLst>
+              <a:ext uri="{FF2B5EF4-FFF2-40B4-BE49-F238E27FC236}">
+                <a16:creationId xmlns:a16="http://schemas.microsoft.com/office/drawing/2014/main" id="{50F73E81-00C0-4B00-A50D-7B25324EDCAA}"/>
               </a:ext>
             </a:extLst>
           </p:cNvPr>
@@ -6361,8 +6360,8 @@
         </p:blipFill>
         <p:spPr>
           <a:xfrm>
-            <a:off x="1825359" y="105799"/>
-            <a:ext cx="8541282" cy="6646401"/>
+            <a:off x="2464837" y="87933"/>
+            <a:ext cx="7262326" cy="6682134"/>
           </a:xfrm>
           <a:prstGeom prst="rect">
             <a:avLst/>
@@ -6456,7 +6455,7 @@
                 </a:effectLst>
                 <a:latin typeface="Segoe UI Light"/>
               </a:rPr>
-              <a:t>Logic Apps</a:t>
+              <a:t>Functions</a:t>
             </a:r>
           </a:p>
         </p:txBody>
@@ -6464,7 +6463,7 @@
     </p:spTree>
     <p:extLst>
       <p:ext uri="{BB962C8B-B14F-4D97-AF65-F5344CB8AC3E}">
-        <p14:creationId xmlns:p14="http://schemas.microsoft.com/office/powerpoint/2010/main" val="3034824262"/>
+        <p14:creationId xmlns:p14="http://schemas.microsoft.com/office/powerpoint/2010/main" val="1387030895"/>
       </p:ext>
     </p:extLst>
   </p:cSld>
@@ -6582,7 +6581,7 @@
           <p:cNvPr id="3" name="Picture 2">
             <a:extLst>
               <a:ext uri="{FF2B5EF4-FFF2-40B4-BE49-F238E27FC236}">
-                <a16:creationId xmlns:a16="http://schemas.microsoft.com/office/drawing/2014/main" id="{A76642D8-39F1-456B-ACFF-1B354DDC3DC5}"/>
+                <a16:creationId xmlns:a16="http://schemas.microsoft.com/office/drawing/2014/main" id="{3037B186-89CD-4244-8408-C10B6BBB660E}"/>
               </a:ext>
             </a:extLst>
           </p:cNvPr>
@@ -6599,8 +6598,8 @@
         </p:blipFill>
         <p:spPr>
           <a:xfrm>
-            <a:off x="1928212" y="43266"/>
-            <a:ext cx="8335576" cy="6771467"/>
+            <a:off x="1825359" y="105799"/>
+            <a:ext cx="8541282" cy="6646401"/>
           </a:xfrm>
           <a:prstGeom prst="rect">
             <a:avLst/>
@@ -6694,7 +6693,7 @@
                 </a:effectLst>
                 <a:latin typeface="Segoe UI Light"/>
               </a:rPr>
-              <a:t>Analysis Services</a:t>
+              <a:t>Logic Apps</a:t>
             </a:r>
           </a:p>
         </p:txBody>
@@ -6702,7 +6701,7 @@
     </p:spTree>
     <p:extLst>
       <p:ext uri="{BB962C8B-B14F-4D97-AF65-F5344CB8AC3E}">
-        <p14:creationId xmlns:p14="http://schemas.microsoft.com/office/powerpoint/2010/main" val="794762057"/>
+        <p14:creationId xmlns:p14="http://schemas.microsoft.com/office/powerpoint/2010/main" val="3034824262"/>
       </p:ext>
     </p:extLst>
   </p:cSld>
@@ -6817,10 +6816,10 @@
       </p:grpSpPr>
       <p:pic>
         <p:nvPicPr>
-          <p:cNvPr id="5" name="Picture 4">
-            <a:extLst>
-              <a:ext uri="{FF2B5EF4-FFF2-40B4-BE49-F238E27FC236}">
-                <a16:creationId xmlns:a16="http://schemas.microsoft.com/office/drawing/2014/main" id="{4DC88D3A-6239-40E7-92AE-B028AF9AB476}"/>
+          <p:cNvPr id="3" name="Picture 2">
+            <a:extLst>
+              <a:ext uri="{FF2B5EF4-FFF2-40B4-BE49-F238E27FC236}">
+                <a16:creationId xmlns:a16="http://schemas.microsoft.com/office/drawing/2014/main" id="{A76642D8-39F1-456B-ACFF-1B354DDC3DC5}"/>
               </a:ext>
             </a:extLst>
           </p:cNvPr>
@@ -6837,8 +6836,8 @@
         </p:blipFill>
         <p:spPr>
           <a:xfrm>
-            <a:off x="2840474" y="87933"/>
-            <a:ext cx="6511051" cy="6682134"/>
+            <a:off x="1928212" y="43266"/>
+            <a:ext cx="8335576" cy="6771467"/>
           </a:xfrm>
           <a:prstGeom prst="rect">
             <a:avLst/>
@@ -6932,7 +6931,7 @@
                 </a:effectLst>
                 <a:latin typeface="Segoe UI Light"/>
               </a:rPr>
-              <a:t>Event Hub</a:t>
+              <a:t>Analysis Services</a:t>
             </a:r>
           </a:p>
         </p:txBody>
@@ -6940,7 +6939,7 @@
     </p:spTree>
     <p:extLst>
       <p:ext uri="{BB962C8B-B14F-4D97-AF65-F5344CB8AC3E}">
-        <p14:creationId xmlns:p14="http://schemas.microsoft.com/office/powerpoint/2010/main" val="2388929640"/>
+        <p14:creationId xmlns:p14="http://schemas.microsoft.com/office/powerpoint/2010/main" val="794762057"/>
       </p:ext>
     </p:extLst>
   </p:cSld>
@@ -7055,10 +7054,10 @@
       </p:grpSpPr>
       <p:pic>
         <p:nvPicPr>
-          <p:cNvPr id="4" name="Picture 3">
-            <a:extLst>
-              <a:ext uri="{FF2B5EF4-FFF2-40B4-BE49-F238E27FC236}">
-                <a16:creationId xmlns:a16="http://schemas.microsoft.com/office/drawing/2014/main" id="{A5952FD6-013B-4B15-A3E1-35E28832EB9E}"/>
+          <p:cNvPr id="5" name="Picture 4">
+            <a:extLst>
+              <a:ext uri="{FF2B5EF4-FFF2-40B4-BE49-F238E27FC236}">
+                <a16:creationId xmlns:a16="http://schemas.microsoft.com/office/drawing/2014/main" id="{4DC88D3A-6239-40E7-92AE-B028AF9AB476}"/>
               </a:ext>
             </a:extLst>
           </p:cNvPr>
@@ -7075,8 +7074,8 @@
         </p:blipFill>
         <p:spPr>
           <a:xfrm>
-            <a:off x="1753809" y="52199"/>
-            <a:ext cx="8684382" cy="6753601"/>
+            <a:off x="2840474" y="87933"/>
+            <a:ext cx="6511051" cy="6682134"/>
           </a:xfrm>
           <a:prstGeom prst="rect">
             <a:avLst/>
@@ -7170,7 +7169,7 @@
                 </a:effectLst>
                 <a:latin typeface="Segoe UI Light"/>
               </a:rPr>
-              <a:t>Stream Analytics</a:t>
+              <a:t>Event Hub</a:t>
             </a:r>
           </a:p>
         </p:txBody>
@@ -7178,7 +7177,7 @@
     </p:spTree>
     <p:extLst>
       <p:ext uri="{BB962C8B-B14F-4D97-AF65-F5344CB8AC3E}">
-        <p14:creationId xmlns:p14="http://schemas.microsoft.com/office/powerpoint/2010/main" val="2031741729"/>
+        <p14:creationId xmlns:p14="http://schemas.microsoft.com/office/powerpoint/2010/main" val="2388929640"/>
       </p:ext>
     </p:extLst>
   </p:cSld>
@@ -7296,7 +7295,7 @@
           <p:cNvPr id="2" name="Picture 1">
             <a:extLst>
               <a:ext uri="{FF2B5EF4-FFF2-40B4-BE49-F238E27FC236}">
-                <a16:creationId xmlns:a16="http://schemas.microsoft.com/office/drawing/2014/main" id="{CB00F877-62D4-4191-A1C0-BCA26D3AAD76}"/>
+                <a16:creationId xmlns:a16="http://schemas.microsoft.com/office/drawing/2014/main" id="{EB1AE970-1F0D-4B30-B185-B22186BFF870}"/>
               </a:ext>
             </a:extLst>
           </p:cNvPr>
@@ -7313,8 +7312,8 @@
         </p:blipFill>
         <p:spPr>
           <a:xfrm>
-            <a:off x="2925440" y="52199"/>
-            <a:ext cx="6341119" cy="6753601"/>
+            <a:off x="2706318" y="47733"/>
+            <a:ext cx="6779363" cy="6762534"/>
           </a:xfrm>
           <a:prstGeom prst="rect">
             <a:avLst/>
@@ -7408,7 +7407,7 @@
                 </a:effectLst>
                 <a:latin typeface="Segoe UI Light"/>
               </a:rPr>
-              <a:t>Data Catalogue</a:t>
+              <a:t>Event Grid</a:t>
             </a:r>
           </a:p>
         </p:txBody>
@@ -7416,7 +7415,7 @@
     </p:spTree>
     <p:extLst>
       <p:ext uri="{BB962C8B-B14F-4D97-AF65-F5344CB8AC3E}">
-        <p14:creationId xmlns:p14="http://schemas.microsoft.com/office/powerpoint/2010/main" val="2067566175"/>
+        <p14:creationId xmlns:p14="http://schemas.microsoft.com/office/powerpoint/2010/main" val="3447951919"/>
       </p:ext>
     </p:extLst>
   </p:cSld>
@@ -7531,6 +7530,720 @@
       </p:grpSpPr>
       <p:pic>
         <p:nvPicPr>
+          <p:cNvPr id="4" name="Picture 3">
+            <a:extLst>
+              <a:ext uri="{FF2B5EF4-FFF2-40B4-BE49-F238E27FC236}">
+                <a16:creationId xmlns:a16="http://schemas.microsoft.com/office/drawing/2014/main" id="{A5952FD6-013B-4B15-A3E1-35E28832EB9E}"/>
+              </a:ext>
+            </a:extLst>
+          </p:cNvPr>
+          <p:cNvPicPr>
+            <a:picLocks noChangeAspect="1"/>
+          </p:cNvPicPr>
+          <p:nvPr/>
+        </p:nvPicPr>
+        <p:blipFill>
+          <a:blip r:embed="rId2"/>
+          <a:stretch>
+            <a:fillRect/>
+          </a:stretch>
+        </p:blipFill>
+        <p:spPr>
+          <a:xfrm>
+            <a:off x="1753809" y="52199"/>
+            <a:ext cx="8684382" cy="6753601"/>
+          </a:xfrm>
+          <a:prstGeom prst="rect">
+            <a:avLst/>
+          </a:prstGeom>
+        </p:spPr>
+      </p:pic>
+      <p:sp>
+        <p:nvSpPr>
+          <p:cNvPr id="9" name="Title 2">
+            <a:extLst>
+              <a:ext uri="{FF2B5EF4-FFF2-40B4-BE49-F238E27FC236}">
+                <a16:creationId xmlns:a16="http://schemas.microsoft.com/office/drawing/2014/main" id="{CB877719-98D4-4914-B56E-634238E5C0E6}"/>
+              </a:ext>
+            </a:extLst>
+          </p:cNvPr>
+          <p:cNvSpPr txBox="1">
+            <a:spLocks/>
+          </p:cNvSpPr>
+          <p:nvPr/>
+        </p:nvSpPr>
+        <p:spPr>
+          <a:xfrm>
+            <a:off x="1" y="2834881"/>
+            <a:ext cx="12191999" cy="1191639"/>
+          </a:xfrm>
+          <a:prstGeom prst="rect">
+            <a:avLst/>
+          </a:prstGeom>
+          <a:solidFill>
+            <a:schemeClr val="bg1">
+              <a:alpha val="50000"/>
+            </a:schemeClr>
+          </a:solidFill>
+        </p:spPr>
+        <p:txBody>
+          <a:bodyPr vert="horz" wrap="square" lIns="143428" tIns="89642" rIns="143428" bIns="89642" rtlCol="0" anchor="t" anchorCtr="0">
+            <a:noAutofit/>
+          </a:bodyPr>
+          <a:lstStyle>
+            <a:lvl1pPr algn="l" defTabSz="932578" rtl="0" eaLnBrk="1" latinLnBrk="0" hangingPunct="1">
+              <a:lnSpc>
+                <a:spcPct val="90000"/>
+              </a:lnSpc>
+              <a:spcBef>
+                <a:spcPct val="0"/>
+              </a:spcBef>
+              <a:buNone/>
+              <a:defRPr lang="en-US" sz="5999" b="0" kern="1200" cap="none" spc="-100" baseline="0">
+                <a:ln w="3175">
+                  <a:noFill/>
+                </a:ln>
+                <a:gradFill>
+                  <a:gsLst>
+                    <a:gs pos="3333">
+                      <a:schemeClr val="tx1"/>
+                    </a:gs>
+                    <a:gs pos="39000">
+                      <a:schemeClr val="tx1"/>
+                    </a:gs>
+                  </a:gsLst>
+                  <a:lin ang="5400000" scaled="0"/>
+                </a:gradFill>
+                <a:effectLst/>
+                <a:latin typeface="+mj-lt"/>
+                <a:ea typeface="+mn-ea"/>
+                <a:cs typeface="Segoe UI" pitchFamily="34" charset="0"/>
+              </a:defRPr>
+            </a:lvl1pPr>
+          </a:lstStyle>
+          <a:p>
+            <a:pPr algn="ctr">
+              <a:spcBef>
+                <a:spcPts val="1200"/>
+              </a:spcBef>
+              <a:spcAft>
+                <a:spcPts val="1200"/>
+              </a:spcAft>
+              <a:defRPr/>
+            </a:pPr>
+            <a:r>
+              <a:rPr lang="en-GB" sz="7200" b="1" dirty="0">
+                <a:solidFill>
+                  <a:schemeClr val="tx1"/>
+                </a:solidFill>
+                <a:effectLst>
+                  <a:outerShdw blurRad="38100" dist="38100" dir="2700000" algn="tl">
+                    <a:srgbClr val="000000">
+                      <a:alpha val="43137"/>
+                    </a:srgbClr>
+                  </a:outerShdw>
+                </a:effectLst>
+                <a:latin typeface="Segoe UI Light"/>
+              </a:rPr>
+              <a:t>Stream Analytics</a:t>
+            </a:r>
+          </a:p>
+        </p:txBody>
+      </p:sp>
+    </p:spTree>
+    <p:extLst>
+      <p:ext uri="{BB962C8B-B14F-4D97-AF65-F5344CB8AC3E}">
+        <p14:creationId xmlns:p14="http://schemas.microsoft.com/office/powerpoint/2010/main" val="2031741729"/>
+      </p:ext>
+    </p:extLst>
+  </p:cSld>
+  <p:clrMapOvr>
+    <a:masterClrMapping/>
+  </p:clrMapOvr>
+  <p:timing>
+    <p:tnLst>
+      <p:par>
+        <p:cTn id="1" dur="indefinite" restart="never" nodeType="tmRoot">
+          <p:childTnLst>
+            <p:seq concurrent="1" nextAc="seek">
+              <p:cTn id="2" dur="indefinite" nodeType="mainSeq">
+                <p:childTnLst>
+                  <p:par>
+                    <p:cTn id="3" fill="hold">
+                      <p:stCondLst>
+                        <p:cond delay="indefinite"/>
+                      </p:stCondLst>
+                      <p:childTnLst>
+                        <p:par>
+                          <p:cTn id="4" fill="hold">
+                            <p:stCondLst>
+                              <p:cond delay="0"/>
+                            </p:stCondLst>
+                            <p:childTnLst>
+                              <p:par>
+                                <p:cTn id="5" presetID="10" presetClass="entr" presetSubtype="0" fill="hold" grpId="0" nodeType="clickEffect">
+                                  <p:stCondLst>
+                                    <p:cond delay="0"/>
+                                  </p:stCondLst>
+                                  <p:childTnLst>
+                                    <p:set>
+                                      <p:cBhvr>
+                                        <p:cTn id="6" dur="1" fill="hold">
+                                          <p:stCondLst>
+                                            <p:cond delay="0"/>
+                                          </p:stCondLst>
+                                        </p:cTn>
+                                        <p:tgtEl>
+                                          <p:spTgt spid="9"/>
+                                        </p:tgtEl>
+                                        <p:attrNameLst>
+                                          <p:attrName>style.visibility</p:attrName>
+                                        </p:attrNameLst>
+                                      </p:cBhvr>
+                                      <p:to>
+                                        <p:strVal val="visible"/>
+                                      </p:to>
+                                    </p:set>
+                                    <p:animEffect transition="in" filter="fade">
+                                      <p:cBhvr>
+                                        <p:cTn id="7" dur="500"/>
+                                        <p:tgtEl>
+                                          <p:spTgt spid="9"/>
+                                        </p:tgtEl>
+                                      </p:cBhvr>
+                                    </p:animEffect>
+                                  </p:childTnLst>
+                                </p:cTn>
+                              </p:par>
+                            </p:childTnLst>
+                          </p:cTn>
+                        </p:par>
+                      </p:childTnLst>
+                    </p:cTn>
+                  </p:par>
+                </p:childTnLst>
+              </p:cTn>
+              <p:prevCondLst>
+                <p:cond evt="onPrev" delay="0">
+                  <p:tgtEl>
+                    <p:sldTgt/>
+                  </p:tgtEl>
+                </p:cond>
+              </p:prevCondLst>
+              <p:nextCondLst>
+                <p:cond evt="onNext" delay="0">
+                  <p:tgtEl>
+                    <p:sldTgt/>
+                  </p:tgtEl>
+                </p:cond>
+              </p:nextCondLst>
+            </p:seq>
+          </p:childTnLst>
+        </p:cTn>
+      </p:par>
+    </p:tnLst>
+    <p:bldLst>
+      <p:bldP spid="9" grpId="0" animBg="1"/>
+    </p:bldLst>
+  </p:timing>
+</p:sld>
+</file>
+
+<file path=ppt/slides/slide26.xml><?xml version="1.0" encoding="utf-8"?>
+<p:sld xmlns:a="http://schemas.openxmlformats.org/drawingml/2006/main" xmlns:r="http://schemas.openxmlformats.org/officeDocument/2006/relationships" xmlns:p="http://schemas.openxmlformats.org/presentationml/2006/main">
+  <p:cSld>
+    <p:spTree>
+      <p:nvGrpSpPr>
+        <p:cNvPr id="1" name=""/>
+        <p:cNvGrpSpPr/>
+        <p:nvPr/>
+      </p:nvGrpSpPr>
+      <p:grpSpPr>
+        <a:xfrm>
+          <a:off x="0" y="0"/>
+          <a:ext cx="0" cy="0"/>
+          <a:chOff x="0" y="0"/>
+          <a:chExt cx="0" cy="0"/>
+        </a:xfrm>
+      </p:grpSpPr>
+      <p:pic>
+        <p:nvPicPr>
+          <p:cNvPr id="2" name="Picture 1">
+            <a:extLst>
+              <a:ext uri="{FF2B5EF4-FFF2-40B4-BE49-F238E27FC236}">
+                <a16:creationId xmlns:a16="http://schemas.microsoft.com/office/drawing/2014/main" id="{CB00F877-62D4-4191-A1C0-BCA26D3AAD76}"/>
+              </a:ext>
+            </a:extLst>
+          </p:cNvPr>
+          <p:cNvPicPr>
+            <a:picLocks noChangeAspect="1"/>
+          </p:cNvPicPr>
+          <p:nvPr/>
+        </p:nvPicPr>
+        <p:blipFill>
+          <a:blip r:embed="rId2"/>
+          <a:stretch>
+            <a:fillRect/>
+          </a:stretch>
+        </p:blipFill>
+        <p:spPr>
+          <a:xfrm>
+            <a:off x="2925440" y="52199"/>
+            <a:ext cx="6341119" cy="6753601"/>
+          </a:xfrm>
+          <a:prstGeom prst="rect">
+            <a:avLst/>
+          </a:prstGeom>
+        </p:spPr>
+      </p:pic>
+      <p:sp>
+        <p:nvSpPr>
+          <p:cNvPr id="9" name="Title 2">
+            <a:extLst>
+              <a:ext uri="{FF2B5EF4-FFF2-40B4-BE49-F238E27FC236}">
+                <a16:creationId xmlns:a16="http://schemas.microsoft.com/office/drawing/2014/main" id="{CB877719-98D4-4914-B56E-634238E5C0E6}"/>
+              </a:ext>
+            </a:extLst>
+          </p:cNvPr>
+          <p:cNvSpPr txBox="1">
+            <a:spLocks/>
+          </p:cNvSpPr>
+          <p:nvPr/>
+        </p:nvSpPr>
+        <p:spPr>
+          <a:xfrm>
+            <a:off x="1" y="2834881"/>
+            <a:ext cx="12191999" cy="1191639"/>
+          </a:xfrm>
+          <a:prstGeom prst="rect">
+            <a:avLst/>
+          </a:prstGeom>
+          <a:solidFill>
+            <a:schemeClr val="bg1">
+              <a:alpha val="50000"/>
+            </a:schemeClr>
+          </a:solidFill>
+        </p:spPr>
+        <p:txBody>
+          <a:bodyPr vert="horz" wrap="square" lIns="143428" tIns="89642" rIns="143428" bIns="89642" rtlCol="0" anchor="t" anchorCtr="0">
+            <a:noAutofit/>
+          </a:bodyPr>
+          <a:lstStyle>
+            <a:lvl1pPr algn="l" defTabSz="932578" rtl="0" eaLnBrk="1" latinLnBrk="0" hangingPunct="1">
+              <a:lnSpc>
+                <a:spcPct val="90000"/>
+              </a:lnSpc>
+              <a:spcBef>
+                <a:spcPct val="0"/>
+              </a:spcBef>
+              <a:buNone/>
+              <a:defRPr lang="en-US" sz="5999" b="0" kern="1200" cap="none" spc="-100" baseline="0">
+                <a:ln w="3175">
+                  <a:noFill/>
+                </a:ln>
+                <a:gradFill>
+                  <a:gsLst>
+                    <a:gs pos="3333">
+                      <a:schemeClr val="tx1"/>
+                    </a:gs>
+                    <a:gs pos="39000">
+                      <a:schemeClr val="tx1"/>
+                    </a:gs>
+                  </a:gsLst>
+                  <a:lin ang="5400000" scaled="0"/>
+                </a:gradFill>
+                <a:effectLst/>
+                <a:latin typeface="+mj-lt"/>
+                <a:ea typeface="+mn-ea"/>
+                <a:cs typeface="Segoe UI" pitchFamily="34" charset="0"/>
+              </a:defRPr>
+            </a:lvl1pPr>
+          </a:lstStyle>
+          <a:p>
+            <a:pPr algn="ctr">
+              <a:spcBef>
+                <a:spcPts val="1200"/>
+              </a:spcBef>
+              <a:spcAft>
+                <a:spcPts val="1200"/>
+              </a:spcAft>
+              <a:defRPr/>
+            </a:pPr>
+            <a:r>
+              <a:rPr lang="en-GB" sz="7200" b="1" dirty="0">
+                <a:solidFill>
+                  <a:schemeClr val="tx1"/>
+                </a:solidFill>
+                <a:effectLst>
+                  <a:outerShdw blurRad="38100" dist="38100" dir="2700000" algn="tl">
+                    <a:srgbClr val="000000">
+                      <a:alpha val="43137"/>
+                    </a:srgbClr>
+                  </a:outerShdw>
+                </a:effectLst>
+                <a:latin typeface="Segoe UI Light"/>
+              </a:rPr>
+              <a:t>Data Catalogue</a:t>
+            </a:r>
+          </a:p>
+        </p:txBody>
+      </p:sp>
+    </p:spTree>
+    <p:extLst>
+      <p:ext uri="{BB962C8B-B14F-4D97-AF65-F5344CB8AC3E}">
+        <p14:creationId xmlns:p14="http://schemas.microsoft.com/office/powerpoint/2010/main" val="2067566175"/>
+      </p:ext>
+    </p:extLst>
+  </p:cSld>
+  <p:clrMapOvr>
+    <a:masterClrMapping/>
+  </p:clrMapOvr>
+  <p:timing>
+    <p:tnLst>
+      <p:par>
+        <p:cTn id="1" dur="indefinite" restart="never" nodeType="tmRoot">
+          <p:childTnLst>
+            <p:seq concurrent="1" nextAc="seek">
+              <p:cTn id="2" dur="indefinite" nodeType="mainSeq">
+                <p:childTnLst>
+                  <p:par>
+                    <p:cTn id="3" fill="hold">
+                      <p:stCondLst>
+                        <p:cond delay="indefinite"/>
+                      </p:stCondLst>
+                      <p:childTnLst>
+                        <p:par>
+                          <p:cTn id="4" fill="hold">
+                            <p:stCondLst>
+                              <p:cond delay="0"/>
+                            </p:stCondLst>
+                            <p:childTnLst>
+                              <p:par>
+                                <p:cTn id="5" presetID="10" presetClass="entr" presetSubtype="0" fill="hold" grpId="0" nodeType="clickEffect">
+                                  <p:stCondLst>
+                                    <p:cond delay="0"/>
+                                  </p:stCondLst>
+                                  <p:childTnLst>
+                                    <p:set>
+                                      <p:cBhvr>
+                                        <p:cTn id="6" dur="1" fill="hold">
+                                          <p:stCondLst>
+                                            <p:cond delay="0"/>
+                                          </p:stCondLst>
+                                        </p:cTn>
+                                        <p:tgtEl>
+                                          <p:spTgt spid="9"/>
+                                        </p:tgtEl>
+                                        <p:attrNameLst>
+                                          <p:attrName>style.visibility</p:attrName>
+                                        </p:attrNameLst>
+                                      </p:cBhvr>
+                                      <p:to>
+                                        <p:strVal val="visible"/>
+                                      </p:to>
+                                    </p:set>
+                                    <p:animEffect transition="in" filter="fade">
+                                      <p:cBhvr>
+                                        <p:cTn id="7" dur="500"/>
+                                        <p:tgtEl>
+                                          <p:spTgt spid="9"/>
+                                        </p:tgtEl>
+                                      </p:cBhvr>
+                                    </p:animEffect>
+                                  </p:childTnLst>
+                                </p:cTn>
+                              </p:par>
+                            </p:childTnLst>
+                          </p:cTn>
+                        </p:par>
+                      </p:childTnLst>
+                    </p:cTn>
+                  </p:par>
+                </p:childTnLst>
+              </p:cTn>
+              <p:prevCondLst>
+                <p:cond evt="onPrev" delay="0">
+                  <p:tgtEl>
+                    <p:sldTgt/>
+                  </p:tgtEl>
+                </p:cond>
+              </p:prevCondLst>
+              <p:nextCondLst>
+                <p:cond evt="onNext" delay="0">
+                  <p:tgtEl>
+                    <p:sldTgt/>
+                  </p:tgtEl>
+                </p:cond>
+              </p:nextCondLst>
+            </p:seq>
+          </p:childTnLst>
+        </p:cTn>
+      </p:par>
+    </p:tnLst>
+    <p:bldLst>
+      <p:bldP spid="9" grpId="0" animBg="1"/>
+    </p:bldLst>
+  </p:timing>
+</p:sld>
+</file>
+
+<file path=ppt/slides/slide27.xml><?xml version="1.0" encoding="utf-8"?>
+<p:sld xmlns:a="http://schemas.openxmlformats.org/drawingml/2006/main" xmlns:r="http://schemas.openxmlformats.org/officeDocument/2006/relationships" xmlns:p="http://schemas.openxmlformats.org/presentationml/2006/main">
+  <p:cSld>
+    <p:spTree>
+      <p:nvGrpSpPr>
+        <p:cNvPr id="1" name=""/>
+        <p:cNvGrpSpPr/>
+        <p:nvPr/>
+      </p:nvGrpSpPr>
+      <p:grpSpPr>
+        <a:xfrm>
+          <a:off x="0" y="0"/>
+          <a:ext cx="0" cy="0"/>
+          <a:chOff x="0" y="0"/>
+          <a:chExt cx="0" cy="0"/>
+        </a:xfrm>
+      </p:grpSpPr>
+      <p:pic>
+        <p:nvPicPr>
+          <p:cNvPr id="3" name="Picture 2">
+            <a:extLst>
+              <a:ext uri="{FF2B5EF4-FFF2-40B4-BE49-F238E27FC236}">
+                <a16:creationId xmlns:a16="http://schemas.microsoft.com/office/drawing/2014/main" id="{C05ADA2A-281E-4FD1-B782-E3CA3666A6F6}"/>
+              </a:ext>
+            </a:extLst>
+          </p:cNvPr>
+          <p:cNvPicPr>
+            <a:picLocks noChangeAspect="1"/>
+          </p:cNvPicPr>
+          <p:nvPr/>
+        </p:nvPicPr>
+        <p:blipFill>
+          <a:blip r:embed="rId2"/>
+          <a:stretch>
+            <a:fillRect/>
+          </a:stretch>
+        </p:blipFill>
+        <p:spPr>
+          <a:xfrm>
+            <a:off x="3018139" y="0"/>
+            <a:ext cx="6155721" cy="6858000"/>
+          </a:xfrm>
+          <a:prstGeom prst="rect">
+            <a:avLst/>
+          </a:prstGeom>
+        </p:spPr>
+      </p:pic>
+      <p:sp>
+        <p:nvSpPr>
+          <p:cNvPr id="9" name="Title 2">
+            <a:extLst>
+              <a:ext uri="{FF2B5EF4-FFF2-40B4-BE49-F238E27FC236}">
+                <a16:creationId xmlns:a16="http://schemas.microsoft.com/office/drawing/2014/main" id="{CB877719-98D4-4914-B56E-634238E5C0E6}"/>
+              </a:ext>
+            </a:extLst>
+          </p:cNvPr>
+          <p:cNvSpPr txBox="1">
+            <a:spLocks/>
+          </p:cNvSpPr>
+          <p:nvPr/>
+        </p:nvSpPr>
+        <p:spPr>
+          <a:xfrm>
+            <a:off x="1" y="2834881"/>
+            <a:ext cx="12191999" cy="1191639"/>
+          </a:xfrm>
+          <a:prstGeom prst="rect">
+            <a:avLst/>
+          </a:prstGeom>
+          <a:solidFill>
+            <a:schemeClr val="bg1">
+              <a:alpha val="50000"/>
+            </a:schemeClr>
+          </a:solidFill>
+        </p:spPr>
+        <p:txBody>
+          <a:bodyPr vert="horz" wrap="square" lIns="143428" tIns="89642" rIns="143428" bIns="89642" rtlCol="0" anchor="t" anchorCtr="0">
+            <a:noAutofit/>
+          </a:bodyPr>
+          <a:lstStyle>
+            <a:lvl1pPr algn="l" defTabSz="932578" rtl="0" eaLnBrk="1" latinLnBrk="0" hangingPunct="1">
+              <a:lnSpc>
+                <a:spcPct val="90000"/>
+              </a:lnSpc>
+              <a:spcBef>
+                <a:spcPct val="0"/>
+              </a:spcBef>
+              <a:buNone/>
+              <a:defRPr lang="en-US" sz="5999" b="0" kern="1200" cap="none" spc="-100" baseline="0">
+                <a:ln w="3175">
+                  <a:noFill/>
+                </a:ln>
+                <a:gradFill>
+                  <a:gsLst>
+                    <a:gs pos="3333">
+                      <a:schemeClr val="tx1"/>
+                    </a:gs>
+                    <a:gs pos="39000">
+                      <a:schemeClr val="tx1"/>
+                    </a:gs>
+                  </a:gsLst>
+                  <a:lin ang="5400000" scaled="0"/>
+                </a:gradFill>
+                <a:effectLst/>
+                <a:latin typeface="+mj-lt"/>
+                <a:ea typeface="+mn-ea"/>
+                <a:cs typeface="Segoe UI" pitchFamily="34" charset="0"/>
+              </a:defRPr>
+            </a:lvl1pPr>
+          </a:lstStyle>
+          <a:p>
+            <a:pPr algn="ctr">
+              <a:spcBef>
+                <a:spcPts val="1200"/>
+              </a:spcBef>
+              <a:spcAft>
+                <a:spcPts val="1200"/>
+              </a:spcAft>
+              <a:defRPr/>
+            </a:pPr>
+            <a:r>
+              <a:rPr lang="en-GB" sz="7200" b="1" dirty="0">
+                <a:solidFill>
+                  <a:schemeClr val="tx1"/>
+                </a:solidFill>
+                <a:effectLst>
+                  <a:outerShdw blurRad="38100" dist="38100" dir="2700000" algn="tl">
+                    <a:srgbClr val="000000">
+                      <a:alpha val="43137"/>
+                    </a:srgbClr>
+                  </a:outerShdw>
+                </a:effectLst>
+                <a:latin typeface="Segoe UI Light"/>
+              </a:rPr>
+              <a:t>Key Vault</a:t>
+            </a:r>
+          </a:p>
+        </p:txBody>
+      </p:sp>
+    </p:spTree>
+    <p:extLst>
+      <p:ext uri="{BB962C8B-B14F-4D97-AF65-F5344CB8AC3E}">
+        <p14:creationId xmlns:p14="http://schemas.microsoft.com/office/powerpoint/2010/main" val="1384612691"/>
+      </p:ext>
+    </p:extLst>
+  </p:cSld>
+  <p:clrMapOvr>
+    <a:masterClrMapping/>
+  </p:clrMapOvr>
+  <p:timing>
+    <p:tnLst>
+      <p:par>
+        <p:cTn id="1" dur="indefinite" restart="never" nodeType="tmRoot">
+          <p:childTnLst>
+            <p:seq concurrent="1" nextAc="seek">
+              <p:cTn id="2" dur="indefinite" nodeType="mainSeq">
+                <p:childTnLst>
+                  <p:par>
+                    <p:cTn id="3" fill="hold">
+                      <p:stCondLst>
+                        <p:cond delay="indefinite"/>
+                      </p:stCondLst>
+                      <p:childTnLst>
+                        <p:par>
+                          <p:cTn id="4" fill="hold">
+                            <p:stCondLst>
+                              <p:cond delay="0"/>
+                            </p:stCondLst>
+                            <p:childTnLst>
+                              <p:par>
+                                <p:cTn id="5" presetID="10" presetClass="entr" presetSubtype="0" fill="hold" grpId="0" nodeType="clickEffect">
+                                  <p:stCondLst>
+                                    <p:cond delay="0"/>
+                                  </p:stCondLst>
+                                  <p:childTnLst>
+                                    <p:set>
+                                      <p:cBhvr>
+                                        <p:cTn id="6" dur="1" fill="hold">
+                                          <p:stCondLst>
+                                            <p:cond delay="0"/>
+                                          </p:stCondLst>
+                                        </p:cTn>
+                                        <p:tgtEl>
+                                          <p:spTgt spid="9"/>
+                                        </p:tgtEl>
+                                        <p:attrNameLst>
+                                          <p:attrName>style.visibility</p:attrName>
+                                        </p:attrNameLst>
+                                      </p:cBhvr>
+                                      <p:to>
+                                        <p:strVal val="visible"/>
+                                      </p:to>
+                                    </p:set>
+                                    <p:animEffect transition="in" filter="fade">
+                                      <p:cBhvr>
+                                        <p:cTn id="7" dur="500"/>
+                                        <p:tgtEl>
+                                          <p:spTgt spid="9"/>
+                                        </p:tgtEl>
+                                      </p:cBhvr>
+                                    </p:animEffect>
+                                  </p:childTnLst>
+                                </p:cTn>
+                              </p:par>
+                            </p:childTnLst>
+                          </p:cTn>
+                        </p:par>
+                      </p:childTnLst>
+                    </p:cTn>
+                  </p:par>
+                </p:childTnLst>
+              </p:cTn>
+              <p:prevCondLst>
+                <p:cond evt="onPrev" delay="0">
+                  <p:tgtEl>
+                    <p:sldTgt/>
+                  </p:tgtEl>
+                </p:cond>
+              </p:prevCondLst>
+              <p:nextCondLst>
+                <p:cond evt="onNext" delay="0">
+                  <p:tgtEl>
+                    <p:sldTgt/>
+                  </p:tgtEl>
+                </p:cond>
+              </p:nextCondLst>
+            </p:seq>
+          </p:childTnLst>
+        </p:cTn>
+      </p:par>
+    </p:tnLst>
+    <p:bldLst>
+      <p:bldP spid="9" grpId="0" animBg="1"/>
+    </p:bldLst>
+  </p:timing>
+</p:sld>
+</file>
+
+<file path=ppt/slides/slide28.xml><?xml version="1.0" encoding="utf-8"?>
+<p:sld xmlns:a="http://schemas.openxmlformats.org/drawingml/2006/main" xmlns:r="http://schemas.openxmlformats.org/officeDocument/2006/relationships" xmlns:p="http://schemas.openxmlformats.org/presentationml/2006/main">
+  <p:cSld>
+    <p:spTree>
+      <p:nvGrpSpPr>
+        <p:cNvPr id="1" name=""/>
+        <p:cNvGrpSpPr/>
+        <p:nvPr/>
+      </p:nvGrpSpPr>
+      <p:grpSpPr>
+        <a:xfrm>
+          <a:off x="0" y="0"/>
+          <a:ext cx="0" cy="0"/>
+          <a:chOff x="0" y="0"/>
+          <a:chExt cx="0" cy="0"/>
+        </a:xfrm>
+      </p:grpSpPr>
+      <p:pic>
+        <p:nvPicPr>
           <p:cNvPr id="3" name="Picture 2">
             <a:extLst>
               <a:ext uri="{FF2B5EF4-FFF2-40B4-BE49-F238E27FC236}">
@@ -7756,7 +8469,7 @@
 </p:sld>
 </file>
 
-<file path=ppt/slides/slide26.xml><?xml version="1.0" encoding="utf-8"?>
+<file path=ppt/slides/slide29.xml><?xml version="1.0" encoding="utf-8"?>
 <p:sld xmlns:a="http://schemas.openxmlformats.org/drawingml/2006/main" xmlns:r="http://schemas.openxmlformats.org/officeDocument/2006/relationships" xmlns:p="http://schemas.openxmlformats.org/presentationml/2006/main">
   <p:cSld>
     <p:spTree>
@@ -8091,102 +8804,6 @@
     <p:extLst>
       <p:ext uri="{BB962C8B-B14F-4D97-AF65-F5344CB8AC3E}">
         <p14:creationId xmlns:p14="http://schemas.microsoft.com/office/powerpoint/2010/main" val="4192887432"/>
-      </p:ext>
-    </p:extLst>
-  </p:cSld>
-  <p:clrMapOvr>
-    <a:masterClrMapping/>
-  </p:clrMapOvr>
-</p:sld>
-</file>
-
-<file path=ppt/slides/slide27.xml><?xml version="1.0" encoding="utf-8"?>
-<p:sld xmlns:a="http://schemas.openxmlformats.org/drawingml/2006/main" xmlns:r="http://schemas.openxmlformats.org/officeDocument/2006/relationships" xmlns:p="http://schemas.openxmlformats.org/presentationml/2006/main">
-  <p:cSld>
-    <p:spTree>
-      <p:nvGrpSpPr>
-        <p:cNvPr id="1" name=""/>
-        <p:cNvGrpSpPr/>
-        <p:nvPr/>
-      </p:nvGrpSpPr>
-      <p:grpSpPr>
-        <a:xfrm>
-          <a:off x="0" y="0"/>
-          <a:ext cx="0" cy="0"/>
-          <a:chOff x="0" y="0"/>
-          <a:chExt cx="0" cy="0"/>
-        </a:xfrm>
-      </p:grpSpPr>
-      <p:pic>
-        <p:nvPicPr>
-          <p:cNvPr id="7" name="Picture 6">
-            <a:extLst>
-              <a:ext uri="{FF2B5EF4-FFF2-40B4-BE49-F238E27FC236}">
-                <a16:creationId xmlns:a16="http://schemas.microsoft.com/office/drawing/2014/main" id="{BD13AB21-6598-4C97-809C-8827E0A05676}"/>
-              </a:ext>
-            </a:extLst>
-          </p:cNvPr>
-          <p:cNvPicPr>
-            <a:picLocks noChangeAspect="1"/>
-          </p:cNvPicPr>
-          <p:nvPr/>
-        </p:nvPicPr>
-        <p:blipFill rotWithShape="1">
-          <a:blip r:embed="rId2"/>
-          <a:srcRect t="-242" r="703" b="922"/>
-          <a:stretch/>
-        </p:blipFill>
-        <p:spPr>
-          <a:xfrm>
-            <a:off x="48126" y="43217"/>
-            <a:ext cx="12106275" cy="6582173"/>
-          </a:xfrm>
-          <a:prstGeom prst="rect">
-            <a:avLst/>
-          </a:prstGeom>
-        </p:spPr>
-      </p:pic>
-      <p:sp>
-        <p:nvSpPr>
-          <p:cNvPr id="4" name="Rectangle 3">
-            <a:extLst>
-              <a:ext uri="{FF2B5EF4-FFF2-40B4-BE49-F238E27FC236}">
-                <a16:creationId xmlns:a16="http://schemas.microsoft.com/office/drawing/2014/main" id="{CA33DAEC-5F17-4FF8-97B6-4D83BEFB4B73}"/>
-              </a:ext>
-            </a:extLst>
-          </p:cNvPr>
-          <p:cNvSpPr/>
-          <p:nvPr/>
-        </p:nvSpPr>
-        <p:spPr>
-          <a:xfrm>
-            <a:off x="5654842" y="5496109"/>
-            <a:ext cx="6031831" cy="338554"/>
-          </a:xfrm>
-          <a:prstGeom prst="rect">
-            <a:avLst/>
-          </a:prstGeom>
-        </p:spPr>
-        <p:txBody>
-          <a:bodyPr wrap="square">
-            <a:spAutoFit/>
-          </a:bodyPr>
-          <a:lstStyle/>
-          <a:p>
-            <a:r>
-              <a:rPr lang="en-GB" sz="1600" dirty="0">
-                <a:hlinkClick r:id="rId3"/>
-              </a:rPr>
-              <a:t>https://www.microsoft.com/en-gb/download/details.aspx?id=41937</a:t>
-            </a:r>
-            <a:endParaRPr lang="en-GB" sz="1600" dirty="0"/>
-          </a:p>
-        </p:txBody>
-      </p:sp>
-    </p:spTree>
-    <p:extLst>
-      <p:ext uri="{BB962C8B-B14F-4D97-AF65-F5344CB8AC3E}">
-        <p14:creationId xmlns:p14="http://schemas.microsoft.com/office/powerpoint/2010/main" val="2946166261"/>
       </p:ext>
     </p:extLst>
   </p:cSld>
@@ -8444,19 +9061,105 @@
 </p:sld>
 </file>
 
+<file path=ppt/slides/slide30.xml><?xml version="1.0" encoding="utf-8"?>
+<p:sld xmlns:a="http://schemas.openxmlformats.org/drawingml/2006/main" xmlns:r="http://schemas.openxmlformats.org/officeDocument/2006/relationships" xmlns:p="http://schemas.openxmlformats.org/presentationml/2006/main">
+  <p:cSld>
+    <p:spTree>
+      <p:nvGrpSpPr>
+        <p:cNvPr id="1" name=""/>
+        <p:cNvGrpSpPr/>
+        <p:nvPr/>
+      </p:nvGrpSpPr>
+      <p:grpSpPr>
+        <a:xfrm>
+          <a:off x="0" y="0"/>
+          <a:ext cx="0" cy="0"/>
+          <a:chOff x="0" y="0"/>
+          <a:chExt cx="0" cy="0"/>
+        </a:xfrm>
+      </p:grpSpPr>
+      <p:pic>
+        <p:nvPicPr>
+          <p:cNvPr id="7" name="Picture 6">
+            <a:extLst>
+              <a:ext uri="{FF2B5EF4-FFF2-40B4-BE49-F238E27FC236}">
+                <a16:creationId xmlns:a16="http://schemas.microsoft.com/office/drawing/2014/main" id="{BD13AB21-6598-4C97-809C-8827E0A05676}"/>
+              </a:ext>
+            </a:extLst>
+          </p:cNvPr>
+          <p:cNvPicPr>
+            <a:picLocks noChangeAspect="1"/>
+          </p:cNvPicPr>
+          <p:nvPr/>
+        </p:nvPicPr>
+        <p:blipFill rotWithShape="1">
+          <a:blip r:embed="rId2"/>
+          <a:srcRect t="-242" r="703" b="922"/>
+          <a:stretch/>
+        </p:blipFill>
+        <p:spPr>
+          <a:xfrm>
+            <a:off x="48126" y="43217"/>
+            <a:ext cx="12106275" cy="6582173"/>
+          </a:xfrm>
+          <a:prstGeom prst="rect">
+            <a:avLst/>
+          </a:prstGeom>
+        </p:spPr>
+      </p:pic>
+      <p:sp>
+        <p:nvSpPr>
+          <p:cNvPr id="4" name="Rectangle 3">
+            <a:extLst>
+              <a:ext uri="{FF2B5EF4-FFF2-40B4-BE49-F238E27FC236}">
+                <a16:creationId xmlns:a16="http://schemas.microsoft.com/office/drawing/2014/main" id="{CA33DAEC-5F17-4FF8-97B6-4D83BEFB4B73}"/>
+              </a:ext>
+            </a:extLst>
+          </p:cNvPr>
+          <p:cNvSpPr/>
+          <p:nvPr/>
+        </p:nvSpPr>
+        <p:spPr>
+          <a:xfrm>
+            <a:off x="5654842" y="5496109"/>
+            <a:ext cx="6031831" cy="338554"/>
+          </a:xfrm>
+          <a:prstGeom prst="rect">
+            <a:avLst/>
+          </a:prstGeom>
+        </p:spPr>
+        <p:txBody>
+          <a:bodyPr wrap="square">
+            <a:spAutoFit/>
+          </a:bodyPr>
+          <a:lstStyle/>
+          <a:p>
+            <a:r>
+              <a:rPr lang="en-GB" sz="1600" dirty="0">
+                <a:hlinkClick r:id="rId3"/>
+              </a:rPr>
+              <a:t>https://www.microsoft.com/en-gb/download/details.aspx?id=41937</a:t>
+            </a:r>
+            <a:endParaRPr lang="en-GB" sz="1600" dirty="0"/>
+          </a:p>
+        </p:txBody>
+      </p:sp>
+    </p:spTree>
+    <p:extLst>
+      <p:ext uri="{BB962C8B-B14F-4D97-AF65-F5344CB8AC3E}">
+        <p14:creationId xmlns:p14="http://schemas.microsoft.com/office/powerpoint/2010/main" val="2946166261"/>
+      </p:ext>
+    </p:extLst>
+  </p:cSld>
+  <p:clrMapOvr>
+    <a:masterClrMapping/>
+  </p:clrMapOvr>
+</p:sld>
+</file>
+
 <file path=ppt/slides/slide4.xml><?xml version="1.0" encoding="utf-8"?>
 <p:sld xmlns:a="http://schemas.openxmlformats.org/drawingml/2006/main" xmlns:r="http://schemas.openxmlformats.org/officeDocument/2006/relationships" xmlns:p="http://schemas.openxmlformats.org/presentationml/2006/main">
   <p:cSld>
-    <p:bg>
-      <p:bgPr>
-        <a:solidFill>
-          <a:schemeClr val="bg1">
-            <a:alpha val="50000"/>
-          </a:schemeClr>
-        </a:solidFill>
-        <a:effectLst/>
-      </p:bgPr>
-    </p:bg>
     <p:spTree>
       <p:nvGrpSpPr>
         <p:cNvPr id="1" name=""/>
@@ -8476,7 +9179,7 @@
           <p:cNvPr id="3" name="Picture 2">
             <a:extLst>
               <a:ext uri="{FF2B5EF4-FFF2-40B4-BE49-F238E27FC236}">
-                <a16:creationId xmlns:a16="http://schemas.microsoft.com/office/drawing/2014/main" id="{9A68ECC0-C578-4F42-8AD2-063ED47D4C68}"/>
+                <a16:creationId xmlns:a16="http://schemas.microsoft.com/office/drawing/2014/main" id="{865FD3B7-6122-4AB9-9EA6-7B249A3B65A4}"/>
               </a:ext>
             </a:extLst>
           </p:cNvPr>
@@ -8493,8 +9196,8 @@
         </p:blipFill>
         <p:spPr>
           <a:xfrm>
-            <a:off x="2719734" y="56666"/>
-            <a:ext cx="6752532" cy="6744667"/>
+            <a:off x="2030042" y="0"/>
+            <a:ext cx="8131915" cy="6847018"/>
           </a:xfrm>
           <a:prstGeom prst="rect">
             <a:avLst/>
@@ -8588,7 +9291,7 @@
                 </a:effectLst>
                 <a:latin typeface="Segoe UI Light"/>
               </a:rPr>
-              <a:t>Azure Active Directory</a:t>
+              <a:t>Cosmos DB</a:t>
             </a:r>
           </a:p>
         </p:txBody>
@@ -8596,7 +9299,7 @@
     </p:spTree>
     <p:extLst>
       <p:ext uri="{BB962C8B-B14F-4D97-AF65-F5344CB8AC3E}">
-        <p14:creationId xmlns:p14="http://schemas.microsoft.com/office/powerpoint/2010/main" val="2470710082"/>
+        <p14:creationId xmlns:p14="http://schemas.microsoft.com/office/powerpoint/2010/main" val="2680484976"/>
       </p:ext>
     </p:extLst>
   </p:cSld>
@@ -8721,10 +9424,10 @@
       </p:grpSpPr>
       <p:pic>
         <p:nvPicPr>
-          <p:cNvPr id="4" name="Picture 3">
-            <a:extLst>
-              <a:ext uri="{FF2B5EF4-FFF2-40B4-BE49-F238E27FC236}">
-                <a16:creationId xmlns:a16="http://schemas.microsoft.com/office/drawing/2014/main" id="{9DAB6860-19FF-46AA-9058-009DBDCE5D1F}"/>
+          <p:cNvPr id="3" name="Picture 2">
+            <a:extLst>
+              <a:ext uri="{FF2B5EF4-FFF2-40B4-BE49-F238E27FC236}">
+                <a16:creationId xmlns:a16="http://schemas.microsoft.com/office/drawing/2014/main" id="{9A68ECC0-C578-4F42-8AD2-063ED47D4C68}"/>
               </a:ext>
             </a:extLst>
           </p:cNvPr>
@@ -8741,8 +9444,8 @@
         </p:blipFill>
         <p:spPr>
           <a:xfrm>
-            <a:off x="2795756" y="132599"/>
-            <a:ext cx="6600488" cy="6592801"/>
+            <a:off x="2719734" y="56666"/>
+            <a:ext cx="6752532" cy="6744667"/>
           </a:xfrm>
           <a:prstGeom prst="rect">
             <a:avLst/>
@@ -8836,7 +9539,7 @@
                 </a:effectLst>
                 <a:latin typeface="Segoe UI Light"/>
               </a:rPr>
-              <a:t>Azure Advisor</a:t>
+              <a:t>Azure Active Directory</a:t>
             </a:r>
           </a:p>
         </p:txBody>
@@ -8844,7 +9547,7 @@
     </p:spTree>
     <p:extLst>
       <p:ext uri="{BB962C8B-B14F-4D97-AF65-F5344CB8AC3E}">
-        <p14:creationId xmlns:p14="http://schemas.microsoft.com/office/powerpoint/2010/main" val="653402032"/>
+        <p14:creationId xmlns:p14="http://schemas.microsoft.com/office/powerpoint/2010/main" val="2470710082"/>
       </p:ext>
     </p:extLst>
   </p:cSld>
@@ -8962,7 +9665,7 @@
           <p:cNvPr id="3" name="Picture 2">
             <a:extLst>
               <a:ext uri="{FF2B5EF4-FFF2-40B4-BE49-F238E27FC236}">
-                <a16:creationId xmlns:a16="http://schemas.microsoft.com/office/drawing/2014/main" id="{7212D992-2472-4487-8078-00C72B65CAEE}"/>
+                <a16:creationId xmlns:a16="http://schemas.microsoft.com/office/drawing/2014/main" id="{1CA89D36-E1D9-4FD8-8869-059B5189D16C}"/>
               </a:ext>
             </a:extLst>
           </p:cNvPr>
@@ -8979,8 +9682,8 @@
         </p:blipFill>
         <p:spPr>
           <a:xfrm>
-            <a:off x="2764453" y="101333"/>
-            <a:ext cx="6663094" cy="6655334"/>
+            <a:off x="3542559" y="61133"/>
+            <a:ext cx="5106882" cy="6735734"/>
           </a:xfrm>
           <a:prstGeom prst="rect">
             <a:avLst/>
@@ -9074,7 +9777,7 @@
                 </a:effectLst>
                 <a:latin typeface="Segoe UI Light"/>
               </a:rPr>
-              <a:t>Resources</a:t>
+              <a:t>SQL Database</a:t>
             </a:r>
           </a:p>
         </p:txBody>
@@ -9082,7 +9785,7 @@
     </p:spTree>
     <p:extLst>
       <p:ext uri="{BB962C8B-B14F-4D97-AF65-F5344CB8AC3E}">
-        <p14:creationId xmlns:p14="http://schemas.microsoft.com/office/powerpoint/2010/main" val="2295619804"/>
+        <p14:creationId xmlns:p14="http://schemas.microsoft.com/office/powerpoint/2010/main" val="3244887524"/>
       </p:ext>
     </p:extLst>
   </p:cSld>
@@ -9181,6 +9884,16 @@
 <file path=ppt/slides/slide7.xml><?xml version="1.0" encoding="utf-8"?>
 <p:sld xmlns:a="http://schemas.openxmlformats.org/drawingml/2006/main" xmlns:r="http://schemas.openxmlformats.org/officeDocument/2006/relationships" xmlns:p="http://schemas.openxmlformats.org/presentationml/2006/main">
   <p:cSld>
+    <p:bg>
+      <p:bgPr>
+        <a:solidFill>
+          <a:schemeClr val="bg1">
+            <a:alpha val="50000"/>
+          </a:schemeClr>
+        </a:solidFill>
+        <a:effectLst/>
+      </p:bgPr>
+    </p:bg>
     <p:spTree>
       <p:nvGrpSpPr>
         <p:cNvPr id="1" name=""/>
@@ -9197,10 +9910,10 @@
       </p:grpSpPr>
       <p:pic>
         <p:nvPicPr>
-          <p:cNvPr id="2" name="Picture 1">
-            <a:extLst>
-              <a:ext uri="{FF2B5EF4-FFF2-40B4-BE49-F238E27FC236}">
-                <a16:creationId xmlns:a16="http://schemas.microsoft.com/office/drawing/2014/main" id="{DFCBF99B-DEED-4980-8C79-B1BD2293E22B}"/>
+          <p:cNvPr id="4" name="Picture 3">
+            <a:extLst>
+              <a:ext uri="{FF2B5EF4-FFF2-40B4-BE49-F238E27FC236}">
+                <a16:creationId xmlns:a16="http://schemas.microsoft.com/office/drawing/2014/main" id="{9DAB6860-19FF-46AA-9058-009DBDCE5D1F}"/>
               </a:ext>
             </a:extLst>
           </p:cNvPr>
@@ -9217,8 +9930,8 @@
         </p:blipFill>
         <p:spPr>
           <a:xfrm>
-            <a:off x="1396059" y="717733"/>
-            <a:ext cx="9399882" cy="5422534"/>
+            <a:off x="2795756" y="132599"/>
+            <a:ext cx="6600488" cy="6592801"/>
           </a:xfrm>
           <a:prstGeom prst="rect">
             <a:avLst/>
@@ -9312,7 +10025,7 @@
                 </a:effectLst>
                 <a:latin typeface="Segoe UI Light"/>
               </a:rPr>
-              <a:t>Virtual Network</a:t>
+              <a:t>Azure Advisor</a:t>
             </a:r>
           </a:p>
         </p:txBody>
@@ -9320,7 +10033,7 @@
     </p:spTree>
     <p:extLst>
       <p:ext uri="{BB962C8B-B14F-4D97-AF65-F5344CB8AC3E}">
-        <p14:creationId xmlns:p14="http://schemas.microsoft.com/office/powerpoint/2010/main" val="215655951"/>
+        <p14:creationId xmlns:p14="http://schemas.microsoft.com/office/powerpoint/2010/main" val="653402032"/>
       </p:ext>
     </p:extLst>
   </p:cSld>
@@ -9438,7 +10151,7 @@
           <p:cNvPr id="3" name="Picture 2">
             <a:extLst>
               <a:ext uri="{FF2B5EF4-FFF2-40B4-BE49-F238E27FC236}">
-                <a16:creationId xmlns:a16="http://schemas.microsoft.com/office/drawing/2014/main" id="{865FD3B7-6122-4AB9-9EA6-7B249A3B65A4}"/>
+                <a16:creationId xmlns:a16="http://schemas.microsoft.com/office/drawing/2014/main" id="{7212D992-2472-4487-8078-00C72B65CAEE}"/>
               </a:ext>
             </a:extLst>
           </p:cNvPr>
@@ -9455,8 +10168,8 @@
         </p:blipFill>
         <p:spPr>
           <a:xfrm>
-            <a:off x="2030042" y="0"/>
-            <a:ext cx="8131915" cy="6847018"/>
+            <a:off x="2764453" y="101333"/>
+            <a:ext cx="6663094" cy="6655334"/>
           </a:xfrm>
           <a:prstGeom prst="rect">
             <a:avLst/>
@@ -9550,7 +10263,7 @@
                 </a:effectLst>
                 <a:latin typeface="Segoe UI Light"/>
               </a:rPr>
-              <a:t>Cosmos DB</a:t>
+              <a:t>Resources</a:t>
             </a:r>
           </a:p>
         </p:txBody>
@@ -9558,7 +10271,7 @@
     </p:spTree>
     <p:extLst>
       <p:ext uri="{BB962C8B-B14F-4D97-AF65-F5344CB8AC3E}">
-        <p14:creationId xmlns:p14="http://schemas.microsoft.com/office/powerpoint/2010/main" val="2680484976"/>
+        <p14:creationId xmlns:p14="http://schemas.microsoft.com/office/powerpoint/2010/main" val="2295619804"/>
       </p:ext>
     </p:extLst>
   </p:cSld>
@@ -9673,10 +10386,10 @@
       </p:grpSpPr>
       <p:pic>
         <p:nvPicPr>
-          <p:cNvPr id="3" name="Picture 2">
-            <a:extLst>
-              <a:ext uri="{FF2B5EF4-FFF2-40B4-BE49-F238E27FC236}">
-                <a16:creationId xmlns:a16="http://schemas.microsoft.com/office/drawing/2014/main" id="{1CA89D36-E1D9-4FD8-8869-059B5189D16C}"/>
+          <p:cNvPr id="2" name="Picture 1">
+            <a:extLst>
+              <a:ext uri="{FF2B5EF4-FFF2-40B4-BE49-F238E27FC236}">
+                <a16:creationId xmlns:a16="http://schemas.microsoft.com/office/drawing/2014/main" id="{DFCBF99B-DEED-4980-8C79-B1BD2293E22B}"/>
               </a:ext>
             </a:extLst>
           </p:cNvPr>
@@ -9693,8 +10406,8 @@
         </p:blipFill>
         <p:spPr>
           <a:xfrm>
-            <a:off x="3542559" y="61133"/>
-            <a:ext cx="5106882" cy="6735734"/>
+            <a:off x="1396059" y="717733"/>
+            <a:ext cx="9399882" cy="5422534"/>
           </a:xfrm>
           <a:prstGeom prst="rect">
             <a:avLst/>
@@ -9788,7 +10501,7 @@
                 </a:effectLst>
                 <a:latin typeface="Segoe UI Light"/>
               </a:rPr>
-              <a:t>SQL Database</a:t>
+              <a:t>Virtual Network</a:t>
             </a:r>
           </a:p>
         </p:txBody>
@@ -9796,7 +10509,7 @@
     </p:spTree>
     <p:extLst>
       <p:ext uri="{BB962C8B-B14F-4D97-AF65-F5344CB8AC3E}">
-        <p14:creationId xmlns:p14="http://schemas.microsoft.com/office/powerpoint/2010/main" val="3244887524"/>
+        <p14:creationId xmlns:p14="http://schemas.microsoft.com/office/powerpoint/2010/main" val="215655951"/>
       </p:ext>
     </p:extLst>
   </p:cSld>

--- a/The Azure Icon Game.pptx
+++ b/The Azure Icon Game.pptx
@@ -11,30 +11,29 @@
     <p:sldId id="290" r:id="rId5"/>
     <p:sldId id="272" r:id="rId6"/>
     <p:sldId id="274" r:id="rId7"/>
-    <p:sldId id="292" r:id="rId8"/>
-    <p:sldId id="271" r:id="rId9"/>
-    <p:sldId id="273" r:id="rId10"/>
-    <p:sldId id="275" r:id="rId11"/>
-    <p:sldId id="276" r:id="rId12"/>
-    <p:sldId id="294" r:id="rId13"/>
-    <p:sldId id="282" r:id="rId14"/>
-    <p:sldId id="283" r:id="rId15"/>
-    <p:sldId id="277" r:id="rId16"/>
-    <p:sldId id="278" r:id="rId17"/>
-    <p:sldId id="284" r:id="rId18"/>
-    <p:sldId id="285" r:id="rId19"/>
-    <p:sldId id="279" r:id="rId20"/>
-    <p:sldId id="281" r:id="rId21"/>
-    <p:sldId id="289" r:id="rId22"/>
-    <p:sldId id="280" r:id="rId23"/>
-    <p:sldId id="286" r:id="rId24"/>
-    <p:sldId id="295" r:id="rId25"/>
-    <p:sldId id="287" r:id="rId26"/>
-    <p:sldId id="291" r:id="rId27"/>
-    <p:sldId id="296" r:id="rId28"/>
-    <p:sldId id="266" r:id="rId29"/>
-    <p:sldId id="293" r:id="rId30"/>
-    <p:sldId id="269" r:id="rId31"/>
+    <p:sldId id="271" r:id="rId8"/>
+    <p:sldId id="273" r:id="rId9"/>
+    <p:sldId id="275" r:id="rId10"/>
+    <p:sldId id="276" r:id="rId11"/>
+    <p:sldId id="294" r:id="rId12"/>
+    <p:sldId id="282" r:id="rId13"/>
+    <p:sldId id="283" r:id="rId14"/>
+    <p:sldId id="277" r:id="rId15"/>
+    <p:sldId id="278" r:id="rId16"/>
+    <p:sldId id="284" r:id="rId17"/>
+    <p:sldId id="285" r:id="rId18"/>
+    <p:sldId id="279" r:id="rId19"/>
+    <p:sldId id="281" r:id="rId20"/>
+    <p:sldId id="289" r:id="rId21"/>
+    <p:sldId id="280" r:id="rId22"/>
+    <p:sldId id="286" r:id="rId23"/>
+    <p:sldId id="295" r:id="rId24"/>
+    <p:sldId id="287" r:id="rId25"/>
+    <p:sldId id="291" r:id="rId26"/>
+    <p:sldId id="296" r:id="rId27"/>
+    <p:sldId id="266" r:id="rId28"/>
+    <p:sldId id="293" r:id="rId29"/>
+    <p:sldId id="269" r:id="rId30"/>
   </p:sldIdLst>
   <p:sldSz cx="12192000" cy="6858000"/>
   <p:notesSz cx="6858000" cy="9144000"/>
@@ -290,7 +289,7 @@
           <a:p>
             <a:fld id="{8CD9E07E-FA0D-404F-8FFA-F4C9C459F055}" type="datetimeFigureOut">
               <a:rPr lang="en-GB" smtClean="0"/>
-              <a:t>07/09/2018</a:t>
+              <a:t>08/10/2018</a:t>
             </a:fld>
             <a:endParaRPr lang="en-GB" dirty="0"/>
           </a:p>
@@ -490,7 +489,7 @@
           <a:p>
             <a:fld id="{8CD9E07E-FA0D-404F-8FFA-F4C9C459F055}" type="datetimeFigureOut">
               <a:rPr lang="en-GB" smtClean="0"/>
-              <a:t>07/09/2018</a:t>
+              <a:t>08/10/2018</a:t>
             </a:fld>
             <a:endParaRPr lang="en-GB" dirty="0"/>
           </a:p>
@@ -700,7 +699,7 @@
           <a:p>
             <a:fld id="{8CD9E07E-FA0D-404F-8FFA-F4C9C459F055}" type="datetimeFigureOut">
               <a:rPr lang="en-GB" smtClean="0"/>
-              <a:t>07/09/2018</a:t>
+              <a:t>08/10/2018</a:t>
             </a:fld>
             <a:endParaRPr lang="en-GB" dirty="0"/>
           </a:p>
@@ -900,7 +899,7 @@
           <a:p>
             <a:fld id="{8CD9E07E-FA0D-404F-8FFA-F4C9C459F055}" type="datetimeFigureOut">
               <a:rPr lang="en-GB" smtClean="0"/>
-              <a:t>07/09/2018</a:t>
+              <a:t>08/10/2018</a:t>
             </a:fld>
             <a:endParaRPr lang="en-GB" dirty="0"/>
           </a:p>
@@ -1176,7 +1175,7 @@
           <a:p>
             <a:fld id="{8CD9E07E-FA0D-404F-8FFA-F4C9C459F055}" type="datetimeFigureOut">
               <a:rPr lang="en-GB" smtClean="0"/>
-              <a:t>07/09/2018</a:t>
+              <a:t>08/10/2018</a:t>
             </a:fld>
             <a:endParaRPr lang="en-GB" dirty="0"/>
           </a:p>
@@ -1444,7 +1443,7 @@
           <a:p>
             <a:fld id="{8CD9E07E-FA0D-404F-8FFA-F4C9C459F055}" type="datetimeFigureOut">
               <a:rPr lang="en-GB" smtClean="0"/>
-              <a:t>07/09/2018</a:t>
+              <a:t>08/10/2018</a:t>
             </a:fld>
             <a:endParaRPr lang="en-GB" dirty="0"/>
           </a:p>
@@ -1859,7 +1858,7 @@
           <a:p>
             <a:fld id="{8CD9E07E-FA0D-404F-8FFA-F4C9C459F055}" type="datetimeFigureOut">
               <a:rPr lang="en-GB" smtClean="0"/>
-              <a:t>07/09/2018</a:t>
+              <a:t>08/10/2018</a:t>
             </a:fld>
             <a:endParaRPr lang="en-GB" dirty="0"/>
           </a:p>
@@ -2001,7 +2000,7 @@
           <a:p>
             <a:fld id="{8CD9E07E-FA0D-404F-8FFA-F4C9C459F055}" type="datetimeFigureOut">
               <a:rPr lang="en-GB" smtClean="0"/>
-              <a:t>07/09/2018</a:t>
+              <a:t>08/10/2018</a:t>
             </a:fld>
             <a:endParaRPr lang="en-GB" dirty="0"/>
           </a:p>
@@ -2114,7 +2113,7 @@
           <a:p>
             <a:fld id="{8CD9E07E-FA0D-404F-8FFA-F4C9C459F055}" type="datetimeFigureOut">
               <a:rPr lang="en-GB" smtClean="0"/>
-              <a:t>07/09/2018</a:t>
+              <a:t>08/10/2018</a:t>
             </a:fld>
             <a:endParaRPr lang="en-GB" dirty="0"/>
           </a:p>
@@ -2427,7 +2426,7 @@
           <a:p>
             <a:fld id="{8CD9E07E-FA0D-404F-8FFA-F4C9C459F055}" type="datetimeFigureOut">
               <a:rPr lang="en-GB" smtClean="0"/>
-              <a:t>07/09/2018</a:t>
+              <a:t>08/10/2018</a:t>
             </a:fld>
             <a:endParaRPr lang="en-GB" dirty="0"/>
           </a:p>
@@ -2716,7 +2715,7 @@
           <a:p>
             <a:fld id="{8CD9E07E-FA0D-404F-8FFA-F4C9C459F055}" type="datetimeFigureOut">
               <a:rPr lang="en-GB" smtClean="0"/>
-              <a:t>07/09/2018</a:t>
+              <a:t>08/10/2018</a:t>
             </a:fld>
             <a:endParaRPr lang="en-GB" dirty="0"/>
           </a:p>
@@ -2959,7 +2958,7 @@
           <a:p>
             <a:fld id="{8CD9E07E-FA0D-404F-8FFA-F4C9C459F055}" type="datetimeFigureOut">
               <a:rPr lang="en-GB" smtClean="0"/>
-              <a:t>07/09/2018</a:t>
+              <a:t>08/10/2018</a:t>
             </a:fld>
             <a:endParaRPr lang="en-GB" dirty="0"/>
           </a:p>
@@ -3722,10 +3721,10 @@
       </p:grpSpPr>
       <p:pic>
         <p:nvPicPr>
-          <p:cNvPr id="2" name="Picture 1">
-            <a:extLst>
-              <a:ext uri="{FF2B5EF4-FFF2-40B4-BE49-F238E27FC236}">
-                <a16:creationId xmlns:a16="http://schemas.microsoft.com/office/drawing/2014/main" id="{1D0A27D3-8F20-4E32-B406-30C2DA12495F}"/>
+          <p:cNvPr id="3" name="Picture 2">
+            <a:extLst>
+              <a:ext uri="{FF2B5EF4-FFF2-40B4-BE49-F238E27FC236}">
+                <a16:creationId xmlns:a16="http://schemas.microsoft.com/office/drawing/2014/main" id="{A5CF1A64-DE82-4D5B-A0C9-0B9D87E969AC}"/>
               </a:ext>
             </a:extLst>
           </p:cNvPr>
@@ -3742,8 +3741,8 @@
         </p:blipFill>
         <p:spPr>
           <a:xfrm>
-            <a:off x="2625824" y="61133"/>
-            <a:ext cx="6940351" cy="6735734"/>
+            <a:off x="1400531" y="632866"/>
+            <a:ext cx="9390938" cy="5592267"/>
           </a:xfrm>
           <a:prstGeom prst="rect">
             <a:avLst/>
@@ -3837,7 +3836,7 @@
                 </a:effectLst>
                 <a:latin typeface="Segoe UI Light"/>
               </a:rPr>
-              <a:t>SQL Data Warehouse</a:t>
+              <a:t>Cognitive Services</a:t>
             </a:r>
           </a:p>
         </p:txBody>
@@ -3845,7 +3844,7 @@
     </p:spTree>
     <p:extLst>
       <p:ext uri="{BB962C8B-B14F-4D97-AF65-F5344CB8AC3E}">
-        <p14:creationId xmlns:p14="http://schemas.microsoft.com/office/powerpoint/2010/main" val="3108944933"/>
+        <p14:creationId xmlns:p14="http://schemas.microsoft.com/office/powerpoint/2010/main" val="4121548687"/>
       </p:ext>
     </p:extLst>
   </p:cSld>
@@ -3960,10 +3959,10 @@
       </p:grpSpPr>
       <p:pic>
         <p:nvPicPr>
-          <p:cNvPr id="3" name="Picture 2">
-            <a:extLst>
-              <a:ext uri="{FF2B5EF4-FFF2-40B4-BE49-F238E27FC236}">
-                <a16:creationId xmlns:a16="http://schemas.microsoft.com/office/drawing/2014/main" id="{A5CF1A64-DE82-4D5B-A0C9-0B9D87E969AC}"/>
+          <p:cNvPr id="2" name="Picture 1">
+            <a:extLst>
+              <a:ext uri="{FF2B5EF4-FFF2-40B4-BE49-F238E27FC236}">
+                <a16:creationId xmlns:a16="http://schemas.microsoft.com/office/drawing/2014/main" id="{8195006A-8967-423E-81D0-E19F92DB2248}"/>
               </a:ext>
             </a:extLst>
           </p:cNvPr>
@@ -3980,8 +3979,8 @@
         </p:blipFill>
         <p:spPr>
           <a:xfrm>
-            <a:off x="1400531" y="632866"/>
-            <a:ext cx="9390938" cy="5592267"/>
+            <a:off x="2569296" y="0"/>
+            <a:ext cx="7053407" cy="6858000"/>
           </a:xfrm>
           <a:prstGeom prst="rect">
             <a:avLst/>
@@ -4075,7 +4074,7 @@
                 </a:effectLst>
                 <a:latin typeface="Segoe UI Light"/>
               </a:rPr>
-              <a:t>Cognitive Services</a:t>
+              <a:t>Data Bricks</a:t>
             </a:r>
           </a:p>
         </p:txBody>
@@ -4083,7 +4082,7 @@
     </p:spTree>
     <p:extLst>
       <p:ext uri="{BB962C8B-B14F-4D97-AF65-F5344CB8AC3E}">
-        <p14:creationId xmlns:p14="http://schemas.microsoft.com/office/powerpoint/2010/main" val="4121548687"/>
+        <p14:creationId xmlns:p14="http://schemas.microsoft.com/office/powerpoint/2010/main" val="2471656630"/>
       </p:ext>
     </p:extLst>
   </p:cSld>
@@ -4201,7 +4200,7 @@
           <p:cNvPr id="2" name="Picture 1">
             <a:extLst>
               <a:ext uri="{FF2B5EF4-FFF2-40B4-BE49-F238E27FC236}">
-                <a16:creationId xmlns:a16="http://schemas.microsoft.com/office/drawing/2014/main" id="{8195006A-8967-423E-81D0-E19F92DB2248}"/>
+                <a16:creationId xmlns:a16="http://schemas.microsoft.com/office/drawing/2014/main" id="{D26CFE51-372B-434A-A678-C469BF8E2A85}"/>
               </a:ext>
             </a:extLst>
           </p:cNvPr>
@@ -4218,8 +4217,8 @@
         </p:blipFill>
         <p:spPr>
           <a:xfrm>
-            <a:off x="2569296" y="0"/>
-            <a:ext cx="7053407" cy="6858000"/>
+            <a:off x="2791284" y="61133"/>
+            <a:ext cx="6609432" cy="6735734"/>
           </a:xfrm>
           <a:prstGeom prst="rect">
             <a:avLst/>
@@ -4313,7 +4312,7 @@
                 </a:effectLst>
                 <a:latin typeface="Segoe UI Light"/>
               </a:rPr>
-              <a:t>Data Bricks</a:t>
+              <a:t>Machine Learning</a:t>
             </a:r>
           </a:p>
         </p:txBody>
@@ -4321,7 +4320,7 @@
     </p:spTree>
     <p:extLst>
       <p:ext uri="{BB962C8B-B14F-4D97-AF65-F5344CB8AC3E}">
-        <p14:creationId xmlns:p14="http://schemas.microsoft.com/office/powerpoint/2010/main" val="2471656630"/>
+        <p14:creationId xmlns:p14="http://schemas.microsoft.com/office/powerpoint/2010/main" val="2654462013"/>
       </p:ext>
     </p:extLst>
   </p:cSld>
@@ -4436,10 +4435,10 @@
       </p:grpSpPr>
       <p:pic>
         <p:nvPicPr>
-          <p:cNvPr id="2" name="Picture 1">
-            <a:extLst>
-              <a:ext uri="{FF2B5EF4-FFF2-40B4-BE49-F238E27FC236}">
-                <a16:creationId xmlns:a16="http://schemas.microsoft.com/office/drawing/2014/main" id="{D26CFE51-372B-434A-A678-C469BF8E2A85}"/>
+          <p:cNvPr id="3" name="Picture 2">
+            <a:extLst>
+              <a:ext uri="{FF2B5EF4-FFF2-40B4-BE49-F238E27FC236}">
+                <a16:creationId xmlns:a16="http://schemas.microsoft.com/office/drawing/2014/main" id="{7D905101-6B8F-40C3-B498-71B7702E8DCE}"/>
               </a:ext>
             </a:extLst>
           </p:cNvPr>
@@ -4456,8 +4455,8 @@
         </p:blipFill>
         <p:spPr>
           <a:xfrm>
-            <a:off x="2791284" y="61133"/>
-            <a:ext cx="6609432" cy="6735734"/>
+            <a:off x="2192052" y="96866"/>
+            <a:ext cx="7807895" cy="6664267"/>
           </a:xfrm>
           <a:prstGeom prst="rect">
             <a:avLst/>
@@ -4551,7 +4550,7 @@
                 </a:effectLst>
                 <a:latin typeface="Segoe UI Light"/>
               </a:rPr>
-              <a:t>Machine Learning</a:t>
+              <a:t>Storage Account</a:t>
             </a:r>
           </a:p>
         </p:txBody>
@@ -4559,7 +4558,7 @@
     </p:spTree>
     <p:extLst>
       <p:ext uri="{BB962C8B-B14F-4D97-AF65-F5344CB8AC3E}">
-        <p14:creationId xmlns:p14="http://schemas.microsoft.com/office/powerpoint/2010/main" val="2654462013"/>
+        <p14:creationId xmlns:p14="http://schemas.microsoft.com/office/powerpoint/2010/main" val="3409526432"/>
       </p:ext>
     </p:extLst>
   </p:cSld>
@@ -4674,10 +4673,10 @@
       </p:grpSpPr>
       <p:pic>
         <p:nvPicPr>
-          <p:cNvPr id="3" name="Picture 2">
-            <a:extLst>
-              <a:ext uri="{FF2B5EF4-FFF2-40B4-BE49-F238E27FC236}">
-                <a16:creationId xmlns:a16="http://schemas.microsoft.com/office/drawing/2014/main" id="{7D905101-6B8F-40C3-B498-71B7702E8DCE}"/>
+          <p:cNvPr id="2" name="Picture 1">
+            <a:extLst>
+              <a:ext uri="{FF2B5EF4-FFF2-40B4-BE49-F238E27FC236}">
+                <a16:creationId xmlns:a16="http://schemas.microsoft.com/office/drawing/2014/main" id="{61A332A1-A5CF-4183-96C1-700A13D3709E}"/>
               </a:ext>
             </a:extLst>
           </p:cNvPr>
@@ -4694,8 +4693,8 @@
         </p:blipFill>
         <p:spPr>
           <a:xfrm>
-            <a:off x="2192052" y="96866"/>
-            <a:ext cx="7807895" cy="6664267"/>
+            <a:off x="1807471" y="56666"/>
+            <a:ext cx="8577057" cy="6744667"/>
           </a:xfrm>
           <a:prstGeom prst="rect">
             <a:avLst/>
@@ -4789,7 +4788,7 @@
                 </a:effectLst>
                 <a:latin typeface="Segoe UI Light"/>
               </a:rPr>
-              <a:t>Storage Account</a:t>
+              <a:t>Data Lake Store</a:t>
             </a:r>
           </a:p>
         </p:txBody>
@@ -4797,7 +4796,7 @@
     </p:spTree>
     <p:extLst>
       <p:ext uri="{BB962C8B-B14F-4D97-AF65-F5344CB8AC3E}">
-        <p14:creationId xmlns:p14="http://schemas.microsoft.com/office/powerpoint/2010/main" val="3409526432"/>
+        <p14:creationId xmlns:p14="http://schemas.microsoft.com/office/powerpoint/2010/main" val="11206669"/>
       </p:ext>
     </p:extLst>
   </p:cSld>
@@ -4912,10 +4911,10 @@
       </p:grpSpPr>
       <p:pic>
         <p:nvPicPr>
-          <p:cNvPr id="2" name="Picture 1">
-            <a:extLst>
-              <a:ext uri="{FF2B5EF4-FFF2-40B4-BE49-F238E27FC236}">
-                <a16:creationId xmlns:a16="http://schemas.microsoft.com/office/drawing/2014/main" id="{61A332A1-A5CF-4183-96C1-700A13D3709E}"/>
+          <p:cNvPr id="3" name="Picture 2">
+            <a:extLst>
+              <a:ext uri="{FF2B5EF4-FFF2-40B4-BE49-F238E27FC236}">
+                <a16:creationId xmlns:a16="http://schemas.microsoft.com/office/drawing/2014/main" id="{7FFBD379-1125-454D-884C-BE0C71819F86}"/>
               </a:ext>
             </a:extLst>
           </p:cNvPr>
@@ -4932,8 +4931,8 @@
         </p:blipFill>
         <p:spPr>
           <a:xfrm>
-            <a:off x="1807471" y="56666"/>
-            <a:ext cx="8577057" cy="6744667"/>
+            <a:off x="2733149" y="70066"/>
+            <a:ext cx="6725701" cy="6717867"/>
           </a:xfrm>
           <a:prstGeom prst="rect">
             <a:avLst/>
@@ -5027,7 +5026,7 @@
                 </a:effectLst>
                 <a:latin typeface="Segoe UI Light"/>
               </a:rPr>
-              <a:t>Data Lake Store</a:t>
+              <a:t>Data Lake Analytics</a:t>
             </a:r>
           </a:p>
         </p:txBody>
@@ -5035,7 +5034,7 @@
     </p:spTree>
     <p:extLst>
       <p:ext uri="{BB962C8B-B14F-4D97-AF65-F5344CB8AC3E}">
-        <p14:creationId xmlns:p14="http://schemas.microsoft.com/office/powerpoint/2010/main" val="11206669"/>
+        <p14:creationId xmlns:p14="http://schemas.microsoft.com/office/powerpoint/2010/main" val="2120805870"/>
       </p:ext>
     </p:extLst>
   </p:cSld>
@@ -5150,10 +5149,10 @@
       </p:grpSpPr>
       <p:pic>
         <p:nvPicPr>
-          <p:cNvPr id="3" name="Picture 2">
-            <a:extLst>
-              <a:ext uri="{FF2B5EF4-FFF2-40B4-BE49-F238E27FC236}">
-                <a16:creationId xmlns:a16="http://schemas.microsoft.com/office/drawing/2014/main" id="{7FFBD379-1125-454D-884C-BE0C71819F86}"/>
+          <p:cNvPr id="2" name="Picture 1">
+            <a:extLst>
+              <a:ext uri="{FF2B5EF4-FFF2-40B4-BE49-F238E27FC236}">
+                <a16:creationId xmlns:a16="http://schemas.microsoft.com/office/drawing/2014/main" id="{C38964DD-8EC1-45F2-B3F2-C3FCC3003704}"/>
               </a:ext>
             </a:extLst>
           </p:cNvPr>
@@ -5170,8 +5169,8 @@
         </p:blipFill>
         <p:spPr>
           <a:xfrm>
-            <a:off x="2733149" y="70066"/>
-            <a:ext cx="6725701" cy="6717867"/>
+            <a:off x="2719734" y="61133"/>
+            <a:ext cx="6752532" cy="6735734"/>
           </a:xfrm>
           <a:prstGeom prst="rect">
             <a:avLst/>
@@ -5265,7 +5264,7 @@
                 </a:effectLst>
                 <a:latin typeface="Segoe UI Light"/>
               </a:rPr>
-              <a:t>Data Lake Analytics</a:t>
+              <a:t>Data Factory</a:t>
             </a:r>
           </a:p>
         </p:txBody>
@@ -5273,7 +5272,7 @@
     </p:spTree>
     <p:extLst>
       <p:ext uri="{BB962C8B-B14F-4D97-AF65-F5344CB8AC3E}">
-        <p14:creationId xmlns:p14="http://schemas.microsoft.com/office/powerpoint/2010/main" val="2120805870"/>
+        <p14:creationId xmlns:p14="http://schemas.microsoft.com/office/powerpoint/2010/main" val="3269637605"/>
       </p:ext>
     </p:extLst>
   </p:cSld>
@@ -5388,10 +5387,10 @@
       </p:grpSpPr>
       <p:pic>
         <p:nvPicPr>
-          <p:cNvPr id="2" name="Picture 1">
-            <a:extLst>
-              <a:ext uri="{FF2B5EF4-FFF2-40B4-BE49-F238E27FC236}">
-                <a16:creationId xmlns:a16="http://schemas.microsoft.com/office/drawing/2014/main" id="{C38964DD-8EC1-45F2-B3F2-C3FCC3003704}"/>
+          <p:cNvPr id="3" name="Picture 2">
+            <a:extLst>
+              <a:ext uri="{FF2B5EF4-FFF2-40B4-BE49-F238E27FC236}">
+                <a16:creationId xmlns:a16="http://schemas.microsoft.com/office/drawing/2014/main" id="{2FC316C0-0397-4BD6-9718-EDAB2D852ED2}"/>
               </a:ext>
             </a:extLst>
           </p:cNvPr>
@@ -5408,8 +5407,8 @@
         </p:blipFill>
         <p:spPr>
           <a:xfrm>
-            <a:off x="2719734" y="61133"/>
-            <a:ext cx="6752532" cy="6735734"/>
+            <a:off x="2455893" y="52199"/>
+            <a:ext cx="7280213" cy="6753601"/>
           </a:xfrm>
           <a:prstGeom prst="rect">
             <a:avLst/>
@@ -5503,7 +5502,7 @@
                 </a:effectLst>
                 <a:latin typeface="Segoe UI Light"/>
               </a:rPr>
-              <a:t>Data Factory</a:t>
+              <a:t>Batch Service</a:t>
             </a:r>
           </a:p>
         </p:txBody>
@@ -5511,7 +5510,7 @@
     </p:spTree>
     <p:extLst>
       <p:ext uri="{BB962C8B-B14F-4D97-AF65-F5344CB8AC3E}">
-        <p14:creationId xmlns:p14="http://schemas.microsoft.com/office/powerpoint/2010/main" val="3269637605"/>
+        <p14:creationId xmlns:p14="http://schemas.microsoft.com/office/powerpoint/2010/main" val="3653908531"/>
       </p:ext>
     </p:extLst>
   </p:cSld>
@@ -5626,10 +5625,10 @@
       </p:grpSpPr>
       <p:pic>
         <p:nvPicPr>
-          <p:cNvPr id="3" name="Picture 2">
-            <a:extLst>
-              <a:ext uri="{FF2B5EF4-FFF2-40B4-BE49-F238E27FC236}">
-                <a16:creationId xmlns:a16="http://schemas.microsoft.com/office/drawing/2014/main" id="{2FC316C0-0397-4BD6-9718-EDAB2D852ED2}"/>
+          <p:cNvPr id="2" name="Picture 1">
+            <a:extLst>
+              <a:ext uri="{FF2B5EF4-FFF2-40B4-BE49-F238E27FC236}">
+                <a16:creationId xmlns:a16="http://schemas.microsoft.com/office/drawing/2014/main" id="{CADC9F19-C808-496C-8907-5BBC0E85FC48}"/>
               </a:ext>
             </a:extLst>
           </p:cNvPr>
@@ -5646,8 +5645,8 @@
         </p:blipFill>
         <p:spPr>
           <a:xfrm>
-            <a:off x="2455893" y="52199"/>
-            <a:ext cx="7280213" cy="6753601"/>
+            <a:off x="2429062" y="110266"/>
+            <a:ext cx="7333876" cy="6637467"/>
           </a:xfrm>
           <a:prstGeom prst="rect">
             <a:avLst/>
@@ -5741,7 +5740,7 @@
                 </a:effectLst>
                 <a:latin typeface="Segoe UI Light"/>
               </a:rPr>
-              <a:t>Batch Service</a:t>
+              <a:t>Automation</a:t>
             </a:r>
           </a:p>
         </p:txBody>
@@ -5749,7 +5748,7 @@
     </p:spTree>
     <p:extLst>
       <p:ext uri="{BB962C8B-B14F-4D97-AF65-F5344CB8AC3E}">
-        <p14:creationId xmlns:p14="http://schemas.microsoft.com/office/powerpoint/2010/main" val="3653908531"/>
+        <p14:creationId xmlns:p14="http://schemas.microsoft.com/office/powerpoint/2010/main" val="3517388517"/>
       </p:ext>
     </p:extLst>
   </p:cSld>
@@ -5867,7 +5866,7 @@
           <p:cNvPr id="2" name="Picture 1">
             <a:extLst>
               <a:ext uri="{FF2B5EF4-FFF2-40B4-BE49-F238E27FC236}">
-                <a16:creationId xmlns:a16="http://schemas.microsoft.com/office/drawing/2014/main" id="{CADC9F19-C808-496C-8907-5BBC0E85FC48}"/>
+                <a16:creationId xmlns:a16="http://schemas.microsoft.com/office/drawing/2014/main" id="{50F73E81-00C0-4B00-A50D-7B25324EDCAA}"/>
               </a:ext>
             </a:extLst>
           </p:cNvPr>
@@ -5884,8 +5883,8 @@
         </p:blipFill>
         <p:spPr>
           <a:xfrm>
-            <a:off x="2429062" y="110266"/>
-            <a:ext cx="7333876" cy="6637467"/>
+            <a:off x="2464837" y="87933"/>
+            <a:ext cx="7262326" cy="6682134"/>
           </a:xfrm>
           <a:prstGeom prst="rect">
             <a:avLst/>
@@ -5979,7 +5978,7 @@
                 </a:effectLst>
                 <a:latin typeface="Segoe UI Light"/>
               </a:rPr>
-              <a:t>Automation</a:t>
+              <a:t>Functions</a:t>
             </a:r>
           </a:p>
         </p:txBody>
@@ -5987,7 +5986,7 @@
     </p:spTree>
     <p:extLst>
       <p:ext uri="{BB962C8B-B14F-4D97-AF65-F5344CB8AC3E}">
-        <p14:creationId xmlns:p14="http://schemas.microsoft.com/office/powerpoint/2010/main" val="3517388517"/>
+        <p14:creationId xmlns:p14="http://schemas.microsoft.com/office/powerpoint/2010/main" val="1387030895"/>
       </p:ext>
     </p:extLst>
   </p:cSld>
@@ -6340,10 +6339,10 @@
       </p:grpSpPr>
       <p:pic>
         <p:nvPicPr>
-          <p:cNvPr id="2" name="Picture 1">
-            <a:extLst>
-              <a:ext uri="{FF2B5EF4-FFF2-40B4-BE49-F238E27FC236}">
-                <a16:creationId xmlns:a16="http://schemas.microsoft.com/office/drawing/2014/main" id="{50F73E81-00C0-4B00-A50D-7B25324EDCAA}"/>
+          <p:cNvPr id="3" name="Picture 2">
+            <a:extLst>
+              <a:ext uri="{FF2B5EF4-FFF2-40B4-BE49-F238E27FC236}">
+                <a16:creationId xmlns:a16="http://schemas.microsoft.com/office/drawing/2014/main" id="{3037B186-89CD-4244-8408-C10B6BBB660E}"/>
               </a:ext>
             </a:extLst>
           </p:cNvPr>
@@ -6360,8 +6359,8 @@
         </p:blipFill>
         <p:spPr>
           <a:xfrm>
-            <a:off x="2464837" y="87933"/>
-            <a:ext cx="7262326" cy="6682134"/>
+            <a:off x="1825359" y="105799"/>
+            <a:ext cx="8541282" cy="6646401"/>
           </a:xfrm>
           <a:prstGeom prst="rect">
             <a:avLst/>
@@ -6455,7 +6454,7 @@
                 </a:effectLst>
                 <a:latin typeface="Segoe UI Light"/>
               </a:rPr>
-              <a:t>Functions</a:t>
+              <a:t>Logic Apps</a:t>
             </a:r>
           </a:p>
         </p:txBody>
@@ -6463,7 +6462,7 @@
     </p:spTree>
     <p:extLst>
       <p:ext uri="{BB962C8B-B14F-4D97-AF65-F5344CB8AC3E}">
-        <p14:creationId xmlns:p14="http://schemas.microsoft.com/office/powerpoint/2010/main" val="1387030895"/>
+        <p14:creationId xmlns:p14="http://schemas.microsoft.com/office/powerpoint/2010/main" val="3034824262"/>
       </p:ext>
     </p:extLst>
   </p:cSld>
@@ -6581,7 +6580,7 @@
           <p:cNvPr id="3" name="Picture 2">
             <a:extLst>
               <a:ext uri="{FF2B5EF4-FFF2-40B4-BE49-F238E27FC236}">
-                <a16:creationId xmlns:a16="http://schemas.microsoft.com/office/drawing/2014/main" id="{3037B186-89CD-4244-8408-C10B6BBB660E}"/>
+                <a16:creationId xmlns:a16="http://schemas.microsoft.com/office/drawing/2014/main" id="{A76642D8-39F1-456B-ACFF-1B354DDC3DC5}"/>
               </a:ext>
             </a:extLst>
           </p:cNvPr>
@@ -6598,8 +6597,8 @@
         </p:blipFill>
         <p:spPr>
           <a:xfrm>
-            <a:off x="1825359" y="105799"/>
-            <a:ext cx="8541282" cy="6646401"/>
+            <a:off x="1928212" y="43266"/>
+            <a:ext cx="8335576" cy="6771467"/>
           </a:xfrm>
           <a:prstGeom prst="rect">
             <a:avLst/>
@@ -6693,7 +6692,7 @@
                 </a:effectLst>
                 <a:latin typeface="Segoe UI Light"/>
               </a:rPr>
-              <a:t>Logic Apps</a:t>
+              <a:t>Analysis Services</a:t>
             </a:r>
           </a:p>
         </p:txBody>
@@ -6701,7 +6700,7 @@
     </p:spTree>
     <p:extLst>
       <p:ext uri="{BB962C8B-B14F-4D97-AF65-F5344CB8AC3E}">
-        <p14:creationId xmlns:p14="http://schemas.microsoft.com/office/powerpoint/2010/main" val="3034824262"/>
+        <p14:creationId xmlns:p14="http://schemas.microsoft.com/office/powerpoint/2010/main" val="794762057"/>
       </p:ext>
     </p:extLst>
   </p:cSld>
@@ -6816,10 +6815,10 @@
       </p:grpSpPr>
       <p:pic>
         <p:nvPicPr>
-          <p:cNvPr id="3" name="Picture 2">
-            <a:extLst>
-              <a:ext uri="{FF2B5EF4-FFF2-40B4-BE49-F238E27FC236}">
-                <a16:creationId xmlns:a16="http://schemas.microsoft.com/office/drawing/2014/main" id="{A76642D8-39F1-456B-ACFF-1B354DDC3DC5}"/>
+          <p:cNvPr id="5" name="Picture 4">
+            <a:extLst>
+              <a:ext uri="{FF2B5EF4-FFF2-40B4-BE49-F238E27FC236}">
+                <a16:creationId xmlns:a16="http://schemas.microsoft.com/office/drawing/2014/main" id="{4DC88D3A-6239-40E7-92AE-B028AF9AB476}"/>
               </a:ext>
             </a:extLst>
           </p:cNvPr>
@@ -6836,8 +6835,8 @@
         </p:blipFill>
         <p:spPr>
           <a:xfrm>
-            <a:off x="1928212" y="43266"/>
-            <a:ext cx="8335576" cy="6771467"/>
+            <a:off x="2840474" y="87933"/>
+            <a:ext cx="6511051" cy="6682134"/>
           </a:xfrm>
           <a:prstGeom prst="rect">
             <a:avLst/>
@@ -6931,7 +6930,7 @@
                 </a:effectLst>
                 <a:latin typeface="Segoe UI Light"/>
               </a:rPr>
-              <a:t>Analysis Services</a:t>
+              <a:t>Event Hub</a:t>
             </a:r>
           </a:p>
         </p:txBody>
@@ -6939,7 +6938,7 @@
     </p:spTree>
     <p:extLst>
       <p:ext uri="{BB962C8B-B14F-4D97-AF65-F5344CB8AC3E}">
-        <p14:creationId xmlns:p14="http://schemas.microsoft.com/office/powerpoint/2010/main" val="794762057"/>
+        <p14:creationId xmlns:p14="http://schemas.microsoft.com/office/powerpoint/2010/main" val="2388929640"/>
       </p:ext>
     </p:extLst>
   </p:cSld>
@@ -7054,10 +7053,10 @@
       </p:grpSpPr>
       <p:pic>
         <p:nvPicPr>
-          <p:cNvPr id="5" name="Picture 4">
-            <a:extLst>
-              <a:ext uri="{FF2B5EF4-FFF2-40B4-BE49-F238E27FC236}">
-                <a16:creationId xmlns:a16="http://schemas.microsoft.com/office/drawing/2014/main" id="{4DC88D3A-6239-40E7-92AE-B028AF9AB476}"/>
+          <p:cNvPr id="2" name="Picture 1">
+            <a:extLst>
+              <a:ext uri="{FF2B5EF4-FFF2-40B4-BE49-F238E27FC236}">
+                <a16:creationId xmlns:a16="http://schemas.microsoft.com/office/drawing/2014/main" id="{EB1AE970-1F0D-4B30-B185-B22186BFF870}"/>
               </a:ext>
             </a:extLst>
           </p:cNvPr>
@@ -7074,8 +7073,8 @@
         </p:blipFill>
         <p:spPr>
           <a:xfrm>
-            <a:off x="2840474" y="87933"/>
-            <a:ext cx="6511051" cy="6682134"/>
+            <a:off x="2706318" y="47733"/>
+            <a:ext cx="6779363" cy="6762534"/>
           </a:xfrm>
           <a:prstGeom prst="rect">
             <a:avLst/>
@@ -7169,7 +7168,7 @@
                 </a:effectLst>
                 <a:latin typeface="Segoe UI Light"/>
               </a:rPr>
-              <a:t>Event Hub</a:t>
+              <a:t>Event Grid</a:t>
             </a:r>
           </a:p>
         </p:txBody>
@@ -7177,7 +7176,7 @@
     </p:spTree>
     <p:extLst>
       <p:ext uri="{BB962C8B-B14F-4D97-AF65-F5344CB8AC3E}">
-        <p14:creationId xmlns:p14="http://schemas.microsoft.com/office/powerpoint/2010/main" val="2388929640"/>
+        <p14:creationId xmlns:p14="http://schemas.microsoft.com/office/powerpoint/2010/main" val="3447951919"/>
       </p:ext>
     </p:extLst>
   </p:cSld>
@@ -7292,10 +7291,10 @@
       </p:grpSpPr>
       <p:pic>
         <p:nvPicPr>
-          <p:cNvPr id="2" name="Picture 1">
-            <a:extLst>
-              <a:ext uri="{FF2B5EF4-FFF2-40B4-BE49-F238E27FC236}">
-                <a16:creationId xmlns:a16="http://schemas.microsoft.com/office/drawing/2014/main" id="{EB1AE970-1F0D-4B30-B185-B22186BFF870}"/>
+          <p:cNvPr id="4" name="Picture 3">
+            <a:extLst>
+              <a:ext uri="{FF2B5EF4-FFF2-40B4-BE49-F238E27FC236}">
+                <a16:creationId xmlns:a16="http://schemas.microsoft.com/office/drawing/2014/main" id="{A5952FD6-013B-4B15-A3E1-35E28832EB9E}"/>
               </a:ext>
             </a:extLst>
           </p:cNvPr>
@@ -7312,8 +7311,8 @@
         </p:blipFill>
         <p:spPr>
           <a:xfrm>
-            <a:off x="2706318" y="47733"/>
-            <a:ext cx="6779363" cy="6762534"/>
+            <a:off x="1753809" y="52199"/>
+            <a:ext cx="8684382" cy="6753601"/>
           </a:xfrm>
           <a:prstGeom prst="rect">
             <a:avLst/>
@@ -7407,7 +7406,7 @@
                 </a:effectLst>
                 <a:latin typeface="Segoe UI Light"/>
               </a:rPr>
-              <a:t>Event Grid</a:t>
+              <a:t>Stream Analytics</a:t>
             </a:r>
           </a:p>
         </p:txBody>
@@ -7415,7 +7414,7 @@
     </p:spTree>
     <p:extLst>
       <p:ext uri="{BB962C8B-B14F-4D97-AF65-F5344CB8AC3E}">
-        <p14:creationId xmlns:p14="http://schemas.microsoft.com/office/powerpoint/2010/main" val="3447951919"/>
+        <p14:creationId xmlns:p14="http://schemas.microsoft.com/office/powerpoint/2010/main" val="2031741729"/>
       </p:ext>
     </p:extLst>
   </p:cSld>
@@ -7530,10 +7529,10 @@
       </p:grpSpPr>
       <p:pic>
         <p:nvPicPr>
-          <p:cNvPr id="4" name="Picture 3">
-            <a:extLst>
-              <a:ext uri="{FF2B5EF4-FFF2-40B4-BE49-F238E27FC236}">
-                <a16:creationId xmlns:a16="http://schemas.microsoft.com/office/drawing/2014/main" id="{A5952FD6-013B-4B15-A3E1-35E28832EB9E}"/>
+          <p:cNvPr id="2" name="Picture 1">
+            <a:extLst>
+              <a:ext uri="{FF2B5EF4-FFF2-40B4-BE49-F238E27FC236}">
+                <a16:creationId xmlns:a16="http://schemas.microsoft.com/office/drawing/2014/main" id="{CB00F877-62D4-4191-A1C0-BCA26D3AAD76}"/>
               </a:ext>
             </a:extLst>
           </p:cNvPr>
@@ -7550,8 +7549,8 @@
         </p:blipFill>
         <p:spPr>
           <a:xfrm>
-            <a:off x="1753809" y="52199"/>
-            <a:ext cx="8684382" cy="6753601"/>
+            <a:off x="2925440" y="52199"/>
+            <a:ext cx="6341119" cy="6753601"/>
           </a:xfrm>
           <a:prstGeom prst="rect">
             <a:avLst/>
@@ -7645,7 +7644,7 @@
                 </a:effectLst>
                 <a:latin typeface="Segoe UI Light"/>
               </a:rPr>
-              <a:t>Stream Analytics</a:t>
+              <a:t>Data Catalogue</a:t>
             </a:r>
           </a:p>
         </p:txBody>
@@ -7653,7 +7652,7 @@
     </p:spTree>
     <p:extLst>
       <p:ext uri="{BB962C8B-B14F-4D97-AF65-F5344CB8AC3E}">
-        <p14:creationId xmlns:p14="http://schemas.microsoft.com/office/powerpoint/2010/main" val="2031741729"/>
+        <p14:creationId xmlns:p14="http://schemas.microsoft.com/office/powerpoint/2010/main" val="2067566175"/>
       </p:ext>
     </p:extLst>
   </p:cSld>
@@ -7768,10 +7767,10 @@
       </p:grpSpPr>
       <p:pic>
         <p:nvPicPr>
-          <p:cNvPr id="2" name="Picture 1">
-            <a:extLst>
-              <a:ext uri="{FF2B5EF4-FFF2-40B4-BE49-F238E27FC236}">
-                <a16:creationId xmlns:a16="http://schemas.microsoft.com/office/drawing/2014/main" id="{CB00F877-62D4-4191-A1C0-BCA26D3AAD76}"/>
+          <p:cNvPr id="3" name="Picture 2">
+            <a:extLst>
+              <a:ext uri="{FF2B5EF4-FFF2-40B4-BE49-F238E27FC236}">
+                <a16:creationId xmlns:a16="http://schemas.microsoft.com/office/drawing/2014/main" id="{C05ADA2A-281E-4FD1-B782-E3CA3666A6F6}"/>
               </a:ext>
             </a:extLst>
           </p:cNvPr>
@@ -7788,8 +7787,8 @@
         </p:blipFill>
         <p:spPr>
           <a:xfrm>
-            <a:off x="2925440" y="52199"/>
-            <a:ext cx="6341119" cy="6753601"/>
+            <a:off x="3018139" y="0"/>
+            <a:ext cx="6155721" cy="6858000"/>
           </a:xfrm>
           <a:prstGeom prst="rect">
             <a:avLst/>
@@ -7883,7 +7882,7 @@
                 </a:effectLst>
                 <a:latin typeface="Segoe UI Light"/>
               </a:rPr>
-              <a:t>Data Catalogue</a:t>
+              <a:t>Key Vault</a:t>
             </a:r>
           </a:p>
         </p:txBody>
@@ -7891,7 +7890,7 @@
     </p:spTree>
     <p:extLst>
       <p:ext uri="{BB962C8B-B14F-4D97-AF65-F5344CB8AC3E}">
-        <p14:creationId xmlns:p14="http://schemas.microsoft.com/office/powerpoint/2010/main" val="2067566175"/>
+        <p14:creationId xmlns:p14="http://schemas.microsoft.com/office/powerpoint/2010/main" val="1384612691"/>
       </p:ext>
     </p:extLst>
   </p:cSld>
@@ -8009,244 +8008,6 @@
           <p:cNvPr id="3" name="Picture 2">
             <a:extLst>
               <a:ext uri="{FF2B5EF4-FFF2-40B4-BE49-F238E27FC236}">
-                <a16:creationId xmlns:a16="http://schemas.microsoft.com/office/drawing/2014/main" id="{C05ADA2A-281E-4FD1-B782-E3CA3666A6F6}"/>
-              </a:ext>
-            </a:extLst>
-          </p:cNvPr>
-          <p:cNvPicPr>
-            <a:picLocks noChangeAspect="1"/>
-          </p:cNvPicPr>
-          <p:nvPr/>
-        </p:nvPicPr>
-        <p:blipFill>
-          <a:blip r:embed="rId2"/>
-          <a:stretch>
-            <a:fillRect/>
-          </a:stretch>
-        </p:blipFill>
-        <p:spPr>
-          <a:xfrm>
-            <a:off x="3018139" y="0"/>
-            <a:ext cx="6155721" cy="6858000"/>
-          </a:xfrm>
-          <a:prstGeom prst="rect">
-            <a:avLst/>
-          </a:prstGeom>
-        </p:spPr>
-      </p:pic>
-      <p:sp>
-        <p:nvSpPr>
-          <p:cNvPr id="9" name="Title 2">
-            <a:extLst>
-              <a:ext uri="{FF2B5EF4-FFF2-40B4-BE49-F238E27FC236}">
-                <a16:creationId xmlns:a16="http://schemas.microsoft.com/office/drawing/2014/main" id="{CB877719-98D4-4914-B56E-634238E5C0E6}"/>
-              </a:ext>
-            </a:extLst>
-          </p:cNvPr>
-          <p:cNvSpPr txBox="1">
-            <a:spLocks/>
-          </p:cNvSpPr>
-          <p:nvPr/>
-        </p:nvSpPr>
-        <p:spPr>
-          <a:xfrm>
-            <a:off x="1" y="2834881"/>
-            <a:ext cx="12191999" cy="1191639"/>
-          </a:xfrm>
-          <a:prstGeom prst="rect">
-            <a:avLst/>
-          </a:prstGeom>
-          <a:solidFill>
-            <a:schemeClr val="bg1">
-              <a:alpha val="50000"/>
-            </a:schemeClr>
-          </a:solidFill>
-        </p:spPr>
-        <p:txBody>
-          <a:bodyPr vert="horz" wrap="square" lIns="143428" tIns="89642" rIns="143428" bIns="89642" rtlCol="0" anchor="t" anchorCtr="0">
-            <a:noAutofit/>
-          </a:bodyPr>
-          <a:lstStyle>
-            <a:lvl1pPr algn="l" defTabSz="932578" rtl="0" eaLnBrk="1" latinLnBrk="0" hangingPunct="1">
-              <a:lnSpc>
-                <a:spcPct val="90000"/>
-              </a:lnSpc>
-              <a:spcBef>
-                <a:spcPct val="0"/>
-              </a:spcBef>
-              <a:buNone/>
-              <a:defRPr lang="en-US" sz="5999" b="0" kern="1200" cap="none" spc="-100" baseline="0">
-                <a:ln w="3175">
-                  <a:noFill/>
-                </a:ln>
-                <a:gradFill>
-                  <a:gsLst>
-                    <a:gs pos="3333">
-                      <a:schemeClr val="tx1"/>
-                    </a:gs>
-                    <a:gs pos="39000">
-                      <a:schemeClr val="tx1"/>
-                    </a:gs>
-                  </a:gsLst>
-                  <a:lin ang="5400000" scaled="0"/>
-                </a:gradFill>
-                <a:effectLst/>
-                <a:latin typeface="+mj-lt"/>
-                <a:ea typeface="+mn-ea"/>
-                <a:cs typeface="Segoe UI" pitchFamily="34" charset="0"/>
-              </a:defRPr>
-            </a:lvl1pPr>
-          </a:lstStyle>
-          <a:p>
-            <a:pPr algn="ctr">
-              <a:spcBef>
-                <a:spcPts val="1200"/>
-              </a:spcBef>
-              <a:spcAft>
-                <a:spcPts val="1200"/>
-              </a:spcAft>
-              <a:defRPr/>
-            </a:pPr>
-            <a:r>
-              <a:rPr lang="en-GB" sz="7200" b="1" dirty="0">
-                <a:solidFill>
-                  <a:schemeClr val="tx1"/>
-                </a:solidFill>
-                <a:effectLst>
-                  <a:outerShdw blurRad="38100" dist="38100" dir="2700000" algn="tl">
-                    <a:srgbClr val="000000">
-                      <a:alpha val="43137"/>
-                    </a:srgbClr>
-                  </a:outerShdw>
-                </a:effectLst>
-                <a:latin typeface="Segoe UI Light"/>
-              </a:rPr>
-              <a:t>Key Vault</a:t>
-            </a:r>
-          </a:p>
-        </p:txBody>
-      </p:sp>
-    </p:spTree>
-    <p:extLst>
-      <p:ext uri="{BB962C8B-B14F-4D97-AF65-F5344CB8AC3E}">
-        <p14:creationId xmlns:p14="http://schemas.microsoft.com/office/powerpoint/2010/main" val="1384612691"/>
-      </p:ext>
-    </p:extLst>
-  </p:cSld>
-  <p:clrMapOvr>
-    <a:masterClrMapping/>
-  </p:clrMapOvr>
-  <p:timing>
-    <p:tnLst>
-      <p:par>
-        <p:cTn id="1" dur="indefinite" restart="never" nodeType="tmRoot">
-          <p:childTnLst>
-            <p:seq concurrent="1" nextAc="seek">
-              <p:cTn id="2" dur="indefinite" nodeType="mainSeq">
-                <p:childTnLst>
-                  <p:par>
-                    <p:cTn id="3" fill="hold">
-                      <p:stCondLst>
-                        <p:cond delay="indefinite"/>
-                      </p:stCondLst>
-                      <p:childTnLst>
-                        <p:par>
-                          <p:cTn id="4" fill="hold">
-                            <p:stCondLst>
-                              <p:cond delay="0"/>
-                            </p:stCondLst>
-                            <p:childTnLst>
-                              <p:par>
-                                <p:cTn id="5" presetID="10" presetClass="entr" presetSubtype="0" fill="hold" grpId="0" nodeType="clickEffect">
-                                  <p:stCondLst>
-                                    <p:cond delay="0"/>
-                                  </p:stCondLst>
-                                  <p:childTnLst>
-                                    <p:set>
-                                      <p:cBhvr>
-                                        <p:cTn id="6" dur="1" fill="hold">
-                                          <p:stCondLst>
-                                            <p:cond delay="0"/>
-                                          </p:stCondLst>
-                                        </p:cTn>
-                                        <p:tgtEl>
-                                          <p:spTgt spid="9"/>
-                                        </p:tgtEl>
-                                        <p:attrNameLst>
-                                          <p:attrName>style.visibility</p:attrName>
-                                        </p:attrNameLst>
-                                      </p:cBhvr>
-                                      <p:to>
-                                        <p:strVal val="visible"/>
-                                      </p:to>
-                                    </p:set>
-                                    <p:animEffect transition="in" filter="fade">
-                                      <p:cBhvr>
-                                        <p:cTn id="7" dur="500"/>
-                                        <p:tgtEl>
-                                          <p:spTgt spid="9"/>
-                                        </p:tgtEl>
-                                      </p:cBhvr>
-                                    </p:animEffect>
-                                  </p:childTnLst>
-                                </p:cTn>
-                              </p:par>
-                            </p:childTnLst>
-                          </p:cTn>
-                        </p:par>
-                      </p:childTnLst>
-                    </p:cTn>
-                  </p:par>
-                </p:childTnLst>
-              </p:cTn>
-              <p:prevCondLst>
-                <p:cond evt="onPrev" delay="0">
-                  <p:tgtEl>
-                    <p:sldTgt/>
-                  </p:tgtEl>
-                </p:cond>
-              </p:prevCondLst>
-              <p:nextCondLst>
-                <p:cond evt="onNext" delay="0">
-                  <p:tgtEl>
-                    <p:sldTgt/>
-                  </p:tgtEl>
-                </p:cond>
-              </p:nextCondLst>
-            </p:seq>
-          </p:childTnLst>
-        </p:cTn>
-      </p:par>
-    </p:tnLst>
-    <p:bldLst>
-      <p:bldP spid="9" grpId="0" animBg="1"/>
-    </p:bldLst>
-  </p:timing>
-</p:sld>
-</file>
-
-<file path=ppt/slides/slide28.xml><?xml version="1.0" encoding="utf-8"?>
-<p:sld xmlns:a="http://schemas.openxmlformats.org/drawingml/2006/main" xmlns:r="http://schemas.openxmlformats.org/officeDocument/2006/relationships" xmlns:p="http://schemas.openxmlformats.org/presentationml/2006/main">
-  <p:cSld>
-    <p:spTree>
-      <p:nvGrpSpPr>
-        <p:cNvPr id="1" name=""/>
-        <p:cNvGrpSpPr/>
-        <p:nvPr/>
-      </p:nvGrpSpPr>
-      <p:grpSpPr>
-        <a:xfrm>
-          <a:off x="0" y="0"/>
-          <a:ext cx="0" cy="0"/>
-          <a:chOff x="0" y="0"/>
-          <a:chExt cx="0" cy="0"/>
-        </a:xfrm>
-      </p:grpSpPr>
-      <p:pic>
-        <p:nvPicPr>
-          <p:cNvPr id="3" name="Picture 2">
-            <a:extLst>
-              <a:ext uri="{FF2B5EF4-FFF2-40B4-BE49-F238E27FC236}">
                 <a16:creationId xmlns:a16="http://schemas.microsoft.com/office/drawing/2014/main" id="{74973D8E-18EE-4246-87CE-C4094D70B0FC}"/>
               </a:ext>
             </a:extLst>
@@ -8469,7 +8230,7 @@
 </p:sld>
 </file>
 
-<file path=ppt/slides/slide29.xml><?xml version="1.0" encoding="utf-8"?>
+<file path=ppt/slides/slide28.xml><?xml version="1.0" encoding="utf-8"?>
 <p:sld xmlns:a="http://schemas.openxmlformats.org/drawingml/2006/main" xmlns:r="http://schemas.openxmlformats.org/officeDocument/2006/relationships" xmlns:p="http://schemas.openxmlformats.org/presentationml/2006/main">
   <p:cSld>
     <p:spTree>
@@ -8804,6 +8565,102 @@
     <p:extLst>
       <p:ext uri="{BB962C8B-B14F-4D97-AF65-F5344CB8AC3E}">
         <p14:creationId xmlns:p14="http://schemas.microsoft.com/office/powerpoint/2010/main" val="4192887432"/>
+      </p:ext>
+    </p:extLst>
+  </p:cSld>
+  <p:clrMapOvr>
+    <a:masterClrMapping/>
+  </p:clrMapOvr>
+</p:sld>
+</file>
+
+<file path=ppt/slides/slide29.xml><?xml version="1.0" encoding="utf-8"?>
+<p:sld xmlns:a="http://schemas.openxmlformats.org/drawingml/2006/main" xmlns:r="http://schemas.openxmlformats.org/officeDocument/2006/relationships" xmlns:p="http://schemas.openxmlformats.org/presentationml/2006/main">
+  <p:cSld>
+    <p:spTree>
+      <p:nvGrpSpPr>
+        <p:cNvPr id="1" name=""/>
+        <p:cNvGrpSpPr/>
+        <p:nvPr/>
+      </p:nvGrpSpPr>
+      <p:grpSpPr>
+        <a:xfrm>
+          <a:off x="0" y="0"/>
+          <a:ext cx="0" cy="0"/>
+          <a:chOff x="0" y="0"/>
+          <a:chExt cx="0" cy="0"/>
+        </a:xfrm>
+      </p:grpSpPr>
+      <p:pic>
+        <p:nvPicPr>
+          <p:cNvPr id="7" name="Picture 6">
+            <a:extLst>
+              <a:ext uri="{FF2B5EF4-FFF2-40B4-BE49-F238E27FC236}">
+                <a16:creationId xmlns:a16="http://schemas.microsoft.com/office/drawing/2014/main" id="{BD13AB21-6598-4C97-809C-8827E0A05676}"/>
+              </a:ext>
+            </a:extLst>
+          </p:cNvPr>
+          <p:cNvPicPr>
+            <a:picLocks noChangeAspect="1"/>
+          </p:cNvPicPr>
+          <p:nvPr/>
+        </p:nvPicPr>
+        <p:blipFill rotWithShape="1">
+          <a:blip r:embed="rId2"/>
+          <a:srcRect t="-242" r="703" b="922"/>
+          <a:stretch/>
+        </p:blipFill>
+        <p:spPr>
+          <a:xfrm>
+            <a:off x="48126" y="43217"/>
+            <a:ext cx="12106275" cy="6582173"/>
+          </a:xfrm>
+          <a:prstGeom prst="rect">
+            <a:avLst/>
+          </a:prstGeom>
+        </p:spPr>
+      </p:pic>
+      <p:sp>
+        <p:nvSpPr>
+          <p:cNvPr id="4" name="Rectangle 3">
+            <a:extLst>
+              <a:ext uri="{FF2B5EF4-FFF2-40B4-BE49-F238E27FC236}">
+                <a16:creationId xmlns:a16="http://schemas.microsoft.com/office/drawing/2014/main" id="{CA33DAEC-5F17-4FF8-97B6-4D83BEFB4B73}"/>
+              </a:ext>
+            </a:extLst>
+          </p:cNvPr>
+          <p:cNvSpPr/>
+          <p:nvPr/>
+        </p:nvSpPr>
+        <p:spPr>
+          <a:xfrm>
+            <a:off x="5654842" y="5496109"/>
+            <a:ext cx="6031831" cy="338554"/>
+          </a:xfrm>
+          <a:prstGeom prst="rect">
+            <a:avLst/>
+          </a:prstGeom>
+        </p:spPr>
+        <p:txBody>
+          <a:bodyPr wrap="square">
+            <a:spAutoFit/>
+          </a:bodyPr>
+          <a:lstStyle/>
+          <a:p>
+            <a:r>
+              <a:rPr lang="en-GB" sz="1600" dirty="0">
+                <a:hlinkClick r:id="rId3"/>
+              </a:rPr>
+              <a:t>https://www.microsoft.com/en-gb/download/details.aspx?id=41937</a:t>
+            </a:r>
+            <a:endParaRPr lang="en-GB" sz="1600" dirty="0"/>
+          </a:p>
+        </p:txBody>
+      </p:sp>
+    </p:spTree>
+    <p:extLst>
+      <p:ext uri="{BB962C8B-B14F-4D97-AF65-F5344CB8AC3E}">
+        <p14:creationId xmlns:p14="http://schemas.microsoft.com/office/powerpoint/2010/main" val="2946166261"/>
       </p:ext>
     </p:extLst>
   </p:cSld>
@@ -9058,102 +8915,6 @@
       <p:bldP spid="9" grpId="0" animBg="1"/>
     </p:bldLst>
   </p:timing>
-</p:sld>
-</file>
-
-<file path=ppt/slides/slide30.xml><?xml version="1.0" encoding="utf-8"?>
-<p:sld xmlns:a="http://schemas.openxmlformats.org/drawingml/2006/main" xmlns:r="http://schemas.openxmlformats.org/officeDocument/2006/relationships" xmlns:p="http://schemas.openxmlformats.org/presentationml/2006/main">
-  <p:cSld>
-    <p:spTree>
-      <p:nvGrpSpPr>
-        <p:cNvPr id="1" name=""/>
-        <p:cNvGrpSpPr/>
-        <p:nvPr/>
-      </p:nvGrpSpPr>
-      <p:grpSpPr>
-        <a:xfrm>
-          <a:off x="0" y="0"/>
-          <a:ext cx="0" cy="0"/>
-          <a:chOff x="0" y="0"/>
-          <a:chExt cx="0" cy="0"/>
-        </a:xfrm>
-      </p:grpSpPr>
-      <p:pic>
-        <p:nvPicPr>
-          <p:cNvPr id="7" name="Picture 6">
-            <a:extLst>
-              <a:ext uri="{FF2B5EF4-FFF2-40B4-BE49-F238E27FC236}">
-                <a16:creationId xmlns:a16="http://schemas.microsoft.com/office/drawing/2014/main" id="{BD13AB21-6598-4C97-809C-8827E0A05676}"/>
-              </a:ext>
-            </a:extLst>
-          </p:cNvPr>
-          <p:cNvPicPr>
-            <a:picLocks noChangeAspect="1"/>
-          </p:cNvPicPr>
-          <p:nvPr/>
-        </p:nvPicPr>
-        <p:blipFill rotWithShape="1">
-          <a:blip r:embed="rId2"/>
-          <a:srcRect t="-242" r="703" b="922"/>
-          <a:stretch/>
-        </p:blipFill>
-        <p:spPr>
-          <a:xfrm>
-            <a:off x="48126" y="43217"/>
-            <a:ext cx="12106275" cy="6582173"/>
-          </a:xfrm>
-          <a:prstGeom prst="rect">
-            <a:avLst/>
-          </a:prstGeom>
-        </p:spPr>
-      </p:pic>
-      <p:sp>
-        <p:nvSpPr>
-          <p:cNvPr id="4" name="Rectangle 3">
-            <a:extLst>
-              <a:ext uri="{FF2B5EF4-FFF2-40B4-BE49-F238E27FC236}">
-                <a16:creationId xmlns:a16="http://schemas.microsoft.com/office/drawing/2014/main" id="{CA33DAEC-5F17-4FF8-97B6-4D83BEFB4B73}"/>
-              </a:ext>
-            </a:extLst>
-          </p:cNvPr>
-          <p:cNvSpPr/>
-          <p:nvPr/>
-        </p:nvSpPr>
-        <p:spPr>
-          <a:xfrm>
-            <a:off x="5654842" y="5496109"/>
-            <a:ext cx="6031831" cy="338554"/>
-          </a:xfrm>
-          <a:prstGeom prst="rect">
-            <a:avLst/>
-          </a:prstGeom>
-        </p:spPr>
-        <p:txBody>
-          <a:bodyPr wrap="square">
-            <a:spAutoFit/>
-          </a:bodyPr>
-          <a:lstStyle/>
-          <a:p>
-            <a:r>
-              <a:rPr lang="en-GB" sz="1600" dirty="0">
-                <a:hlinkClick r:id="rId3"/>
-              </a:rPr>
-              <a:t>https://www.microsoft.com/en-gb/download/details.aspx?id=41937</a:t>
-            </a:r>
-            <a:endParaRPr lang="en-GB" sz="1600" dirty="0"/>
-          </a:p>
-        </p:txBody>
-      </p:sp>
-    </p:spTree>
-    <p:extLst>
-      <p:ext uri="{BB962C8B-B14F-4D97-AF65-F5344CB8AC3E}">
-        <p14:creationId xmlns:p14="http://schemas.microsoft.com/office/powerpoint/2010/main" val="2946166261"/>
-      </p:ext>
-    </p:extLst>
-  </p:cSld>
-  <p:clrMapOvr>
-    <a:masterClrMapping/>
-  </p:clrMapOvr>
 </p:sld>
 </file>
 
@@ -9884,16 +9645,6 @@
 <file path=ppt/slides/slide7.xml><?xml version="1.0" encoding="utf-8"?>
 <p:sld xmlns:a="http://schemas.openxmlformats.org/drawingml/2006/main" xmlns:r="http://schemas.openxmlformats.org/officeDocument/2006/relationships" xmlns:p="http://schemas.openxmlformats.org/presentationml/2006/main">
   <p:cSld>
-    <p:bg>
-      <p:bgPr>
-        <a:solidFill>
-          <a:schemeClr val="bg1">
-            <a:alpha val="50000"/>
-          </a:schemeClr>
-        </a:solidFill>
-        <a:effectLst/>
-      </p:bgPr>
-    </p:bg>
     <p:spTree>
       <p:nvGrpSpPr>
         <p:cNvPr id="1" name=""/>
@@ -9910,10 +9661,10 @@
       </p:grpSpPr>
       <p:pic>
         <p:nvPicPr>
-          <p:cNvPr id="4" name="Picture 3">
-            <a:extLst>
-              <a:ext uri="{FF2B5EF4-FFF2-40B4-BE49-F238E27FC236}">
-                <a16:creationId xmlns:a16="http://schemas.microsoft.com/office/drawing/2014/main" id="{9DAB6860-19FF-46AA-9058-009DBDCE5D1F}"/>
+          <p:cNvPr id="3" name="Picture 2">
+            <a:extLst>
+              <a:ext uri="{FF2B5EF4-FFF2-40B4-BE49-F238E27FC236}">
+                <a16:creationId xmlns:a16="http://schemas.microsoft.com/office/drawing/2014/main" id="{7212D992-2472-4487-8078-00C72B65CAEE}"/>
               </a:ext>
             </a:extLst>
           </p:cNvPr>
@@ -9930,8 +9681,8 @@
         </p:blipFill>
         <p:spPr>
           <a:xfrm>
-            <a:off x="2795756" y="132599"/>
-            <a:ext cx="6600488" cy="6592801"/>
+            <a:off x="2764453" y="101333"/>
+            <a:ext cx="6663094" cy="6655334"/>
           </a:xfrm>
           <a:prstGeom prst="rect">
             <a:avLst/>
@@ -10025,7 +9776,7 @@
                 </a:effectLst>
                 <a:latin typeface="Segoe UI Light"/>
               </a:rPr>
-              <a:t>Azure Advisor</a:t>
+              <a:t>Resources</a:t>
             </a:r>
           </a:p>
         </p:txBody>
@@ -10033,7 +9784,7 @@
     </p:spTree>
     <p:extLst>
       <p:ext uri="{BB962C8B-B14F-4D97-AF65-F5344CB8AC3E}">
-        <p14:creationId xmlns:p14="http://schemas.microsoft.com/office/powerpoint/2010/main" val="653402032"/>
+        <p14:creationId xmlns:p14="http://schemas.microsoft.com/office/powerpoint/2010/main" val="2295619804"/>
       </p:ext>
     </p:extLst>
   </p:cSld>
@@ -10148,10 +9899,10 @@
       </p:grpSpPr>
       <p:pic>
         <p:nvPicPr>
-          <p:cNvPr id="3" name="Picture 2">
-            <a:extLst>
-              <a:ext uri="{FF2B5EF4-FFF2-40B4-BE49-F238E27FC236}">
-                <a16:creationId xmlns:a16="http://schemas.microsoft.com/office/drawing/2014/main" id="{7212D992-2472-4487-8078-00C72B65CAEE}"/>
+          <p:cNvPr id="2" name="Picture 1">
+            <a:extLst>
+              <a:ext uri="{FF2B5EF4-FFF2-40B4-BE49-F238E27FC236}">
+                <a16:creationId xmlns:a16="http://schemas.microsoft.com/office/drawing/2014/main" id="{DFCBF99B-DEED-4980-8C79-B1BD2293E22B}"/>
               </a:ext>
             </a:extLst>
           </p:cNvPr>
@@ -10168,8 +9919,8 @@
         </p:blipFill>
         <p:spPr>
           <a:xfrm>
-            <a:off x="2764453" y="101333"/>
-            <a:ext cx="6663094" cy="6655334"/>
+            <a:off x="1396059" y="717733"/>
+            <a:ext cx="9399882" cy="5422534"/>
           </a:xfrm>
           <a:prstGeom prst="rect">
             <a:avLst/>
@@ -10263,7 +10014,7 @@
                 </a:effectLst>
                 <a:latin typeface="Segoe UI Light"/>
               </a:rPr>
-              <a:t>Resources</a:t>
+              <a:t>Virtual Network</a:t>
             </a:r>
           </a:p>
         </p:txBody>
@@ -10271,7 +10022,7 @@
     </p:spTree>
     <p:extLst>
       <p:ext uri="{BB962C8B-B14F-4D97-AF65-F5344CB8AC3E}">
-        <p14:creationId xmlns:p14="http://schemas.microsoft.com/office/powerpoint/2010/main" val="2295619804"/>
+        <p14:creationId xmlns:p14="http://schemas.microsoft.com/office/powerpoint/2010/main" val="215655951"/>
       </p:ext>
     </p:extLst>
   </p:cSld>
@@ -10389,7 +10140,7 @@
           <p:cNvPr id="2" name="Picture 1">
             <a:extLst>
               <a:ext uri="{FF2B5EF4-FFF2-40B4-BE49-F238E27FC236}">
-                <a16:creationId xmlns:a16="http://schemas.microsoft.com/office/drawing/2014/main" id="{DFCBF99B-DEED-4980-8C79-B1BD2293E22B}"/>
+                <a16:creationId xmlns:a16="http://schemas.microsoft.com/office/drawing/2014/main" id="{1D0A27D3-8F20-4E32-B406-30C2DA12495F}"/>
               </a:ext>
             </a:extLst>
           </p:cNvPr>
@@ -10406,8 +10157,8 @@
         </p:blipFill>
         <p:spPr>
           <a:xfrm>
-            <a:off x="1396059" y="717733"/>
-            <a:ext cx="9399882" cy="5422534"/>
+            <a:off x="2625824" y="61133"/>
+            <a:ext cx="6940351" cy="6735734"/>
           </a:xfrm>
           <a:prstGeom prst="rect">
             <a:avLst/>
@@ -10501,7 +10252,7 @@
                 </a:effectLst>
                 <a:latin typeface="Segoe UI Light"/>
               </a:rPr>
-              <a:t>Virtual Network</a:t>
+              <a:t>SQL Data Warehouse</a:t>
             </a:r>
           </a:p>
         </p:txBody>
@@ -10509,7 +10260,7 @@
     </p:spTree>
     <p:extLst>
       <p:ext uri="{BB962C8B-B14F-4D97-AF65-F5344CB8AC3E}">
-        <p14:creationId xmlns:p14="http://schemas.microsoft.com/office/powerpoint/2010/main" val="215655951"/>
+        <p14:creationId xmlns:p14="http://schemas.microsoft.com/office/powerpoint/2010/main" val="3108944933"/>
       </p:ext>
     </p:extLst>
   </p:cSld>

--- a/The Azure Icon Game.pptx
+++ b/The Azure Icon Game.pptx
@@ -289,7 +289,7 @@
           <a:p>
             <a:fld id="{8CD9E07E-FA0D-404F-8FFA-F4C9C459F055}" type="datetimeFigureOut">
               <a:rPr lang="en-GB" smtClean="0"/>
-              <a:t>08/10/2018</a:t>
+              <a:t>02/03/2019</a:t>
             </a:fld>
             <a:endParaRPr lang="en-GB" dirty="0"/>
           </a:p>
@@ -489,7 +489,7 @@
           <a:p>
             <a:fld id="{8CD9E07E-FA0D-404F-8FFA-F4C9C459F055}" type="datetimeFigureOut">
               <a:rPr lang="en-GB" smtClean="0"/>
-              <a:t>08/10/2018</a:t>
+              <a:t>02/03/2019</a:t>
             </a:fld>
             <a:endParaRPr lang="en-GB" dirty="0"/>
           </a:p>
@@ -699,7 +699,7 @@
           <a:p>
             <a:fld id="{8CD9E07E-FA0D-404F-8FFA-F4C9C459F055}" type="datetimeFigureOut">
               <a:rPr lang="en-GB" smtClean="0"/>
-              <a:t>08/10/2018</a:t>
+              <a:t>02/03/2019</a:t>
             </a:fld>
             <a:endParaRPr lang="en-GB" dirty="0"/>
           </a:p>
@@ -899,7 +899,7 @@
           <a:p>
             <a:fld id="{8CD9E07E-FA0D-404F-8FFA-F4C9C459F055}" type="datetimeFigureOut">
               <a:rPr lang="en-GB" smtClean="0"/>
-              <a:t>08/10/2018</a:t>
+              <a:t>02/03/2019</a:t>
             </a:fld>
             <a:endParaRPr lang="en-GB" dirty="0"/>
           </a:p>
@@ -1175,7 +1175,7 @@
           <a:p>
             <a:fld id="{8CD9E07E-FA0D-404F-8FFA-F4C9C459F055}" type="datetimeFigureOut">
               <a:rPr lang="en-GB" smtClean="0"/>
-              <a:t>08/10/2018</a:t>
+              <a:t>02/03/2019</a:t>
             </a:fld>
             <a:endParaRPr lang="en-GB" dirty="0"/>
           </a:p>
@@ -1443,7 +1443,7 @@
           <a:p>
             <a:fld id="{8CD9E07E-FA0D-404F-8FFA-F4C9C459F055}" type="datetimeFigureOut">
               <a:rPr lang="en-GB" smtClean="0"/>
-              <a:t>08/10/2018</a:t>
+              <a:t>02/03/2019</a:t>
             </a:fld>
             <a:endParaRPr lang="en-GB" dirty="0"/>
           </a:p>
@@ -1858,7 +1858,7 @@
           <a:p>
             <a:fld id="{8CD9E07E-FA0D-404F-8FFA-F4C9C459F055}" type="datetimeFigureOut">
               <a:rPr lang="en-GB" smtClean="0"/>
-              <a:t>08/10/2018</a:t>
+              <a:t>02/03/2019</a:t>
             </a:fld>
             <a:endParaRPr lang="en-GB" dirty="0"/>
           </a:p>
@@ -2000,7 +2000,7 @@
           <a:p>
             <a:fld id="{8CD9E07E-FA0D-404F-8FFA-F4C9C459F055}" type="datetimeFigureOut">
               <a:rPr lang="en-GB" smtClean="0"/>
-              <a:t>08/10/2018</a:t>
+              <a:t>02/03/2019</a:t>
             </a:fld>
             <a:endParaRPr lang="en-GB" dirty="0"/>
           </a:p>
@@ -2113,7 +2113,7 @@
           <a:p>
             <a:fld id="{8CD9E07E-FA0D-404F-8FFA-F4C9C459F055}" type="datetimeFigureOut">
               <a:rPr lang="en-GB" smtClean="0"/>
-              <a:t>08/10/2018</a:t>
+              <a:t>02/03/2019</a:t>
             </a:fld>
             <a:endParaRPr lang="en-GB" dirty="0"/>
           </a:p>
@@ -2426,7 +2426,7 @@
           <a:p>
             <a:fld id="{8CD9E07E-FA0D-404F-8FFA-F4C9C459F055}" type="datetimeFigureOut">
               <a:rPr lang="en-GB" smtClean="0"/>
-              <a:t>08/10/2018</a:t>
+              <a:t>02/03/2019</a:t>
             </a:fld>
             <a:endParaRPr lang="en-GB" dirty="0"/>
           </a:p>
@@ -2715,7 +2715,7 @@
           <a:p>
             <a:fld id="{8CD9E07E-FA0D-404F-8FFA-F4C9C459F055}" type="datetimeFigureOut">
               <a:rPr lang="en-GB" smtClean="0"/>
-              <a:t>08/10/2018</a:t>
+              <a:t>02/03/2019</a:t>
             </a:fld>
             <a:endParaRPr lang="en-GB" dirty="0"/>
           </a:p>
@@ -2958,7 +2958,7 @@
           <a:p>
             <a:fld id="{8CD9E07E-FA0D-404F-8FFA-F4C9C459F055}" type="datetimeFigureOut">
               <a:rPr lang="en-GB" smtClean="0"/>
-              <a:t>08/10/2018</a:t>
+              <a:t>02/03/2019</a:t>
             </a:fld>
             <a:endParaRPr lang="en-GB" dirty="0"/>
           </a:p>
@@ -4074,7 +4074,7 @@
                 </a:effectLst>
                 <a:latin typeface="Segoe UI Light"/>
               </a:rPr>
-              <a:t>Data Bricks</a:t>
+              <a:t>Databricks</a:t>
             </a:r>
           </a:p>
         </p:txBody>

--- a/The Azure Icon Game.pptx
+++ b/The Azure Icon Game.pptx
@@ -10,30 +10,31 @@
     <p:sldId id="288" r:id="rId4"/>
     <p:sldId id="290" r:id="rId5"/>
     <p:sldId id="272" r:id="rId6"/>
-    <p:sldId id="274" r:id="rId7"/>
-    <p:sldId id="271" r:id="rId8"/>
-    <p:sldId id="273" r:id="rId9"/>
-    <p:sldId id="275" r:id="rId10"/>
-    <p:sldId id="276" r:id="rId11"/>
-    <p:sldId id="294" r:id="rId12"/>
-    <p:sldId id="282" r:id="rId13"/>
-    <p:sldId id="283" r:id="rId14"/>
-    <p:sldId id="277" r:id="rId15"/>
-    <p:sldId id="278" r:id="rId16"/>
-    <p:sldId id="284" r:id="rId17"/>
-    <p:sldId id="285" r:id="rId18"/>
-    <p:sldId id="279" r:id="rId19"/>
-    <p:sldId id="281" r:id="rId20"/>
-    <p:sldId id="289" r:id="rId21"/>
-    <p:sldId id="280" r:id="rId22"/>
-    <p:sldId id="286" r:id="rId23"/>
-    <p:sldId id="295" r:id="rId24"/>
-    <p:sldId id="287" r:id="rId25"/>
-    <p:sldId id="291" r:id="rId26"/>
-    <p:sldId id="296" r:id="rId27"/>
-    <p:sldId id="266" r:id="rId28"/>
-    <p:sldId id="293" r:id="rId29"/>
-    <p:sldId id="269" r:id="rId30"/>
+    <p:sldId id="297" r:id="rId7"/>
+    <p:sldId id="274" r:id="rId8"/>
+    <p:sldId id="271" r:id="rId9"/>
+    <p:sldId id="273" r:id="rId10"/>
+    <p:sldId id="275" r:id="rId11"/>
+    <p:sldId id="276" r:id="rId12"/>
+    <p:sldId id="294" r:id="rId13"/>
+    <p:sldId id="282" r:id="rId14"/>
+    <p:sldId id="283" r:id="rId15"/>
+    <p:sldId id="277" r:id="rId16"/>
+    <p:sldId id="278" r:id="rId17"/>
+    <p:sldId id="284" r:id="rId18"/>
+    <p:sldId id="285" r:id="rId19"/>
+    <p:sldId id="279" r:id="rId20"/>
+    <p:sldId id="281" r:id="rId21"/>
+    <p:sldId id="289" r:id="rId22"/>
+    <p:sldId id="280" r:id="rId23"/>
+    <p:sldId id="286" r:id="rId24"/>
+    <p:sldId id="295" r:id="rId25"/>
+    <p:sldId id="287" r:id="rId26"/>
+    <p:sldId id="291" r:id="rId27"/>
+    <p:sldId id="296" r:id="rId28"/>
+    <p:sldId id="266" r:id="rId29"/>
+    <p:sldId id="293" r:id="rId30"/>
+    <p:sldId id="269" r:id="rId31"/>
   </p:sldIdLst>
   <p:sldSz cx="12192000" cy="6858000"/>
   <p:notesSz cx="6858000" cy="9144000"/>
@@ -289,7 +290,7 @@
           <a:p>
             <a:fld id="{8CD9E07E-FA0D-404F-8FFA-F4C9C459F055}" type="datetimeFigureOut">
               <a:rPr lang="en-GB" smtClean="0"/>
-              <a:t>02/03/2019</a:t>
+              <a:t>09/05/2019</a:t>
             </a:fld>
             <a:endParaRPr lang="en-GB" dirty="0"/>
           </a:p>
@@ -489,7 +490,7 @@
           <a:p>
             <a:fld id="{8CD9E07E-FA0D-404F-8FFA-F4C9C459F055}" type="datetimeFigureOut">
               <a:rPr lang="en-GB" smtClean="0"/>
-              <a:t>02/03/2019</a:t>
+              <a:t>09/05/2019</a:t>
             </a:fld>
             <a:endParaRPr lang="en-GB" dirty="0"/>
           </a:p>
@@ -699,7 +700,7 @@
           <a:p>
             <a:fld id="{8CD9E07E-FA0D-404F-8FFA-F4C9C459F055}" type="datetimeFigureOut">
               <a:rPr lang="en-GB" smtClean="0"/>
-              <a:t>02/03/2019</a:t>
+              <a:t>09/05/2019</a:t>
             </a:fld>
             <a:endParaRPr lang="en-GB" dirty="0"/>
           </a:p>
@@ -899,7 +900,7 @@
           <a:p>
             <a:fld id="{8CD9E07E-FA0D-404F-8FFA-F4C9C459F055}" type="datetimeFigureOut">
               <a:rPr lang="en-GB" smtClean="0"/>
-              <a:t>02/03/2019</a:t>
+              <a:t>09/05/2019</a:t>
             </a:fld>
             <a:endParaRPr lang="en-GB" dirty="0"/>
           </a:p>
@@ -1175,7 +1176,7 @@
           <a:p>
             <a:fld id="{8CD9E07E-FA0D-404F-8FFA-F4C9C459F055}" type="datetimeFigureOut">
               <a:rPr lang="en-GB" smtClean="0"/>
-              <a:t>02/03/2019</a:t>
+              <a:t>09/05/2019</a:t>
             </a:fld>
             <a:endParaRPr lang="en-GB" dirty="0"/>
           </a:p>
@@ -1443,7 +1444,7 @@
           <a:p>
             <a:fld id="{8CD9E07E-FA0D-404F-8FFA-F4C9C459F055}" type="datetimeFigureOut">
               <a:rPr lang="en-GB" smtClean="0"/>
-              <a:t>02/03/2019</a:t>
+              <a:t>09/05/2019</a:t>
             </a:fld>
             <a:endParaRPr lang="en-GB" dirty="0"/>
           </a:p>
@@ -1858,7 +1859,7 @@
           <a:p>
             <a:fld id="{8CD9E07E-FA0D-404F-8FFA-F4C9C459F055}" type="datetimeFigureOut">
               <a:rPr lang="en-GB" smtClean="0"/>
-              <a:t>02/03/2019</a:t>
+              <a:t>09/05/2019</a:t>
             </a:fld>
             <a:endParaRPr lang="en-GB" dirty="0"/>
           </a:p>
@@ -2000,7 +2001,7 @@
           <a:p>
             <a:fld id="{8CD9E07E-FA0D-404F-8FFA-F4C9C459F055}" type="datetimeFigureOut">
               <a:rPr lang="en-GB" smtClean="0"/>
-              <a:t>02/03/2019</a:t>
+              <a:t>09/05/2019</a:t>
             </a:fld>
             <a:endParaRPr lang="en-GB" dirty="0"/>
           </a:p>
@@ -2113,7 +2114,7 @@
           <a:p>
             <a:fld id="{8CD9E07E-FA0D-404F-8FFA-F4C9C459F055}" type="datetimeFigureOut">
               <a:rPr lang="en-GB" smtClean="0"/>
-              <a:t>02/03/2019</a:t>
+              <a:t>09/05/2019</a:t>
             </a:fld>
             <a:endParaRPr lang="en-GB" dirty="0"/>
           </a:p>
@@ -2426,7 +2427,7 @@
           <a:p>
             <a:fld id="{8CD9E07E-FA0D-404F-8FFA-F4C9C459F055}" type="datetimeFigureOut">
               <a:rPr lang="en-GB" smtClean="0"/>
-              <a:t>02/03/2019</a:t>
+              <a:t>09/05/2019</a:t>
             </a:fld>
             <a:endParaRPr lang="en-GB" dirty="0"/>
           </a:p>
@@ -2715,7 +2716,7 @@
           <a:p>
             <a:fld id="{8CD9E07E-FA0D-404F-8FFA-F4C9C459F055}" type="datetimeFigureOut">
               <a:rPr lang="en-GB" smtClean="0"/>
-              <a:t>02/03/2019</a:t>
+              <a:t>09/05/2019</a:t>
             </a:fld>
             <a:endParaRPr lang="en-GB" dirty="0"/>
           </a:p>
@@ -2958,7 +2959,7 @@
           <a:p>
             <a:fld id="{8CD9E07E-FA0D-404F-8FFA-F4C9C459F055}" type="datetimeFigureOut">
               <a:rPr lang="en-GB" smtClean="0"/>
-              <a:t>02/03/2019</a:t>
+              <a:t>09/05/2019</a:t>
             </a:fld>
             <a:endParaRPr lang="en-GB" dirty="0"/>
           </a:p>
@@ -3721,10 +3722,10 @@
       </p:grpSpPr>
       <p:pic>
         <p:nvPicPr>
-          <p:cNvPr id="3" name="Picture 2">
-            <a:extLst>
-              <a:ext uri="{FF2B5EF4-FFF2-40B4-BE49-F238E27FC236}">
-                <a16:creationId xmlns:a16="http://schemas.microsoft.com/office/drawing/2014/main" id="{A5CF1A64-DE82-4D5B-A0C9-0B9D87E969AC}"/>
+          <p:cNvPr id="2" name="Picture 1">
+            <a:extLst>
+              <a:ext uri="{FF2B5EF4-FFF2-40B4-BE49-F238E27FC236}">
+                <a16:creationId xmlns:a16="http://schemas.microsoft.com/office/drawing/2014/main" id="{1D0A27D3-8F20-4E32-B406-30C2DA12495F}"/>
               </a:ext>
             </a:extLst>
           </p:cNvPr>
@@ -3741,8 +3742,8 @@
         </p:blipFill>
         <p:spPr>
           <a:xfrm>
-            <a:off x="1400531" y="632866"/>
-            <a:ext cx="9390938" cy="5592267"/>
+            <a:off x="2625824" y="61133"/>
+            <a:ext cx="6940351" cy="6735734"/>
           </a:xfrm>
           <a:prstGeom prst="rect">
             <a:avLst/>
@@ -3836,7 +3837,7 @@
                 </a:effectLst>
                 <a:latin typeface="Segoe UI Light"/>
               </a:rPr>
-              <a:t>Cognitive Services</a:t>
+              <a:t>SQL Data Warehouse</a:t>
             </a:r>
           </a:p>
         </p:txBody>
@@ -3844,7 +3845,7 @@
     </p:spTree>
     <p:extLst>
       <p:ext uri="{BB962C8B-B14F-4D97-AF65-F5344CB8AC3E}">
-        <p14:creationId xmlns:p14="http://schemas.microsoft.com/office/powerpoint/2010/main" val="4121548687"/>
+        <p14:creationId xmlns:p14="http://schemas.microsoft.com/office/powerpoint/2010/main" val="3108944933"/>
       </p:ext>
     </p:extLst>
   </p:cSld>
@@ -3959,10 +3960,10 @@
       </p:grpSpPr>
       <p:pic>
         <p:nvPicPr>
-          <p:cNvPr id="2" name="Picture 1">
-            <a:extLst>
-              <a:ext uri="{FF2B5EF4-FFF2-40B4-BE49-F238E27FC236}">
-                <a16:creationId xmlns:a16="http://schemas.microsoft.com/office/drawing/2014/main" id="{8195006A-8967-423E-81D0-E19F92DB2248}"/>
+          <p:cNvPr id="3" name="Picture 2">
+            <a:extLst>
+              <a:ext uri="{FF2B5EF4-FFF2-40B4-BE49-F238E27FC236}">
+                <a16:creationId xmlns:a16="http://schemas.microsoft.com/office/drawing/2014/main" id="{A5CF1A64-DE82-4D5B-A0C9-0B9D87E969AC}"/>
               </a:ext>
             </a:extLst>
           </p:cNvPr>
@@ -3979,8 +3980,8 @@
         </p:blipFill>
         <p:spPr>
           <a:xfrm>
-            <a:off x="2569296" y="0"/>
-            <a:ext cx="7053407" cy="6858000"/>
+            <a:off x="1400531" y="632866"/>
+            <a:ext cx="9390938" cy="5592267"/>
           </a:xfrm>
           <a:prstGeom prst="rect">
             <a:avLst/>
@@ -4074,7 +4075,7 @@
                 </a:effectLst>
                 <a:latin typeface="Segoe UI Light"/>
               </a:rPr>
-              <a:t>Databricks</a:t>
+              <a:t>Cognitive Services</a:t>
             </a:r>
           </a:p>
         </p:txBody>
@@ -4082,7 +4083,7 @@
     </p:spTree>
     <p:extLst>
       <p:ext uri="{BB962C8B-B14F-4D97-AF65-F5344CB8AC3E}">
-        <p14:creationId xmlns:p14="http://schemas.microsoft.com/office/powerpoint/2010/main" val="2471656630"/>
+        <p14:creationId xmlns:p14="http://schemas.microsoft.com/office/powerpoint/2010/main" val="4121548687"/>
       </p:ext>
     </p:extLst>
   </p:cSld>
@@ -4200,7 +4201,7 @@
           <p:cNvPr id="2" name="Picture 1">
             <a:extLst>
               <a:ext uri="{FF2B5EF4-FFF2-40B4-BE49-F238E27FC236}">
-                <a16:creationId xmlns:a16="http://schemas.microsoft.com/office/drawing/2014/main" id="{D26CFE51-372B-434A-A678-C469BF8E2A85}"/>
+                <a16:creationId xmlns:a16="http://schemas.microsoft.com/office/drawing/2014/main" id="{8195006A-8967-423E-81D0-E19F92DB2248}"/>
               </a:ext>
             </a:extLst>
           </p:cNvPr>
@@ -4217,8 +4218,8 @@
         </p:blipFill>
         <p:spPr>
           <a:xfrm>
-            <a:off x="2791284" y="61133"/>
-            <a:ext cx="6609432" cy="6735734"/>
+            <a:off x="2569296" y="0"/>
+            <a:ext cx="7053407" cy="6858000"/>
           </a:xfrm>
           <a:prstGeom prst="rect">
             <a:avLst/>
@@ -4312,7 +4313,7 @@
                 </a:effectLst>
                 <a:latin typeface="Segoe UI Light"/>
               </a:rPr>
-              <a:t>Machine Learning</a:t>
+              <a:t>Databricks</a:t>
             </a:r>
           </a:p>
         </p:txBody>
@@ -4320,7 +4321,7 @@
     </p:spTree>
     <p:extLst>
       <p:ext uri="{BB962C8B-B14F-4D97-AF65-F5344CB8AC3E}">
-        <p14:creationId xmlns:p14="http://schemas.microsoft.com/office/powerpoint/2010/main" val="2654462013"/>
+        <p14:creationId xmlns:p14="http://schemas.microsoft.com/office/powerpoint/2010/main" val="2471656630"/>
       </p:ext>
     </p:extLst>
   </p:cSld>
@@ -4435,10 +4436,10 @@
       </p:grpSpPr>
       <p:pic>
         <p:nvPicPr>
-          <p:cNvPr id="3" name="Picture 2">
-            <a:extLst>
-              <a:ext uri="{FF2B5EF4-FFF2-40B4-BE49-F238E27FC236}">
-                <a16:creationId xmlns:a16="http://schemas.microsoft.com/office/drawing/2014/main" id="{7D905101-6B8F-40C3-B498-71B7702E8DCE}"/>
+          <p:cNvPr id="2" name="Picture 1">
+            <a:extLst>
+              <a:ext uri="{FF2B5EF4-FFF2-40B4-BE49-F238E27FC236}">
+                <a16:creationId xmlns:a16="http://schemas.microsoft.com/office/drawing/2014/main" id="{D26CFE51-372B-434A-A678-C469BF8E2A85}"/>
               </a:ext>
             </a:extLst>
           </p:cNvPr>
@@ -4455,8 +4456,8 @@
         </p:blipFill>
         <p:spPr>
           <a:xfrm>
-            <a:off x="2192052" y="96866"/>
-            <a:ext cx="7807895" cy="6664267"/>
+            <a:off x="2791284" y="61133"/>
+            <a:ext cx="6609432" cy="6735734"/>
           </a:xfrm>
           <a:prstGeom prst="rect">
             <a:avLst/>
@@ -4550,7 +4551,7 @@
                 </a:effectLst>
                 <a:latin typeface="Segoe UI Light"/>
               </a:rPr>
-              <a:t>Storage Account</a:t>
+              <a:t>Machine Learning</a:t>
             </a:r>
           </a:p>
         </p:txBody>
@@ -4558,7 +4559,7 @@
     </p:spTree>
     <p:extLst>
       <p:ext uri="{BB962C8B-B14F-4D97-AF65-F5344CB8AC3E}">
-        <p14:creationId xmlns:p14="http://schemas.microsoft.com/office/powerpoint/2010/main" val="3409526432"/>
+        <p14:creationId xmlns:p14="http://schemas.microsoft.com/office/powerpoint/2010/main" val="2654462013"/>
       </p:ext>
     </p:extLst>
   </p:cSld>
@@ -4673,10 +4674,10 @@
       </p:grpSpPr>
       <p:pic>
         <p:nvPicPr>
-          <p:cNvPr id="2" name="Picture 1">
-            <a:extLst>
-              <a:ext uri="{FF2B5EF4-FFF2-40B4-BE49-F238E27FC236}">
-                <a16:creationId xmlns:a16="http://schemas.microsoft.com/office/drawing/2014/main" id="{61A332A1-A5CF-4183-96C1-700A13D3709E}"/>
+          <p:cNvPr id="3" name="Picture 2">
+            <a:extLst>
+              <a:ext uri="{FF2B5EF4-FFF2-40B4-BE49-F238E27FC236}">
+                <a16:creationId xmlns:a16="http://schemas.microsoft.com/office/drawing/2014/main" id="{7D905101-6B8F-40C3-B498-71B7702E8DCE}"/>
               </a:ext>
             </a:extLst>
           </p:cNvPr>
@@ -4693,8 +4694,8 @@
         </p:blipFill>
         <p:spPr>
           <a:xfrm>
-            <a:off x="1807471" y="56666"/>
-            <a:ext cx="8577057" cy="6744667"/>
+            <a:off x="2192052" y="96866"/>
+            <a:ext cx="7807895" cy="6664267"/>
           </a:xfrm>
           <a:prstGeom prst="rect">
             <a:avLst/>
@@ -4788,7 +4789,7 @@
                 </a:effectLst>
                 <a:latin typeface="Segoe UI Light"/>
               </a:rPr>
-              <a:t>Data Lake Store</a:t>
+              <a:t>Storage Account</a:t>
             </a:r>
           </a:p>
         </p:txBody>
@@ -4796,7 +4797,7 @@
     </p:spTree>
     <p:extLst>
       <p:ext uri="{BB962C8B-B14F-4D97-AF65-F5344CB8AC3E}">
-        <p14:creationId xmlns:p14="http://schemas.microsoft.com/office/powerpoint/2010/main" val="11206669"/>
+        <p14:creationId xmlns:p14="http://schemas.microsoft.com/office/powerpoint/2010/main" val="3409526432"/>
       </p:ext>
     </p:extLst>
   </p:cSld>
@@ -4911,10 +4912,10 @@
       </p:grpSpPr>
       <p:pic>
         <p:nvPicPr>
-          <p:cNvPr id="3" name="Picture 2">
-            <a:extLst>
-              <a:ext uri="{FF2B5EF4-FFF2-40B4-BE49-F238E27FC236}">
-                <a16:creationId xmlns:a16="http://schemas.microsoft.com/office/drawing/2014/main" id="{7FFBD379-1125-454D-884C-BE0C71819F86}"/>
+          <p:cNvPr id="2" name="Picture 1">
+            <a:extLst>
+              <a:ext uri="{FF2B5EF4-FFF2-40B4-BE49-F238E27FC236}">
+                <a16:creationId xmlns:a16="http://schemas.microsoft.com/office/drawing/2014/main" id="{61A332A1-A5CF-4183-96C1-700A13D3709E}"/>
               </a:ext>
             </a:extLst>
           </p:cNvPr>
@@ -4931,8 +4932,8 @@
         </p:blipFill>
         <p:spPr>
           <a:xfrm>
-            <a:off x="2733149" y="70066"/>
-            <a:ext cx="6725701" cy="6717867"/>
+            <a:off x="1807471" y="56666"/>
+            <a:ext cx="8577057" cy="6744667"/>
           </a:xfrm>
           <a:prstGeom prst="rect">
             <a:avLst/>
@@ -5026,7 +5027,7 @@
                 </a:effectLst>
                 <a:latin typeface="Segoe UI Light"/>
               </a:rPr>
-              <a:t>Data Lake Analytics</a:t>
+              <a:t>Data Lake Store</a:t>
             </a:r>
           </a:p>
         </p:txBody>
@@ -5034,7 +5035,7 @@
     </p:spTree>
     <p:extLst>
       <p:ext uri="{BB962C8B-B14F-4D97-AF65-F5344CB8AC3E}">
-        <p14:creationId xmlns:p14="http://schemas.microsoft.com/office/powerpoint/2010/main" val="2120805870"/>
+        <p14:creationId xmlns:p14="http://schemas.microsoft.com/office/powerpoint/2010/main" val="11206669"/>
       </p:ext>
     </p:extLst>
   </p:cSld>
@@ -5149,10 +5150,10 @@
       </p:grpSpPr>
       <p:pic>
         <p:nvPicPr>
-          <p:cNvPr id="2" name="Picture 1">
-            <a:extLst>
-              <a:ext uri="{FF2B5EF4-FFF2-40B4-BE49-F238E27FC236}">
-                <a16:creationId xmlns:a16="http://schemas.microsoft.com/office/drawing/2014/main" id="{C38964DD-8EC1-45F2-B3F2-C3FCC3003704}"/>
+          <p:cNvPr id="3" name="Picture 2">
+            <a:extLst>
+              <a:ext uri="{FF2B5EF4-FFF2-40B4-BE49-F238E27FC236}">
+                <a16:creationId xmlns:a16="http://schemas.microsoft.com/office/drawing/2014/main" id="{7FFBD379-1125-454D-884C-BE0C71819F86}"/>
               </a:ext>
             </a:extLst>
           </p:cNvPr>
@@ -5169,8 +5170,8 @@
         </p:blipFill>
         <p:spPr>
           <a:xfrm>
-            <a:off x="2719734" y="61133"/>
-            <a:ext cx="6752532" cy="6735734"/>
+            <a:off x="2733149" y="70066"/>
+            <a:ext cx="6725701" cy="6717867"/>
           </a:xfrm>
           <a:prstGeom prst="rect">
             <a:avLst/>
@@ -5264,7 +5265,7 @@
                 </a:effectLst>
                 <a:latin typeface="Segoe UI Light"/>
               </a:rPr>
-              <a:t>Data Factory</a:t>
+              <a:t>Data Lake Analytics</a:t>
             </a:r>
           </a:p>
         </p:txBody>
@@ -5272,7 +5273,7 @@
     </p:spTree>
     <p:extLst>
       <p:ext uri="{BB962C8B-B14F-4D97-AF65-F5344CB8AC3E}">
-        <p14:creationId xmlns:p14="http://schemas.microsoft.com/office/powerpoint/2010/main" val="3269637605"/>
+        <p14:creationId xmlns:p14="http://schemas.microsoft.com/office/powerpoint/2010/main" val="2120805870"/>
       </p:ext>
     </p:extLst>
   </p:cSld>
@@ -5387,10 +5388,10 @@
       </p:grpSpPr>
       <p:pic>
         <p:nvPicPr>
-          <p:cNvPr id="3" name="Picture 2">
-            <a:extLst>
-              <a:ext uri="{FF2B5EF4-FFF2-40B4-BE49-F238E27FC236}">
-                <a16:creationId xmlns:a16="http://schemas.microsoft.com/office/drawing/2014/main" id="{2FC316C0-0397-4BD6-9718-EDAB2D852ED2}"/>
+          <p:cNvPr id="2" name="Picture 1">
+            <a:extLst>
+              <a:ext uri="{FF2B5EF4-FFF2-40B4-BE49-F238E27FC236}">
+                <a16:creationId xmlns:a16="http://schemas.microsoft.com/office/drawing/2014/main" id="{C38964DD-8EC1-45F2-B3F2-C3FCC3003704}"/>
               </a:ext>
             </a:extLst>
           </p:cNvPr>
@@ -5407,8 +5408,8 @@
         </p:blipFill>
         <p:spPr>
           <a:xfrm>
-            <a:off x="2455893" y="52199"/>
-            <a:ext cx="7280213" cy="6753601"/>
+            <a:off x="2719734" y="61133"/>
+            <a:ext cx="6752532" cy="6735734"/>
           </a:xfrm>
           <a:prstGeom prst="rect">
             <a:avLst/>
@@ -5502,7 +5503,7 @@
                 </a:effectLst>
                 <a:latin typeface="Segoe UI Light"/>
               </a:rPr>
-              <a:t>Batch Service</a:t>
+              <a:t>Data Factory</a:t>
             </a:r>
           </a:p>
         </p:txBody>
@@ -5510,7 +5511,7 @@
     </p:spTree>
     <p:extLst>
       <p:ext uri="{BB962C8B-B14F-4D97-AF65-F5344CB8AC3E}">
-        <p14:creationId xmlns:p14="http://schemas.microsoft.com/office/powerpoint/2010/main" val="3653908531"/>
+        <p14:creationId xmlns:p14="http://schemas.microsoft.com/office/powerpoint/2010/main" val="3269637605"/>
       </p:ext>
     </p:extLst>
   </p:cSld>
@@ -5625,10 +5626,10 @@
       </p:grpSpPr>
       <p:pic>
         <p:nvPicPr>
-          <p:cNvPr id="2" name="Picture 1">
-            <a:extLst>
-              <a:ext uri="{FF2B5EF4-FFF2-40B4-BE49-F238E27FC236}">
-                <a16:creationId xmlns:a16="http://schemas.microsoft.com/office/drawing/2014/main" id="{CADC9F19-C808-496C-8907-5BBC0E85FC48}"/>
+          <p:cNvPr id="3" name="Picture 2">
+            <a:extLst>
+              <a:ext uri="{FF2B5EF4-FFF2-40B4-BE49-F238E27FC236}">
+                <a16:creationId xmlns:a16="http://schemas.microsoft.com/office/drawing/2014/main" id="{2FC316C0-0397-4BD6-9718-EDAB2D852ED2}"/>
               </a:ext>
             </a:extLst>
           </p:cNvPr>
@@ -5645,8 +5646,8 @@
         </p:blipFill>
         <p:spPr>
           <a:xfrm>
-            <a:off x="2429062" y="110266"/>
-            <a:ext cx="7333876" cy="6637467"/>
+            <a:off x="2455893" y="52199"/>
+            <a:ext cx="7280213" cy="6753601"/>
           </a:xfrm>
           <a:prstGeom prst="rect">
             <a:avLst/>
@@ -5740,7 +5741,7 @@
                 </a:effectLst>
                 <a:latin typeface="Segoe UI Light"/>
               </a:rPr>
-              <a:t>Automation</a:t>
+              <a:t>Batch Service</a:t>
             </a:r>
           </a:p>
         </p:txBody>
@@ -5748,7 +5749,7 @@
     </p:spTree>
     <p:extLst>
       <p:ext uri="{BB962C8B-B14F-4D97-AF65-F5344CB8AC3E}">
-        <p14:creationId xmlns:p14="http://schemas.microsoft.com/office/powerpoint/2010/main" val="3517388517"/>
+        <p14:creationId xmlns:p14="http://schemas.microsoft.com/office/powerpoint/2010/main" val="3653908531"/>
       </p:ext>
     </p:extLst>
   </p:cSld>
@@ -5866,7 +5867,7 @@
           <p:cNvPr id="2" name="Picture 1">
             <a:extLst>
               <a:ext uri="{FF2B5EF4-FFF2-40B4-BE49-F238E27FC236}">
-                <a16:creationId xmlns:a16="http://schemas.microsoft.com/office/drawing/2014/main" id="{50F73E81-00C0-4B00-A50D-7B25324EDCAA}"/>
+                <a16:creationId xmlns:a16="http://schemas.microsoft.com/office/drawing/2014/main" id="{CADC9F19-C808-496C-8907-5BBC0E85FC48}"/>
               </a:ext>
             </a:extLst>
           </p:cNvPr>
@@ -5883,8 +5884,8 @@
         </p:blipFill>
         <p:spPr>
           <a:xfrm>
-            <a:off x="2464837" y="87933"/>
-            <a:ext cx="7262326" cy="6682134"/>
+            <a:off x="2429062" y="110266"/>
+            <a:ext cx="7333876" cy="6637467"/>
           </a:xfrm>
           <a:prstGeom prst="rect">
             <a:avLst/>
@@ -5978,7 +5979,7 @@
                 </a:effectLst>
                 <a:latin typeface="Segoe UI Light"/>
               </a:rPr>
-              <a:t>Functions</a:t>
+              <a:t>Automation</a:t>
             </a:r>
           </a:p>
         </p:txBody>
@@ -5986,7 +5987,7 @@
     </p:spTree>
     <p:extLst>
       <p:ext uri="{BB962C8B-B14F-4D97-AF65-F5344CB8AC3E}">
-        <p14:creationId xmlns:p14="http://schemas.microsoft.com/office/powerpoint/2010/main" val="1387030895"/>
+        <p14:creationId xmlns:p14="http://schemas.microsoft.com/office/powerpoint/2010/main" val="3517388517"/>
       </p:ext>
     </p:extLst>
   </p:cSld>
@@ -6339,10 +6340,10 @@
       </p:grpSpPr>
       <p:pic>
         <p:nvPicPr>
-          <p:cNvPr id="3" name="Picture 2">
-            <a:extLst>
-              <a:ext uri="{FF2B5EF4-FFF2-40B4-BE49-F238E27FC236}">
-                <a16:creationId xmlns:a16="http://schemas.microsoft.com/office/drawing/2014/main" id="{3037B186-89CD-4244-8408-C10B6BBB660E}"/>
+          <p:cNvPr id="2" name="Picture 1">
+            <a:extLst>
+              <a:ext uri="{FF2B5EF4-FFF2-40B4-BE49-F238E27FC236}">
+                <a16:creationId xmlns:a16="http://schemas.microsoft.com/office/drawing/2014/main" id="{50F73E81-00C0-4B00-A50D-7B25324EDCAA}"/>
               </a:ext>
             </a:extLst>
           </p:cNvPr>
@@ -6359,8 +6360,8 @@
         </p:blipFill>
         <p:spPr>
           <a:xfrm>
-            <a:off x="1825359" y="105799"/>
-            <a:ext cx="8541282" cy="6646401"/>
+            <a:off x="2464837" y="87933"/>
+            <a:ext cx="7262326" cy="6682134"/>
           </a:xfrm>
           <a:prstGeom prst="rect">
             <a:avLst/>
@@ -6454,7 +6455,7 @@
                 </a:effectLst>
                 <a:latin typeface="Segoe UI Light"/>
               </a:rPr>
-              <a:t>Logic Apps</a:t>
+              <a:t>Functions</a:t>
             </a:r>
           </a:p>
         </p:txBody>
@@ -6462,7 +6463,7 @@
     </p:spTree>
     <p:extLst>
       <p:ext uri="{BB962C8B-B14F-4D97-AF65-F5344CB8AC3E}">
-        <p14:creationId xmlns:p14="http://schemas.microsoft.com/office/powerpoint/2010/main" val="3034824262"/>
+        <p14:creationId xmlns:p14="http://schemas.microsoft.com/office/powerpoint/2010/main" val="1387030895"/>
       </p:ext>
     </p:extLst>
   </p:cSld>
@@ -6580,7 +6581,7 @@
           <p:cNvPr id="3" name="Picture 2">
             <a:extLst>
               <a:ext uri="{FF2B5EF4-FFF2-40B4-BE49-F238E27FC236}">
-                <a16:creationId xmlns:a16="http://schemas.microsoft.com/office/drawing/2014/main" id="{A76642D8-39F1-456B-ACFF-1B354DDC3DC5}"/>
+                <a16:creationId xmlns:a16="http://schemas.microsoft.com/office/drawing/2014/main" id="{3037B186-89CD-4244-8408-C10B6BBB660E}"/>
               </a:ext>
             </a:extLst>
           </p:cNvPr>
@@ -6597,8 +6598,8 @@
         </p:blipFill>
         <p:spPr>
           <a:xfrm>
-            <a:off x="1928212" y="43266"/>
-            <a:ext cx="8335576" cy="6771467"/>
+            <a:off x="1825359" y="105799"/>
+            <a:ext cx="8541282" cy="6646401"/>
           </a:xfrm>
           <a:prstGeom prst="rect">
             <a:avLst/>
@@ -6692,7 +6693,7 @@
                 </a:effectLst>
                 <a:latin typeface="Segoe UI Light"/>
               </a:rPr>
-              <a:t>Analysis Services</a:t>
+              <a:t>Logic Apps</a:t>
             </a:r>
           </a:p>
         </p:txBody>
@@ -6700,7 +6701,7 @@
     </p:spTree>
     <p:extLst>
       <p:ext uri="{BB962C8B-B14F-4D97-AF65-F5344CB8AC3E}">
-        <p14:creationId xmlns:p14="http://schemas.microsoft.com/office/powerpoint/2010/main" val="794762057"/>
+        <p14:creationId xmlns:p14="http://schemas.microsoft.com/office/powerpoint/2010/main" val="3034824262"/>
       </p:ext>
     </p:extLst>
   </p:cSld>
@@ -6815,10 +6816,10 @@
       </p:grpSpPr>
       <p:pic>
         <p:nvPicPr>
-          <p:cNvPr id="5" name="Picture 4">
-            <a:extLst>
-              <a:ext uri="{FF2B5EF4-FFF2-40B4-BE49-F238E27FC236}">
-                <a16:creationId xmlns:a16="http://schemas.microsoft.com/office/drawing/2014/main" id="{4DC88D3A-6239-40E7-92AE-B028AF9AB476}"/>
+          <p:cNvPr id="3" name="Picture 2">
+            <a:extLst>
+              <a:ext uri="{FF2B5EF4-FFF2-40B4-BE49-F238E27FC236}">
+                <a16:creationId xmlns:a16="http://schemas.microsoft.com/office/drawing/2014/main" id="{A76642D8-39F1-456B-ACFF-1B354DDC3DC5}"/>
               </a:ext>
             </a:extLst>
           </p:cNvPr>
@@ -6835,8 +6836,8 @@
         </p:blipFill>
         <p:spPr>
           <a:xfrm>
-            <a:off x="2840474" y="87933"/>
-            <a:ext cx="6511051" cy="6682134"/>
+            <a:off x="1928212" y="43266"/>
+            <a:ext cx="8335576" cy="6771467"/>
           </a:xfrm>
           <a:prstGeom prst="rect">
             <a:avLst/>
@@ -6930,7 +6931,7 @@
                 </a:effectLst>
                 <a:latin typeface="Segoe UI Light"/>
               </a:rPr>
-              <a:t>Event Hub</a:t>
+              <a:t>Analysis Services</a:t>
             </a:r>
           </a:p>
         </p:txBody>
@@ -6938,7 +6939,7 @@
     </p:spTree>
     <p:extLst>
       <p:ext uri="{BB962C8B-B14F-4D97-AF65-F5344CB8AC3E}">
-        <p14:creationId xmlns:p14="http://schemas.microsoft.com/office/powerpoint/2010/main" val="2388929640"/>
+        <p14:creationId xmlns:p14="http://schemas.microsoft.com/office/powerpoint/2010/main" val="794762057"/>
       </p:ext>
     </p:extLst>
   </p:cSld>
@@ -7053,10 +7054,10 @@
       </p:grpSpPr>
       <p:pic>
         <p:nvPicPr>
-          <p:cNvPr id="2" name="Picture 1">
-            <a:extLst>
-              <a:ext uri="{FF2B5EF4-FFF2-40B4-BE49-F238E27FC236}">
-                <a16:creationId xmlns:a16="http://schemas.microsoft.com/office/drawing/2014/main" id="{EB1AE970-1F0D-4B30-B185-B22186BFF870}"/>
+          <p:cNvPr id="5" name="Picture 4">
+            <a:extLst>
+              <a:ext uri="{FF2B5EF4-FFF2-40B4-BE49-F238E27FC236}">
+                <a16:creationId xmlns:a16="http://schemas.microsoft.com/office/drawing/2014/main" id="{4DC88D3A-6239-40E7-92AE-B028AF9AB476}"/>
               </a:ext>
             </a:extLst>
           </p:cNvPr>
@@ -7073,8 +7074,8 @@
         </p:blipFill>
         <p:spPr>
           <a:xfrm>
-            <a:off x="2706318" y="47733"/>
-            <a:ext cx="6779363" cy="6762534"/>
+            <a:off x="2840474" y="87933"/>
+            <a:ext cx="6511051" cy="6682134"/>
           </a:xfrm>
           <a:prstGeom prst="rect">
             <a:avLst/>
@@ -7168,7 +7169,7 @@
                 </a:effectLst>
                 <a:latin typeface="Segoe UI Light"/>
               </a:rPr>
-              <a:t>Event Grid</a:t>
+              <a:t>Event Hub</a:t>
             </a:r>
           </a:p>
         </p:txBody>
@@ -7176,7 +7177,7 @@
     </p:spTree>
     <p:extLst>
       <p:ext uri="{BB962C8B-B14F-4D97-AF65-F5344CB8AC3E}">
-        <p14:creationId xmlns:p14="http://schemas.microsoft.com/office/powerpoint/2010/main" val="3447951919"/>
+        <p14:creationId xmlns:p14="http://schemas.microsoft.com/office/powerpoint/2010/main" val="2388929640"/>
       </p:ext>
     </p:extLst>
   </p:cSld>
@@ -7291,10 +7292,10 @@
       </p:grpSpPr>
       <p:pic>
         <p:nvPicPr>
-          <p:cNvPr id="4" name="Picture 3">
-            <a:extLst>
-              <a:ext uri="{FF2B5EF4-FFF2-40B4-BE49-F238E27FC236}">
-                <a16:creationId xmlns:a16="http://schemas.microsoft.com/office/drawing/2014/main" id="{A5952FD6-013B-4B15-A3E1-35E28832EB9E}"/>
+          <p:cNvPr id="2" name="Picture 1">
+            <a:extLst>
+              <a:ext uri="{FF2B5EF4-FFF2-40B4-BE49-F238E27FC236}">
+                <a16:creationId xmlns:a16="http://schemas.microsoft.com/office/drawing/2014/main" id="{EB1AE970-1F0D-4B30-B185-B22186BFF870}"/>
               </a:ext>
             </a:extLst>
           </p:cNvPr>
@@ -7311,8 +7312,8 @@
         </p:blipFill>
         <p:spPr>
           <a:xfrm>
-            <a:off x="1753809" y="52199"/>
-            <a:ext cx="8684382" cy="6753601"/>
+            <a:off x="2706318" y="47733"/>
+            <a:ext cx="6779363" cy="6762534"/>
           </a:xfrm>
           <a:prstGeom prst="rect">
             <a:avLst/>
@@ -7406,7 +7407,7 @@
                 </a:effectLst>
                 <a:latin typeface="Segoe UI Light"/>
               </a:rPr>
-              <a:t>Stream Analytics</a:t>
+              <a:t>Event Grid</a:t>
             </a:r>
           </a:p>
         </p:txBody>
@@ -7414,7 +7415,7 @@
     </p:spTree>
     <p:extLst>
       <p:ext uri="{BB962C8B-B14F-4D97-AF65-F5344CB8AC3E}">
-        <p14:creationId xmlns:p14="http://schemas.microsoft.com/office/powerpoint/2010/main" val="2031741729"/>
+        <p14:creationId xmlns:p14="http://schemas.microsoft.com/office/powerpoint/2010/main" val="3447951919"/>
       </p:ext>
     </p:extLst>
   </p:cSld>
@@ -7529,10 +7530,10 @@
       </p:grpSpPr>
       <p:pic>
         <p:nvPicPr>
-          <p:cNvPr id="2" name="Picture 1">
-            <a:extLst>
-              <a:ext uri="{FF2B5EF4-FFF2-40B4-BE49-F238E27FC236}">
-                <a16:creationId xmlns:a16="http://schemas.microsoft.com/office/drawing/2014/main" id="{CB00F877-62D4-4191-A1C0-BCA26D3AAD76}"/>
+          <p:cNvPr id="4" name="Picture 3">
+            <a:extLst>
+              <a:ext uri="{FF2B5EF4-FFF2-40B4-BE49-F238E27FC236}">
+                <a16:creationId xmlns:a16="http://schemas.microsoft.com/office/drawing/2014/main" id="{A5952FD6-013B-4B15-A3E1-35E28832EB9E}"/>
               </a:ext>
             </a:extLst>
           </p:cNvPr>
@@ -7549,8 +7550,8 @@
         </p:blipFill>
         <p:spPr>
           <a:xfrm>
-            <a:off x="2925440" y="52199"/>
-            <a:ext cx="6341119" cy="6753601"/>
+            <a:off x="1753809" y="52199"/>
+            <a:ext cx="8684382" cy="6753601"/>
           </a:xfrm>
           <a:prstGeom prst="rect">
             <a:avLst/>
@@ -7644,7 +7645,7 @@
                 </a:effectLst>
                 <a:latin typeface="Segoe UI Light"/>
               </a:rPr>
-              <a:t>Data Catalogue</a:t>
+              <a:t>Stream Analytics</a:t>
             </a:r>
           </a:p>
         </p:txBody>
@@ -7652,7 +7653,7 @@
     </p:spTree>
     <p:extLst>
       <p:ext uri="{BB962C8B-B14F-4D97-AF65-F5344CB8AC3E}">
-        <p14:creationId xmlns:p14="http://schemas.microsoft.com/office/powerpoint/2010/main" val="2067566175"/>
+        <p14:creationId xmlns:p14="http://schemas.microsoft.com/office/powerpoint/2010/main" val="2031741729"/>
       </p:ext>
     </p:extLst>
   </p:cSld>
@@ -7767,10 +7768,10 @@
       </p:grpSpPr>
       <p:pic>
         <p:nvPicPr>
-          <p:cNvPr id="3" name="Picture 2">
-            <a:extLst>
-              <a:ext uri="{FF2B5EF4-FFF2-40B4-BE49-F238E27FC236}">
-                <a16:creationId xmlns:a16="http://schemas.microsoft.com/office/drawing/2014/main" id="{C05ADA2A-281E-4FD1-B782-E3CA3666A6F6}"/>
+          <p:cNvPr id="2" name="Picture 1">
+            <a:extLst>
+              <a:ext uri="{FF2B5EF4-FFF2-40B4-BE49-F238E27FC236}">
+                <a16:creationId xmlns:a16="http://schemas.microsoft.com/office/drawing/2014/main" id="{CB00F877-62D4-4191-A1C0-BCA26D3AAD76}"/>
               </a:ext>
             </a:extLst>
           </p:cNvPr>
@@ -7787,8 +7788,8 @@
         </p:blipFill>
         <p:spPr>
           <a:xfrm>
-            <a:off x="3018139" y="0"/>
-            <a:ext cx="6155721" cy="6858000"/>
+            <a:off x="2925440" y="52199"/>
+            <a:ext cx="6341119" cy="6753601"/>
           </a:xfrm>
           <a:prstGeom prst="rect">
             <a:avLst/>
@@ -7882,7 +7883,7 @@
                 </a:effectLst>
                 <a:latin typeface="Segoe UI Light"/>
               </a:rPr>
-              <a:t>Key Vault</a:t>
+              <a:t>Data Catalogue</a:t>
             </a:r>
           </a:p>
         </p:txBody>
@@ -7890,7 +7891,7 @@
     </p:spTree>
     <p:extLst>
       <p:ext uri="{BB962C8B-B14F-4D97-AF65-F5344CB8AC3E}">
-        <p14:creationId xmlns:p14="http://schemas.microsoft.com/office/powerpoint/2010/main" val="1384612691"/>
+        <p14:creationId xmlns:p14="http://schemas.microsoft.com/office/powerpoint/2010/main" val="2067566175"/>
       </p:ext>
     </p:extLst>
   </p:cSld>
@@ -8008,6 +8009,244 @@
           <p:cNvPr id="3" name="Picture 2">
             <a:extLst>
               <a:ext uri="{FF2B5EF4-FFF2-40B4-BE49-F238E27FC236}">
+                <a16:creationId xmlns:a16="http://schemas.microsoft.com/office/drawing/2014/main" id="{C05ADA2A-281E-4FD1-B782-E3CA3666A6F6}"/>
+              </a:ext>
+            </a:extLst>
+          </p:cNvPr>
+          <p:cNvPicPr>
+            <a:picLocks noChangeAspect="1"/>
+          </p:cNvPicPr>
+          <p:nvPr/>
+        </p:nvPicPr>
+        <p:blipFill>
+          <a:blip r:embed="rId2"/>
+          <a:stretch>
+            <a:fillRect/>
+          </a:stretch>
+        </p:blipFill>
+        <p:spPr>
+          <a:xfrm>
+            <a:off x="3018139" y="0"/>
+            <a:ext cx="6155721" cy="6858000"/>
+          </a:xfrm>
+          <a:prstGeom prst="rect">
+            <a:avLst/>
+          </a:prstGeom>
+        </p:spPr>
+      </p:pic>
+      <p:sp>
+        <p:nvSpPr>
+          <p:cNvPr id="9" name="Title 2">
+            <a:extLst>
+              <a:ext uri="{FF2B5EF4-FFF2-40B4-BE49-F238E27FC236}">
+                <a16:creationId xmlns:a16="http://schemas.microsoft.com/office/drawing/2014/main" id="{CB877719-98D4-4914-B56E-634238E5C0E6}"/>
+              </a:ext>
+            </a:extLst>
+          </p:cNvPr>
+          <p:cNvSpPr txBox="1">
+            <a:spLocks/>
+          </p:cNvSpPr>
+          <p:nvPr/>
+        </p:nvSpPr>
+        <p:spPr>
+          <a:xfrm>
+            <a:off x="1" y="2834881"/>
+            <a:ext cx="12191999" cy="1191639"/>
+          </a:xfrm>
+          <a:prstGeom prst="rect">
+            <a:avLst/>
+          </a:prstGeom>
+          <a:solidFill>
+            <a:schemeClr val="bg1">
+              <a:alpha val="50000"/>
+            </a:schemeClr>
+          </a:solidFill>
+        </p:spPr>
+        <p:txBody>
+          <a:bodyPr vert="horz" wrap="square" lIns="143428" tIns="89642" rIns="143428" bIns="89642" rtlCol="0" anchor="t" anchorCtr="0">
+            <a:noAutofit/>
+          </a:bodyPr>
+          <a:lstStyle>
+            <a:lvl1pPr algn="l" defTabSz="932578" rtl="0" eaLnBrk="1" latinLnBrk="0" hangingPunct="1">
+              <a:lnSpc>
+                <a:spcPct val="90000"/>
+              </a:lnSpc>
+              <a:spcBef>
+                <a:spcPct val="0"/>
+              </a:spcBef>
+              <a:buNone/>
+              <a:defRPr lang="en-US" sz="5999" b="0" kern="1200" cap="none" spc="-100" baseline="0">
+                <a:ln w="3175">
+                  <a:noFill/>
+                </a:ln>
+                <a:gradFill>
+                  <a:gsLst>
+                    <a:gs pos="3333">
+                      <a:schemeClr val="tx1"/>
+                    </a:gs>
+                    <a:gs pos="39000">
+                      <a:schemeClr val="tx1"/>
+                    </a:gs>
+                  </a:gsLst>
+                  <a:lin ang="5400000" scaled="0"/>
+                </a:gradFill>
+                <a:effectLst/>
+                <a:latin typeface="+mj-lt"/>
+                <a:ea typeface="+mn-ea"/>
+                <a:cs typeface="Segoe UI" pitchFamily="34" charset="0"/>
+              </a:defRPr>
+            </a:lvl1pPr>
+          </a:lstStyle>
+          <a:p>
+            <a:pPr algn="ctr">
+              <a:spcBef>
+                <a:spcPts val="1200"/>
+              </a:spcBef>
+              <a:spcAft>
+                <a:spcPts val="1200"/>
+              </a:spcAft>
+              <a:defRPr/>
+            </a:pPr>
+            <a:r>
+              <a:rPr lang="en-GB" sz="7200" b="1" dirty="0">
+                <a:solidFill>
+                  <a:schemeClr val="tx1"/>
+                </a:solidFill>
+                <a:effectLst>
+                  <a:outerShdw blurRad="38100" dist="38100" dir="2700000" algn="tl">
+                    <a:srgbClr val="000000">
+                      <a:alpha val="43137"/>
+                    </a:srgbClr>
+                  </a:outerShdw>
+                </a:effectLst>
+                <a:latin typeface="Segoe UI Light"/>
+              </a:rPr>
+              <a:t>Key Vault</a:t>
+            </a:r>
+          </a:p>
+        </p:txBody>
+      </p:sp>
+    </p:spTree>
+    <p:extLst>
+      <p:ext uri="{BB962C8B-B14F-4D97-AF65-F5344CB8AC3E}">
+        <p14:creationId xmlns:p14="http://schemas.microsoft.com/office/powerpoint/2010/main" val="1384612691"/>
+      </p:ext>
+    </p:extLst>
+  </p:cSld>
+  <p:clrMapOvr>
+    <a:masterClrMapping/>
+  </p:clrMapOvr>
+  <p:timing>
+    <p:tnLst>
+      <p:par>
+        <p:cTn id="1" dur="indefinite" restart="never" nodeType="tmRoot">
+          <p:childTnLst>
+            <p:seq concurrent="1" nextAc="seek">
+              <p:cTn id="2" dur="indefinite" nodeType="mainSeq">
+                <p:childTnLst>
+                  <p:par>
+                    <p:cTn id="3" fill="hold">
+                      <p:stCondLst>
+                        <p:cond delay="indefinite"/>
+                      </p:stCondLst>
+                      <p:childTnLst>
+                        <p:par>
+                          <p:cTn id="4" fill="hold">
+                            <p:stCondLst>
+                              <p:cond delay="0"/>
+                            </p:stCondLst>
+                            <p:childTnLst>
+                              <p:par>
+                                <p:cTn id="5" presetID="10" presetClass="entr" presetSubtype="0" fill="hold" grpId="0" nodeType="clickEffect">
+                                  <p:stCondLst>
+                                    <p:cond delay="0"/>
+                                  </p:stCondLst>
+                                  <p:childTnLst>
+                                    <p:set>
+                                      <p:cBhvr>
+                                        <p:cTn id="6" dur="1" fill="hold">
+                                          <p:stCondLst>
+                                            <p:cond delay="0"/>
+                                          </p:stCondLst>
+                                        </p:cTn>
+                                        <p:tgtEl>
+                                          <p:spTgt spid="9"/>
+                                        </p:tgtEl>
+                                        <p:attrNameLst>
+                                          <p:attrName>style.visibility</p:attrName>
+                                        </p:attrNameLst>
+                                      </p:cBhvr>
+                                      <p:to>
+                                        <p:strVal val="visible"/>
+                                      </p:to>
+                                    </p:set>
+                                    <p:animEffect transition="in" filter="fade">
+                                      <p:cBhvr>
+                                        <p:cTn id="7" dur="500"/>
+                                        <p:tgtEl>
+                                          <p:spTgt spid="9"/>
+                                        </p:tgtEl>
+                                      </p:cBhvr>
+                                    </p:animEffect>
+                                  </p:childTnLst>
+                                </p:cTn>
+                              </p:par>
+                            </p:childTnLst>
+                          </p:cTn>
+                        </p:par>
+                      </p:childTnLst>
+                    </p:cTn>
+                  </p:par>
+                </p:childTnLst>
+              </p:cTn>
+              <p:prevCondLst>
+                <p:cond evt="onPrev" delay="0">
+                  <p:tgtEl>
+                    <p:sldTgt/>
+                  </p:tgtEl>
+                </p:cond>
+              </p:prevCondLst>
+              <p:nextCondLst>
+                <p:cond evt="onNext" delay="0">
+                  <p:tgtEl>
+                    <p:sldTgt/>
+                  </p:tgtEl>
+                </p:cond>
+              </p:nextCondLst>
+            </p:seq>
+          </p:childTnLst>
+        </p:cTn>
+      </p:par>
+    </p:tnLst>
+    <p:bldLst>
+      <p:bldP spid="9" grpId="0" animBg="1"/>
+    </p:bldLst>
+  </p:timing>
+</p:sld>
+</file>
+
+<file path=ppt/slides/slide28.xml><?xml version="1.0" encoding="utf-8"?>
+<p:sld xmlns:a="http://schemas.openxmlformats.org/drawingml/2006/main" xmlns:r="http://schemas.openxmlformats.org/officeDocument/2006/relationships" xmlns:p="http://schemas.openxmlformats.org/presentationml/2006/main">
+  <p:cSld>
+    <p:spTree>
+      <p:nvGrpSpPr>
+        <p:cNvPr id="1" name=""/>
+        <p:cNvGrpSpPr/>
+        <p:nvPr/>
+      </p:nvGrpSpPr>
+      <p:grpSpPr>
+        <a:xfrm>
+          <a:off x="0" y="0"/>
+          <a:ext cx="0" cy="0"/>
+          <a:chOff x="0" y="0"/>
+          <a:chExt cx="0" cy="0"/>
+        </a:xfrm>
+      </p:grpSpPr>
+      <p:pic>
+        <p:nvPicPr>
+          <p:cNvPr id="3" name="Picture 2">
+            <a:extLst>
+              <a:ext uri="{FF2B5EF4-FFF2-40B4-BE49-F238E27FC236}">
                 <a16:creationId xmlns:a16="http://schemas.microsoft.com/office/drawing/2014/main" id="{74973D8E-18EE-4246-87CE-C4094D70B0FC}"/>
               </a:ext>
             </a:extLst>
@@ -8230,7 +8469,7 @@
 </p:sld>
 </file>
 
-<file path=ppt/slides/slide28.xml><?xml version="1.0" encoding="utf-8"?>
+<file path=ppt/slides/slide29.xml><?xml version="1.0" encoding="utf-8"?>
 <p:sld xmlns:a="http://schemas.openxmlformats.org/drawingml/2006/main" xmlns:r="http://schemas.openxmlformats.org/officeDocument/2006/relationships" xmlns:p="http://schemas.openxmlformats.org/presentationml/2006/main">
   <p:cSld>
     <p:spTree>
@@ -8565,102 +8804,6 @@
     <p:extLst>
       <p:ext uri="{BB962C8B-B14F-4D97-AF65-F5344CB8AC3E}">
         <p14:creationId xmlns:p14="http://schemas.microsoft.com/office/powerpoint/2010/main" val="4192887432"/>
-      </p:ext>
-    </p:extLst>
-  </p:cSld>
-  <p:clrMapOvr>
-    <a:masterClrMapping/>
-  </p:clrMapOvr>
-</p:sld>
-</file>
-
-<file path=ppt/slides/slide29.xml><?xml version="1.0" encoding="utf-8"?>
-<p:sld xmlns:a="http://schemas.openxmlformats.org/drawingml/2006/main" xmlns:r="http://schemas.openxmlformats.org/officeDocument/2006/relationships" xmlns:p="http://schemas.openxmlformats.org/presentationml/2006/main">
-  <p:cSld>
-    <p:spTree>
-      <p:nvGrpSpPr>
-        <p:cNvPr id="1" name=""/>
-        <p:cNvGrpSpPr/>
-        <p:nvPr/>
-      </p:nvGrpSpPr>
-      <p:grpSpPr>
-        <a:xfrm>
-          <a:off x="0" y="0"/>
-          <a:ext cx="0" cy="0"/>
-          <a:chOff x="0" y="0"/>
-          <a:chExt cx="0" cy="0"/>
-        </a:xfrm>
-      </p:grpSpPr>
-      <p:pic>
-        <p:nvPicPr>
-          <p:cNvPr id="7" name="Picture 6">
-            <a:extLst>
-              <a:ext uri="{FF2B5EF4-FFF2-40B4-BE49-F238E27FC236}">
-                <a16:creationId xmlns:a16="http://schemas.microsoft.com/office/drawing/2014/main" id="{BD13AB21-6598-4C97-809C-8827E0A05676}"/>
-              </a:ext>
-            </a:extLst>
-          </p:cNvPr>
-          <p:cNvPicPr>
-            <a:picLocks noChangeAspect="1"/>
-          </p:cNvPicPr>
-          <p:nvPr/>
-        </p:nvPicPr>
-        <p:blipFill rotWithShape="1">
-          <a:blip r:embed="rId2"/>
-          <a:srcRect t="-242" r="703" b="922"/>
-          <a:stretch/>
-        </p:blipFill>
-        <p:spPr>
-          <a:xfrm>
-            <a:off x="48126" y="43217"/>
-            <a:ext cx="12106275" cy="6582173"/>
-          </a:xfrm>
-          <a:prstGeom prst="rect">
-            <a:avLst/>
-          </a:prstGeom>
-        </p:spPr>
-      </p:pic>
-      <p:sp>
-        <p:nvSpPr>
-          <p:cNvPr id="4" name="Rectangle 3">
-            <a:extLst>
-              <a:ext uri="{FF2B5EF4-FFF2-40B4-BE49-F238E27FC236}">
-                <a16:creationId xmlns:a16="http://schemas.microsoft.com/office/drawing/2014/main" id="{CA33DAEC-5F17-4FF8-97B6-4D83BEFB4B73}"/>
-              </a:ext>
-            </a:extLst>
-          </p:cNvPr>
-          <p:cNvSpPr/>
-          <p:nvPr/>
-        </p:nvSpPr>
-        <p:spPr>
-          <a:xfrm>
-            <a:off x="5654842" y="5496109"/>
-            <a:ext cx="6031831" cy="338554"/>
-          </a:xfrm>
-          <a:prstGeom prst="rect">
-            <a:avLst/>
-          </a:prstGeom>
-        </p:spPr>
-        <p:txBody>
-          <a:bodyPr wrap="square">
-            <a:spAutoFit/>
-          </a:bodyPr>
-          <a:lstStyle/>
-          <a:p>
-            <a:r>
-              <a:rPr lang="en-GB" sz="1600" dirty="0">
-                <a:hlinkClick r:id="rId3"/>
-              </a:rPr>
-              <a:t>https://www.microsoft.com/en-gb/download/details.aspx?id=41937</a:t>
-            </a:r>
-            <a:endParaRPr lang="en-GB" sz="1600" dirty="0"/>
-          </a:p>
-        </p:txBody>
-      </p:sp>
-    </p:spTree>
-    <p:extLst>
-      <p:ext uri="{BB962C8B-B14F-4D97-AF65-F5344CB8AC3E}">
-        <p14:creationId xmlns:p14="http://schemas.microsoft.com/office/powerpoint/2010/main" val="2946166261"/>
       </p:ext>
     </p:extLst>
   </p:cSld>
@@ -8915,6 +9058,102 @@
       <p:bldP spid="9" grpId="0" animBg="1"/>
     </p:bldLst>
   </p:timing>
+</p:sld>
+</file>
+
+<file path=ppt/slides/slide30.xml><?xml version="1.0" encoding="utf-8"?>
+<p:sld xmlns:a="http://schemas.openxmlformats.org/drawingml/2006/main" xmlns:r="http://schemas.openxmlformats.org/officeDocument/2006/relationships" xmlns:p="http://schemas.openxmlformats.org/presentationml/2006/main">
+  <p:cSld>
+    <p:spTree>
+      <p:nvGrpSpPr>
+        <p:cNvPr id="1" name=""/>
+        <p:cNvGrpSpPr/>
+        <p:nvPr/>
+      </p:nvGrpSpPr>
+      <p:grpSpPr>
+        <a:xfrm>
+          <a:off x="0" y="0"/>
+          <a:ext cx="0" cy="0"/>
+          <a:chOff x="0" y="0"/>
+          <a:chExt cx="0" cy="0"/>
+        </a:xfrm>
+      </p:grpSpPr>
+      <p:pic>
+        <p:nvPicPr>
+          <p:cNvPr id="7" name="Picture 6">
+            <a:extLst>
+              <a:ext uri="{FF2B5EF4-FFF2-40B4-BE49-F238E27FC236}">
+                <a16:creationId xmlns:a16="http://schemas.microsoft.com/office/drawing/2014/main" id="{BD13AB21-6598-4C97-809C-8827E0A05676}"/>
+              </a:ext>
+            </a:extLst>
+          </p:cNvPr>
+          <p:cNvPicPr>
+            <a:picLocks noChangeAspect="1"/>
+          </p:cNvPicPr>
+          <p:nvPr/>
+        </p:nvPicPr>
+        <p:blipFill rotWithShape="1">
+          <a:blip r:embed="rId2"/>
+          <a:srcRect t="-242" r="703" b="922"/>
+          <a:stretch/>
+        </p:blipFill>
+        <p:spPr>
+          <a:xfrm>
+            <a:off x="48126" y="43217"/>
+            <a:ext cx="12106275" cy="6582173"/>
+          </a:xfrm>
+          <a:prstGeom prst="rect">
+            <a:avLst/>
+          </a:prstGeom>
+        </p:spPr>
+      </p:pic>
+      <p:sp>
+        <p:nvSpPr>
+          <p:cNvPr id="4" name="Rectangle 3">
+            <a:extLst>
+              <a:ext uri="{FF2B5EF4-FFF2-40B4-BE49-F238E27FC236}">
+                <a16:creationId xmlns:a16="http://schemas.microsoft.com/office/drawing/2014/main" id="{CA33DAEC-5F17-4FF8-97B6-4D83BEFB4B73}"/>
+              </a:ext>
+            </a:extLst>
+          </p:cNvPr>
+          <p:cNvSpPr/>
+          <p:nvPr/>
+        </p:nvSpPr>
+        <p:spPr>
+          <a:xfrm>
+            <a:off x="5654842" y="5496109"/>
+            <a:ext cx="6031831" cy="338554"/>
+          </a:xfrm>
+          <a:prstGeom prst="rect">
+            <a:avLst/>
+          </a:prstGeom>
+        </p:spPr>
+        <p:txBody>
+          <a:bodyPr wrap="square">
+            <a:spAutoFit/>
+          </a:bodyPr>
+          <a:lstStyle/>
+          <a:p>
+            <a:r>
+              <a:rPr lang="en-GB" sz="1600" dirty="0">
+                <a:hlinkClick r:id="rId3"/>
+              </a:rPr>
+              <a:t>https://www.microsoft.com/en-gb/download/details.aspx?id=41937</a:t>
+            </a:r>
+            <a:endParaRPr lang="en-GB" sz="1600" dirty="0"/>
+          </a:p>
+        </p:txBody>
+      </p:sp>
+    </p:spTree>
+    <p:extLst>
+      <p:ext uri="{BB962C8B-B14F-4D97-AF65-F5344CB8AC3E}">
+        <p14:creationId xmlns:p14="http://schemas.microsoft.com/office/powerpoint/2010/main" val="2946166261"/>
+      </p:ext>
+    </p:extLst>
+  </p:cSld>
+  <p:clrMapOvr>
+    <a:masterClrMapping/>
+  </p:clrMapOvr>
 </p:sld>
 </file>
 
@@ -9407,6 +9646,16 @@
 <file path=ppt/slides/slide6.xml><?xml version="1.0" encoding="utf-8"?>
 <p:sld xmlns:a="http://schemas.openxmlformats.org/drawingml/2006/main" xmlns:r="http://schemas.openxmlformats.org/officeDocument/2006/relationships" xmlns:p="http://schemas.openxmlformats.org/presentationml/2006/main">
   <p:cSld>
+    <p:bg>
+      <p:bgPr>
+        <a:solidFill>
+          <a:schemeClr val="bg1">
+            <a:alpha val="50000"/>
+          </a:schemeClr>
+        </a:solidFill>
+        <a:effectLst/>
+      </p:bgPr>
+    </p:bg>
     <p:spTree>
       <p:nvGrpSpPr>
         <p:cNvPr id="1" name=""/>
@@ -9423,10 +9672,10 @@
       </p:grpSpPr>
       <p:pic>
         <p:nvPicPr>
-          <p:cNvPr id="3" name="Picture 2">
-            <a:extLst>
-              <a:ext uri="{FF2B5EF4-FFF2-40B4-BE49-F238E27FC236}">
-                <a16:creationId xmlns:a16="http://schemas.microsoft.com/office/drawing/2014/main" id="{1CA89D36-E1D9-4FD8-8869-059B5189D16C}"/>
+          <p:cNvPr id="2" name="Picture 1">
+            <a:extLst>
+              <a:ext uri="{FF2B5EF4-FFF2-40B4-BE49-F238E27FC236}">
+                <a16:creationId xmlns:a16="http://schemas.microsoft.com/office/drawing/2014/main" id="{92977E48-CC7E-41E7-8A92-76D1AC757A1F}"/>
               </a:ext>
             </a:extLst>
           </p:cNvPr>
@@ -9443,8 +9692,8 @@
         </p:blipFill>
         <p:spPr>
           <a:xfrm>
-            <a:off x="3542559" y="61133"/>
-            <a:ext cx="5106882" cy="6735734"/>
+            <a:off x="2261887" y="590133"/>
+            <a:ext cx="7668226" cy="5677734"/>
           </a:xfrm>
           <a:prstGeom prst="rect">
             <a:avLst/>
@@ -9538,7 +9787,7 @@
                 </a:effectLst>
                 <a:latin typeface="Segoe UI Light"/>
               </a:rPr>
-              <a:t>SQL Database</a:t>
+              <a:t>Azure Kubernetes Service</a:t>
             </a:r>
           </a:p>
         </p:txBody>
@@ -9546,7 +9795,7 @@
     </p:spTree>
     <p:extLst>
       <p:ext uri="{BB962C8B-B14F-4D97-AF65-F5344CB8AC3E}">
-        <p14:creationId xmlns:p14="http://schemas.microsoft.com/office/powerpoint/2010/main" val="3244887524"/>
+        <p14:creationId xmlns:p14="http://schemas.microsoft.com/office/powerpoint/2010/main" val="789130149"/>
       </p:ext>
     </p:extLst>
   </p:cSld>
@@ -9664,7 +9913,7 @@
           <p:cNvPr id="3" name="Picture 2">
             <a:extLst>
               <a:ext uri="{FF2B5EF4-FFF2-40B4-BE49-F238E27FC236}">
-                <a16:creationId xmlns:a16="http://schemas.microsoft.com/office/drawing/2014/main" id="{7212D992-2472-4487-8078-00C72B65CAEE}"/>
+                <a16:creationId xmlns:a16="http://schemas.microsoft.com/office/drawing/2014/main" id="{1CA89D36-E1D9-4FD8-8869-059B5189D16C}"/>
               </a:ext>
             </a:extLst>
           </p:cNvPr>
@@ -9681,8 +9930,8 @@
         </p:blipFill>
         <p:spPr>
           <a:xfrm>
-            <a:off x="2764453" y="101333"/>
-            <a:ext cx="6663094" cy="6655334"/>
+            <a:off x="3542559" y="61133"/>
+            <a:ext cx="5106882" cy="6735734"/>
           </a:xfrm>
           <a:prstGeom prst="rect">
             <a:avLst/>
@@ -9776,7 +10025,7 @@
                 </a:effectLst>
                 <a:latin typeface="Segoe UI Light"/>
               </a:rPr>
-              <a:t>Resources</a:t>
+              <a:t>SQL Database</a:t>
             </a:r>
           </a:p>
         </p:txBody>
@@ -9784,7 +10033,7 @@
     </p:spTree>
     <p:extLst>
       <p:ext uri="{BB962C8B-B14F-4D97-AF65-F5344CB8AC3E}">
-        <p14:creationId xmlns:p14="http://schemas.microsoft.com/office/powerpoint/2010/main" val="2295619804"/>
+        <p14:creationId xmlns:p14="http://schemas.microsoft.com/office/powerpoint/2010/main" val="3244887524"/>
       </p:ext>
     </p:extLst>
   </p:cSld>
@@ -9899,10 +10148,10 @@
       </p:grpSpPr>
       <p:pic>
         <p:nvPicPr>
-          <p:cNvPr id="2" name="Picture 1">
-            <a:extLst>
-              <a:ext uri="{FF2B5EF4-FFF2-40B4-BE49-F238E27FC236}">
-                <a16:creationId xmlns:a16="http://schemas.microsoft.com/office/drawing/2014/main" id="{DFCBF99B-DEED-4980-8C79-B1BD2293E22B}"/>
+          <p:cNvPr id="3" name="Picture 2">
+            <a:extLst>
+              <a:ext uri="{FF2B5EF4-FFF2-40B4-BE49-F238E27FC236}">
+                <a16:creationId xmlns:a16="http://schemas.microsoft.com/office/drawing/2014/main" id="{7212D992-2472-4487-8078-00C72B65CAEE}"/>
               </a:ext>
             </a:extLst>
           </p:cNvPr>
@@ -9919,8 +10168,8 @@
         </p:blipFill>
         <p:spPr>
           <a:xfrm>
-            <a:off x="1396059" y="717733"/>
-            <a:ext cx="9399882" cy="5422534"/>
+            <a:off x="2764453" y="101333"/>
+            <a:ext cx="6663094" cy="6655334"/>
           </a:xfrm>
           <a:prstGeom prst="rect">
             <a:avLst/>
@@ -10014,7 +10263,7 @@
                 </a:effectLst>
                 <a:latin typeface="Segoe UI Light"/>
               </a:rPr>
-              <a:t>Virtual Network</a:t>
+              <a:t>Resources</a:t>
             </a:r>
           </a:p>
         </p:txBody>
@@ -10022,7 +10271,7 @@
     </p:spTree>
     <p:extLst>
       <p:ext uri="{BB962C8B-B14F-4D97-AF65-F5344CB8AC3E}">
-        <p14:creationId xmlns:p14="http://schemas.microsoft.com/office/powerpoint/2010/main" val="215655951"/>
+        <p14:creationId xmlns:p14="http://schemas.microsoft.com/office/powerpoint/2010/main" val="2295619804"/>
       </p:ext>
     </p:extLst>
   </p:cSld>
@@ -10140,7 +10389,7 @@
           <p:cNvPr id="2" name="Picture 1">
             <a:extLst>
               <a:ext uri="{FF2B5EF4-FFF2-40B4-BE49-F238E27FC236}">
-                <a16:creationId xmlns:a16="http://schemas.microsoft.com/office/drawing/2014/main" id="{1D0A27D3-8F20-4E32-B406-30C2DA12495F}"/>
+                <a16:creationId xmlns:a16="http://schemas.microsoft.com/office/drawing/2014/main" id="{DFCBF99B-DEED-4980-8C79-B1BD2293E22B}"/>
               </a:ext>
             </a:extLst>
           </p:cNvPr>
@@ -10157,8 +10406,8 @@
         </p:blipFill>
         <p:spPr>
           <a:xfrm>
-            <a:off x="2625824" y="61133"/>
-            <a:ext cx="6940351" cy="6735734"/>
+            <a:off x="1396059" y="717733"/>
+            <a:ext cx="9399882" cy="5422534"/>
           </a:xfrm>
           <a:prstGeom prst="rect">
             <a:avLst/>
@@ -10252,7 +10501,7 @@
                 </a:effectLst>
                 <a:latin typeface="Segoe UI Light"/>
               </a:rPr>
-              <a:t>SQL Data Warehouse</a:t>
+              <a:t>Virtual Network</a:t>
             </a:r>
           </a:p>
         </p:txBody>
@@ -10260,7 +10509,7 @@
     </p:spTree>
     <p:extLst>
       <p:ext uri="{BB962C8B-B14F-4D97-AF65-F5344CB8AC3E}">
-        <p14:creationId xmlns:p14="http://schemas.microsoft.com/office/powerpoint/2010/main" val="3108944933"/>
+        <p14:creationId xmlns:p14="http://schemas.microsoft.com/office/powerpoint/2010/main" val="215655951"/>
       </p:ext>
     </p:extLst>
   </p:cSld>

--- a/The Azure Icon Game.pptx
+++ b/The Azure Icon Game.pptx
@@ -7,34 +7,40 @@
   <p:sldIdLst>
     <p:sldId id="256" r:id="rId2"/>
     <p:sldId id="260" r:id="rId3"/>
-    <p:sldId id="288" r:id="rId4"/>
-    <p:sldId id="290" r:id="rId5"/>
-    <p:sldId id="272" r:id="rId6"/>
-    <p:sldId id="297" r:id="rId7"/>
-    <p:sldId id="274" r:id="rId8"/>
-    <p:sldId id="271" r:id="rId9"/>
-    <p:sldId id="273" r:id="rId10"/>
-    <p:sldId id="275" r:id="rId11"/>
-    <p:sldId id="276" r:id="rId12"/>
-    <p:sldId id="294" r:id="rId13"/>
-    <p:sldId id="282" r:id="rId14"/>
-    <p:sldId id="283" r:id="rId15"/>
-    <p:sldId id="277" r:id="rId16"/>
-    <p:sldId id="278" r:id="rId17"/>
-    <p:sldId id="284" r:id="rId18"/>
-    <p:sldId id="285" r:id="rId19"/>
-    <p:sldId id="279" r:id="rId20"/>
-    <p:sldId id="281" r:id="rId21"/>
-    <p:sldId id="289" r:id="rId22"/>
-    <p:sldId id="280" r:id="rId23"/>
-    <p:sldId id="286" r:id="rId24"/>
-    <p:sldId id="295" r:id="rId25"/>
-    <p:sldId id="287" r:id="rId26"/>
-    <p:sldId id="291" r:id="rId27"/>
-    <p:sldId id="296" r:id="rId28"/>
-    <p:sldId id="266" r:id="rId29"/>
-    <p:sldId id="293" r:id="rId30"/>
-    <p:sldId id="269" r:id="rId31"/>
+    <p:sldId id="302" r:id="rId4"/>
+    <p:sldId id="274" r:id="rId5"/>
+    <p:sldId id="300" r:id="rId6"/>
+    <p:sldId id="288" r:id="rId7"/>
+    <p:sldId id="290" r:id="rId8"/>
+    <p:sldId id="301" r:id="rId9"/>
+    <p:sldId id="272" r:id="rId10"/>
+    <p:sldId id="297" r:id="rId11"/>
+    <p:sldId id="271" r:id="rId12"/>
+    <p:sldId id="273" r:id="rId13"/>
+    <p:sldId id="299" r:id="rId14"/>
+    <p:sldId id="275" r:id="rId15"/>
+    <p:sldId id="276" r:id="rId16"/>
+    <p:sldId id="294" r:id="rId17"/>
+    <p:sldId id="304" r:id="rId18"/>
+    <p:sldId id="282" r:id="rId19"/>
+    <p:sldId id="283" r:id="rId20"/>
+    <p:sldId id="298" r:id="rId21"/>
+    <p:sldId id="278" r:id="rId22"/>
+    <p:sldId id="284" r:id="rId23"/>
+    <p:sldId id="285" r:id="rId24"/>
+    <p:sldId id="279" r:id="rId25"/>
+    <p:sldId id="281" r:id="rId26"/>
+    <p:sldId id="289" r:id="rId27"/>
+    <p:sldId id="280" r:id="rId28"/>
+    <p:sldId id="295" r:id="rId29"/>
+    <p:sldId id="286" r:id="rId30"/>
+    <p:sldId id="287" r:id="rId31"/>
+    <p:sldId id="291" r:id="rId32"/>
+    <p:sldId id="303" r:id="rId33"/>
+    <p:sldId id="296" r:id="rId34"/>
+    <p:sldId id="266" r:id="rId35"/>
+    <p:sldId id="293" r:id="rId36"/>
+    <p:sldId id="269" r:id="rId37"/>
   </p:sldIdLst>
   <p:sldSz cx="12192000" cy="6858000"/>
   <p:notesSz cx="6858000" cy="9144000"/>
@@ -290,7 +296,7 @@
           <a:p>
             <a:fld id="{8CD9E07E-FA0D-404F-8FFA-F4C9C459F055}" type="datetimeFigureOut">
               <a:rPr lang="en-GB" smtClean="0"/>
-              <a:t>09/05/2019</a:t>
+              <a:t>04/09/2019</a:t>
             </a:fld>
             <a:endParaRPr lang="en-GB" dirty="0"/>
           </a:p>
@@ -490,7 +496,7 @@
           <a:p>
             <a:fld id="{8CD9E07E-FA0D-404F-8FFA-F4C9C459F055}" type="datetimeFigureOut">
               <a:rPr lang="en-GB" smtClean="0"/>
-              <a:t>09/05/2019</a:t>
+              <a:t>04/09/2019</a:t>
             </a:fld>
             <a:endParaRPr lang="en-GB" dirty="0"/>
           </a:p>
@@ -700,7 +706,7 @@
           <a:p>
             <a:fld id="{8CD9E07E-FA0D-404F-8FFA-F4C9C459F055}" type="datetimeFigureOut">
               <a:rPr lang="en-GB" smtClean="0"/>
-              <a:t>09/05/2019</a:t>
+              <a:t>04/09/2019</a:t>
             </a:fld>
             <a:endParaRPr lang="en-GB" dirty="0"/>
           </a:p>
@@ -900,7 +906,7 @@
           <a:p>
             <a:fld id="{8CD9E07E-FA0D-404F-8FFA-F4C9C459F055}" type="datetimeFigureOut">
               <a:rPr lang="en-GB" smtClean="0"/>
-              <a:t>09/05/2019</a:t>
+              <a:t>04/09/2019</a:t>
             </a:fld>
             <a:endParaRPr lang="en-GB" dirty="0"/>
           </a:p>
@@ -1176,7 +1182,7 @@
           <a:p>
             <a:fld id="{8CD9E07E-FA0D-404F-8FFA-F4C9C459F055}" type="datetimeFigureOut">
               <a:rPr lang="en-GB" smtClean="0"/>
-              <a:t>09/05/2019</a:t>
+              <a:t>04/09/2019</a:t>
             </a:fld>
             <a:endParaRPr lang="en-GB" dirty="0"/>
           </a:p>
@@ -1444,7 +1450,7 @@
           <a:p>
             <a:fld id="{8CD9E07E-FA0D-404F-8FFA-F4C9C459F055}" type="datetimeFigureOut">
               <a:rPr lang="en-GB" smtClean="0"/>
-              <a:t>09/05/2019</a:t>
+              <a:t>04/09/2019</a:t>
             </a:fld>
             <a:endParaRPr lang="en-GB" dirty="0"/>
           </a:p>
@@ -1859,7 +1865,7 @@
           <a:p>
             <a:fld id="{8CD9E07E-FA0D-404F-8FFA-F4C9C459F055}" type="datetimeFigureOut">
               <a:rPr lang="en-GB" smtClean="0"/>
-              <a:t>09/05/2019</a:t>
+              <a:t>04/09/2019</a:t>
             </a:fld>
             <a:endParaRPr lang="en-GB" dirty="0"/>
           </a:p>
@@ -2001,7 +2007,7 @@
           <a:p>
             <a:fld id="{8CD9E07E-FA0D-404F-8FFA-F4C9C459F055}" type="datetimeFigureOut">
               <a:rPr lang="en-GB" smtClean="0"/>
-              <a:t>09/05/2019</a:t>
+              <a:t>04/09/2019</a:t>
             </a:fld>
             <a:endParaRPr lang="en-GB" dirty="0"/>
           </a:p>
@@ -2114,7 +2120,7 @@
           <a:p>
             <a:fld id="{8CD9E07E-FA0D-404F-8FFA-F4C9C459F055}" type="datetimeFigureOut">
               <a:rPr lang="en-GB" smtClean="0"/>
-              <a:t>09/05/2019</a:t>
+              <a:t>04/09/2019</a:t>
             </a:fld>
             <a:endParaRPr lang="en-GB" dirty="0"/>
           </a:p>
@@ -2427,7 +2433,7 @@
           <a:p>
             <a:fld id="{8CD9E07E-FA0D-404F-8FFA-F4C9C459F055}" type="datetimeFigureOut">
               <a:rPr lang="en-GB" smtClean="0"/>
-              <a:t>09/05/2019</a:t>
+              <a:t>04/09/2019</a:t>
             </a:fld>
             <a:endParaRPr lang="en-GB" dirty="0"/>
           </a:p>
@@ -2716,7 +2722,7 @@
           <a:p>
             <a:fld id="{8CD9E07E-FA0D-404F-8FFA-F4C9C459F055}" type="datetimeFigureOut">
               <a:rPr lang="en-GB" smtClean="0"/>
-              <a:t>09/05/2019</a:t>
+              <a:t>04/09/2019</a:t>
             </a:fld>
             <a:endParaRPr lang="en-GB" dirty="0"/>
           </a:p>
@@ -2959,7 +2965,7 @@
           <a:p>
             <a:fld id="{8CD9E07E-FA0D-404F-8FFA-F4C9C459F055}" type="datetimeFigureOut">
               <a:rPr lang="en-GB" smtClean="0"/>
-              <a:t>09/05/2019</a:t>
+              <a:t>04/09/2019</a:t>
             </a:fld>
             <a:endParaRPr lang="en-GB" dirty="0"/>
           </a:p>
@@ -3706,6 +3712,16 @@
 <file path=ppt/slides/slide10.xml><?xml version="1.0" encoding="utf-8"?>
 <p:sld xmlns:a="http://schemas.openxmlformats.org/drawingml/2006/main" xmlns:r="http://schemas.openxmlformats.org/officeDocument/2006/relationships" xmlns:p="http://schemas.openxmlformats.org/presentationml/2006/main">
   <p:cSld>
+    <p:bg>
+      <p:bgPr>
+        <a:solidFill>
+          <a:schemeClr val="bg1">
+            <a:alpha val="50000"/>
+          </a:schemeClr>
+        </a:solidFill>
+        <a:effectLst/>
+      </p:bgPr>
+    </p:bg>
     <p:spTree>
       <p:nvGrpSpPr>
         <p:cNvPr id="1" name=""/>
@@ -3725,7 +3741,7 @@
           <p:cNvPr id="2" name="Picture 1">
             <a:extLst>
               <a:ext uri="{FF2B5EF4-FFF2-40B4-BE49-F238E27FC236}">
-                <a16:creationId xmlns:a16="http://schemas.microsoft.com/office/drawing/2014/main" id="{1D0A27D3-8F20-4E32-B406-30C2DA12495F}"/>
+                <a16:creationId xmlns:a16="http://schemas.microsoft.com/office/drawing/2014/main" id="{92977E48-CC7E-41E7-8A92-76D1AC757A1F}"/>
               </a:ext>
             </a:extLst>
           </p:cNvPr>
@@ -3742,8 +3758,8 @@
         </p:blipFill>
         <p:spPr>
           <a:xfrm>
-            <a:off x="2625824" y="61133"/>
-            <a:ext cx="6940351" cy="6735734"/>
+            <a:off x="2261887" y="590133"/>
+            <a:ext cx="7668226" cy="5677734"/>
           </a:xfrm>
           <a:prstGeom prst="rect">
             <a:avLst/>
@@ -3837,7 +3853,7 @@
                 </a:effectLst>
                 <a:latin typeface="Segoe UI Light"/>
               </a:rPr>
-              <a:t>SQL Data Warehouse</a:t>
+              <a:t>Azure Kubernetes Service</a:t>
             </a:r>
           </a:p>
         </p:txBody>
@@ -3845,7 +3861,7 @@
     </p:spTree>
     <p:extLst>
       <p:ext uri="{BB962C8B-B14F-4D97-AF65-F5344CB8AC3E}">
-        <p14:creationId xmlns:p14="http://schemas.microsoft.com/office/powerpoint/2010/main" val="3108944933"/>
+        <p14:creationId xmlns:p14="http://schemas.microsoft.com/office/powerpoint/2010/main" val="789130149"/>
       </p:ext>
     </p:extLst>
   </p:cSld>
@@ -3960,10 +3976,10 @@
       </p:grpSpPr>
       <p:pic>
         <p:nvPicPr>
-          <p:cNvPr id="3" name="Picture 2">
-            <a:extLst>
-              <a:ext uri="{FF2B5EF4-FFF2-40B4-BE49-F238E27FC236}">
-                <a16:creationId xmlns:a16="http://schemas.microsoft.com/office/drawing/2014/main" id="{A5CF1A64-DE82-4D5B-A0C9-0B9D87E969AC}"/>
+          <p:cNvPr id="2" name="Picture 1">
+            <a:extLst>
+              <a:ext uri="{FF2B5EF4-FFF2-40B4-BE49-F238E27FC236}">
+                <a16:creationId xmlns:a16="http://schemas.microsoft.com/office/drawing/2014/main" id="{CC99171C-6DDA-4CB5-A423-1200CB9949F8}"/>
               </a:ext>
             </a:extLst>
           </p:cNvPr>
@@ -3980,8 +3996,8 @@
         </p:blipFill>
         <p:spPr>
           <a:xfrm>
-            <a:off x="1400531" y="632866"/>
-            <a:ext cx="9390938" cy="5592267"/>
+            <a:off x="2015405" y="0"/>
+            <a:ext cx="8161190" cy="6858000"/>
           </a:xfrm>
           <a:prstGeom prst="rect">
             <a:avLst/>
@@ -4075,7 +4091,7 @@
                 </a:effectLst>
                 <a:latin typeface="Segoe UI Light"/>
               </a:rPr>
-              <a:t>Cognitive Services</a:t>
+              <a:t>Resource Group</a:t>
             </a:r>
           </a:p>
         </p:txBody>
@@ -4083,7 +4099,7 @@
     </p:spTree>
     <p:extLst>
       <p:ext uri="{BB962C8B-B14F-4D97-AF65-F5344CB8AC3E}">
-        <p14:creationId xmlns:p14="http://schemas.microsoft.com/office/powerpoint/2010/main" val="4121548687"/>
+        <p14:creationId xmlns:p14="http://schemas.microsoft.com/office/powerpoint/2010/main" val="2295619804"/>
       </p:ext>
     </p:extLst>
   </p:cSld>
@@ -4201,7 +4217,7 @@
           <p:cNvPr id="2" name="Picture 1">
             <a:extLst>
               <a:ext uri="{FF2B5EF4-FFF2-40B4-BE49-F238E27FC236}">
-                <a16:creationId xmlns:a16="http://schemas.microsoft.com/office/drawing/2014/main" id="{8195006A-8967-423E-81D0-E19F92DB2248}"/>
+                <a16:creationId xmlns:a16="http://schemas.microsoft.com/office/drawing/2014/main" id="{DFCBF99B-DEED-4980-8C79-B1BD2293E22B}"/>
               </a:ext>
             </a:extLst>
           </p:cNvPr>
@@ -4218,8 +4234,8 @@
         </p:blipFill>
         <p:spPr>
           <a:xfrm>
-            <a:off x="2569296" y="0"/>
-            <a:ext cx="7053407" cy="6858000"/>
+            <a:off x="1396059" y="717733"/>
+            <a:ext cx="9399882" cy="5422534"/>
           </a:xfrm>
           <a:prstGeom prst="rect">
             <a:avLst/>
@@ -4313,7 +4329,7 @@
                 </a:effectLst>
                 <a:latin typeface="Segoe UI Light"/>
               </a:rPr>
-              <a:t>Databricks</a:t>
+              <a:t>Virtual Network</a:t>
             </a:r>
           </a:p>
         </p:txBody>
@@ -4321,7 +4337,7 @@
     </p:spTree>
     <p:extLst>
       <p:ext uri="{BB962C8B-B14F-4D97-AF65-F5344CB8AC3E}">
-        <p14:creationId xmlns:p14="http://schemas.microsoft.com/office/powerpoint/2010/main" val="2471656630"/>
+        <p14:creationId xmlns:p14="http://schemas.microsoft.com/office/powerpoint/2010/main" val="215655951"/>
       </p:ext>
     </p:extLst>
   </p:cSld>
@@ -4436,10 +4452,10 @@
       </p:grpSpPr>
       <p:pic>
         <p:nvPicPr>
-          <p:cNvPr id="2" name="Picture 1">
-            <a:extLst>
-              <a:ext uri="{FF2B5EF4-FFF2-40B4-BE49-F238E27FC236}">
-                <a16:creationId xmlns:a16="http://schemas.microsoft.com/office/drawing/2014/main" id="{D26CFE51-372B-434A-A678-C469BF8E2A85}"/>
+          <p:cNvPr id="4" name="Picture 3">
+            <a:extLst>
+              <a:ext uri="{FF2B5EF4-FFF2-40B4-BE49-F238E27FC236}">
+                <a16:creationId xmlns:a16="http://schemas.microsoft.com/office/drawing/2014/main" id="{5D4ECF83-CB4A-48DF-B28A-22C464AD1D88}"/>
               </a:ext>
             </a:extLst>
           </p:cNvPr>
@@ -4456,8 +4472,8 @@
         </p:blipFill>
         <p:spPr>
           <a:xfrm>
-            <a:off x="2791284" y="61133"/>
-            <a:ext cx="6609432" cy="6735734"/>
+            <a:off x="862361" y="289932"/>
+            <a:ext cx="10377706" cy="6332794"/>
           </a:xfrm>
           <a:prstGeom prst="rect">
             <a:avLst/>
@@ -4551,7 +4567,7 @@
                 </a:effectLst>
                 <a:latin typeface="Segoe UI Light"/>
               </a:rPr>
-              <a:t>Machine Learning</a:t>
+              <a:t>Express Route</a:t>
             </a:r>
           </a:p>
         </p:txBody>
@@ -4559,7 +4575,7 @@
     </p:spTree>
     <p:extLst>
       <p:ext uri="{BB962C8B-B14F-4D97-AF65-F5344CB8AC3E}">
-        <p14:creationId xmlns:p14="http://schemas.microsoft.com/office/powerpoint/2010/main" val="2654462013"/>
+        <p14:creationId xmlns:p14="http://schemas.microsoft.com/office/powerpoint/2010/main" val="2151157918"/>
       </p:ext>
     </p:extLst>
   </p:cSld>
@@ -4674,10 +4690,10 @@
       </p:grpSpPr>
       <p:pic>
         <p:nvPicPr>
-          <p:cNvPr id="3" name="Picture 2">
-            <a:extLst>
-              <a:ext uri="{FF2B5EF4-FFF2-40B4-BE49-F238E27FC236}">
-                <a16:creationId xmlns:a16="http://schemas.microsoft.com/office/drawing/2014/main" id="{7D905101-6B8F-40C3-B498-71B7702E8DCE}"/>
+          <p:cNvPr id="2" name="Picture 1">
+            <a:extLst>
+              <a:ext uri="{FF2B5EF4-FFF2-40B4-BE49-F238E27FC236}">
+                <a16:creationId xmlns:a16="http://schemas.microsoft.com/office/drawing/2014/main" id="{1D0A27D3-8F20-4E32-B406-30C2DA12495F}"/>
               </a:ext>
             </a:extLst>
           </p:cNvPr>
@@ -4694,8 +4710,8 @@
         </p:blipFill>
         <p:spPr>
           <a:xfrm>
-            <a:off x="2192052" y="96866"/>
-            <a:ext cx="7807895" cy="6664267"/>
+            <a:off x="2625824" y="61133"/>
+            <a:ext cx="6940351" cy="6735734"/>
           </a:xfrm>
           <a:prstGeom prst="rect">
             <a:avLst/>
@@ -4789,7 +4805,7 @@
                 </a:effectLst>
                 <a:latin typeface="Segoe UI Light"/>
               </a:rPr>
-              <a:t>Storage Account</a:t>
+              <a:t>SQL Data Warehouse</a:t>
             </a:r>
           </a:p>
         </p:txBody>
@@ -4797,7 +4813,7 @@
     </p:spTree>
     <p:extLst>
       <p:ext uri="{BB962C8B-B14F-4D97-AF65-F5344CB8AC3E}">
-        <p14:creationId xmlns:p14="http://schemas.microsoft.com/office/powerpoint/2010/main" val="3409526432"/>
+        <p14:creationId xmlns:p14="http://schemas.microsoft.com/office/powerpoint/2010/main" val="3108944933"/>
       </p:ext>
     </p:extLst>
   </p:cSld>
@@ -4912,10 +4928,10 @@
       </p:grpSpPr>
       <p:pic>
         <p:nvPicPr>
-          <p:cNvPr id="2" name="Picture 1">
-            <a:extLst>
-              <a:ext uri="{FF2B5EF4-FFF2-40B4-BE49-F238E27FC236}">
-                <a16:creationId xmlns:a16="http://schemas.microsoft.com/office/drawing/2014/main" id="{61A332A1-A5CF-4183-96C1-700A13D3709E}"/>
+          <p:cNvPr id="3" name="Picture 2">
+            <a:extLst>
+              <a:ext uri="{FF2B5EF4-FFF2-40B4-BE49-F238E27FC236}">
+                <a16:creationId xmlns:a16="http://schemas.microsoft.com/office/drawing/2014/main" id="{A5CF1A64-DE82-4D5B-A0C9-0B9D87E969AC}"/>
               </a:ext>
             </a:extLst>
           </p:cNvPr>
@@ -4932,8 +4948,8 @@
         </p:blipFill>
         <p:spPr>
           <a:xfrm>
-            <a:off x="1807471" y="56666"/>
-            <a:ext cx="8577057" cy="6744667"/>
+            <a:off x="1400531" y="632866"/>
+            <a:ext cx="9390938" cy="5592267"/>
           </a:xfrm>
           <a:prstGeom prst="rect">
             <a:avLst/>
@@ -5027,7 +5043,7 @@
                 </a:effectLst>
                 <a:latin typeface="Segoe UI Light"/>
               </a:rPr>
-              <a:t>Data Lake Store</a:t>
+              <a:t>Cognitive Services</a:t>
             </a:r>
           </a:p>
         </p:txBody>
@@ -5035,7 +5051,7 @@
     </p:spTree>
     <p:extLst>
       <p:ext uri="{BB962C8B-B14F-4D97-AF65-F5344CB8AC3E}">
-        <p14:creationId xmlns:p14="http://schemas.microsoft.com/office/powerpoint/2010/main" val="11206669"/>
+        <p14:creationId xmlns:p14="http://schemas.microsoft.com/office/powerpoint/2010/main" val="4121548687"/>
       </p:ext>
     </p:extLst>
   </p:cSld>
@@ -5153,7 +5169,7 @@
           <p:cNvPr id="3" name="Picture 2">
             <a:extLst>
               <a:ext uri="{FF2B5EF4-FFF2-40B4-BE49-F238E27FC236}">
-                <a16:creationId xmlns:a16="http://schemas.microsoft.com/office/drawing/2014/main" id="{7FFBD379-1125-454D-884C-BE0C71819F86}"/>
+                <a16:creationId xmlns:a16="http://schemas.microsoft.com/office/drawing/2014/main" id="{72013A8F-952A-4745-853A-9AE64F6AF49E}"/>
               </a:ext>
             </a:extLst>
           </p:cNvPr>
@@ -5170,8 +5186,8 @@
         </p:blipFill>
         <p:spPr>
           <a:xfrm>
-            <a:off x="2733149" y="70066"/>
-            <a:ext cx="6725701" cy="6717867"/>
+            <a:off x="2864420" y="0"/>
+            <a:ext cx="6463160" cy="6858000"/>
           </a:xfrm>
           <a:prstGeom prst="rect">
             <a:avLst/>
@@ -5265,7 +5281,7 @@
                 </a:effectLst>
                 <a:latin typeface="Segoe UI Light"/>
               </a:rPr>
-              <a:t>Data Lake Analytics</a:t>
+              <a:t>Databricks</a:t>
             </a:r>
           </a:p>
         </p:txBody>
@@ -5273,7 +5289,7 @@
     </p:spTree>
     <p:extLst>
       <p:ext uri="{BB962C8B-B14F-4D97-AF65-F5344CB8AC3E}">
-        <p14:creationId xmlns:p14="http://schemas.microsoft.com/office/powerpoint/2010/main" val="2120805870"/>
+        <p14:creationId xmlns:p14="http://schemas.microsoft.com/office/powerpoint/2010/main" val="2471656630"/>
       </p:ext>
     </p:extLst>
   </p:cSld>
@@ -5391,7 +5407,7 @@
           <p:cNvPr id="2" name="Picture 1">
             <a:extLst>
               <a:ext uri="{FF2B5EF4-FFF2-40B4-BE49-F238E27FC236}">
-                <a16:creationId xmlns:a16="http://schemas.microsoft.com/office/drawing/2014/main" id="{C38964DD-8EC1-45F2-B3F2-C3FCC3003704}"/>
+                <a16:creationId xmlns:a16="http://schemas.microsoft.com/office/drawing/2014/main" id="{76CAA769-89D0-4606-8AA3-50B36A51587E}"/>
               </a:ext>
             </a:extLst>
           </p:cNvPr>
@@ -5408,8 +5424,8 @@
         </p:blipFill>
         <p:spPr>
           <a:xfrm>
-            <a:off x="2719734" y="61133"/>
-            <a:ext cx="6752532" cy="6735734"/>
+            <a:off x="2022615" y="0"/>
+            <a:ext cx="8146770" cy="6858000"/>
           </a:xfrm>
           <a:prstGeom prst="rect">
             <a:avLst/>
@@ -5503,7 +5519,7 @@
                 </a:effectLst>
                 <a:latin typeface="Segoe UI Light"/>
               </a:rPr>
-              <a:t>Data Factory</a:t>
+              <a:t>Redis Cache</a:t>
             </a:r>
           </a:p>
         </p:txBody>
@@ -5511,7 +5527,7 @@
     </p:spTree>
     <p:extLst>
       <p:ext uri="{BB962C8B-B14F-4D97-AF65-F5344CB8AC3E}">
-        <p14:creationId xmlns:p14="http://schemas.microsoft.com/office/powerpoint/2010/main" val="3269637605"/>
+        <p14:creationId xmlns:p14="http://schemas.microsoft.com/office/powerpoint/2010/main" val="1999776992"/>
       </p:ext>
     </p:extLst>
   </p:cSld>
@@ -5626,10 +5642,10 @@
       </p:grpSpPr>
       <p:pic>
         <p:nvPicPr>
-          <p:cNvPr id="3" name="Picture 2">
-            <a:extLst>
-              <a:ext uri="{FF2B5EF4-FFF2-40B4-BE49-F238E27FC236}">
-                <a16:creationId xmlns:a16="http://schemas.microsoft.com/office/drawing/2014/main" id="{2FC316C0-0397-4BD6-9718-EDAB2D852ED2}"/>
+          <p:cNvPr id="2" name="Picture 1">
+            <a:extLst>
+              <a:ext uri="{FF2B5EF4-FFF2-40B4-BE49-F238E27FC236}">
+                <a16:creationId xmlns:a16="http://schemas.microsoft.com/office/drawing/2014/main" id="{D26CFE51-372B-434A-A678-C469BF8E2A85}"/>
               </a:ext>
             </a:extLst>
           </p:cNvPr>
@@ -5646,8 +5662,8 @@
         </p:blipFill>
         <p:spPr>
           <a:xfrm>
-            <a:off x="2455893" y="52199"/>
-            <a:ext cx="7280213" cy="6753601"/>
+            <a:off x="2791284" y="61133"/>
+            <a:ext cx="6609432" cy="6735734"/>
           </a:xfrm>
           <a:prstGeom prst="rect">
             <a:avLst/>
@@ -5741,7 +5757,7 @@
                 </a:effectLst>
                 <a:latin typeface="Segoe UI Light"/>
               </a:rPr>
-              <a:t>Batch Service</a:t>
+              <a:t>Machine Learning</a:t>
             </a:r>
           </a:p>
         </p:txBody>
@@ -5749,7 +5765,7 @@
     </p:spTree>
     <p:extLst>
       <p:ext uri="{BB962C8B-B14F-4D97-AF65-F5344CB8AC3E}">
-        <p14:creationId xmlns:p14="http://schemas.microsoft.com/office/powerpoint/2010/main" val="3653908531"/>
+        <p14:creationId xmlns:p14="http://schemas.microsoft.com/office/powerpoint/2010/main" val="2654462013"/>
       </p:ext>
     </p:extLst>
   </p:cSld>
@@ -5864,10 +5880,10 @@
       </p:grpSpPr>
       <p:pic>
         <p:nvPicPr>
-          <p:cNvPr id="2" name="Picture 1">
-            <a:extLst>
-              <a:ext uri="{FF2B5EF4-FFF2-40B4-BE49-F238E27FC236}">
-                <a16:creationId xmlns:a16="http://schemas.microsoft.com/office/drawing/2014/main" id="{CADC9F19-C808-496C-8907-5BBC0E85FC48}"/>
+          <p:cNvPr id="3" name="Picture 2">
+            <a:extLst>
+              <a:ext uri="{FF2B5EF4-FFF2-40B4-BE49-F238E27FC236}">
+                <a16:creationId xmlns:a16="http://schemas.microsoft.com/office/drawing/2014/main" id="{7D905101-6B8F-40C3-B498-71B7702E8DCE}"/>
               </a:ext>
             </a:extLst>
           </p:cNvPr>
@@ -5884,8 +5900,8 @@
         </p:blipFill>
         <p:spPr>
           <a:xfrm>
-            <a:off x="2429062" y="110266"/>
-            <a:ext cx="7333876" cy="6637467"/>
+            <a:off x="2192052" y="96866"/>
+            <a:ext cx="7807895" cy="6664267"/>
           </a:xfrm>
           <a:prstGeom prst="rect">
             <a:avLst/>
@@ -5979,7 +5995,7 @@
                 </a:effectLst>
                 <a:latin typeface="Segoe UI Light"/>
               </a:rPr>
-              <a:t>Automation</a:t>
+              <a:t>Storage Account</a:t>
             </a:r>
           </a:p>
         </p:txBody>
@@ -5987,7 +6003,7 @@
     </p:spTree>
     <p:extLst>
       <p:ext uri="{BB962C8B-B14F-4D97-AF65-F5344CB8AC3E}">
-        <p14:creationId xmlns:p14="http://schemas.microsoft.com/office/powerpoint/2010/main" val="3517388517"/>
+        <p14:creationId xmlns:p14="http://schemas.microsoft.com/office/powerpoint/2010/main" val="3409526432"/>
       </p:ext>
     </p:extLst>
   </p:cSld>
@@ -6340,10 +6356,10 @@
       </p:grpSpPr>
       <p:pic>
         <p:nvPicPr>
-          <p:cNvPr id="2" name="Picture 1">
-            <a:extLst>
-              <a:ext uri="{FF2B5EF4-FFF2-40B4-BE49-F238E27FC236}">
-                <a16:creationId xmlns:a16="http://schemas.microsoft.com/office/drawing/2014/main" id="{50F73E81-00C0-4B00-A50D-7B25324EDCAA}"/>
+          <p:cNvPr id="3" name="Picture 2">
+            <a:extLst>
+              <a:ext uri="{FF2B5EF4-FFF2-40B4-BE49-F238E27FC236}">
+                <a16:creationId xmlns:a16="http://schemas.microsoft.com/office/drawing/2014/main" id="{B00D2694-C425-43CB-95ED-D322D0079D84}"/>
               </a:ext>
             </a:extLst>
           </p:cNvPr>
@@ -6360,8 +6376,38 @@
         </p:blipFill>
         <p:spPr>
           <a:xfrm>
-            <a:off x="2464837" y="87933"/>
-            <a:ext cx="7262326" cy="6682134"/>
+            <a:off x="3493223" y="0"/>
+            <a:ext cx="5205553" cy="6858000"/>
+          </a:xfrm>
+          <a:prstGeom prst="rect">
+            <a:avLst/>
+          </a:prstGeom>
+        </p:spPr>
+      </p:pic>
+      <p:pic>
+        <p:nvPicPr>
+          <p:cNvPr id="2" name="Picture 1">
+            <a:extLst>
+              <a:ext uri="{FF2B5EF4-FFF2-40B4-BE49-F238E27FC236}">
+                <a16:creationId xmlns:a16="http://schemas.microsoft.com/office/drawing/2014/main" id="{61A332A1-A5CF-4183-96C1-700A13D3709E}"/>
+              </a:ext>
+            </a:extLst>
+          </p:cNvPr>
+          <p:cNvPicPr>
+            <a:picLocks noChangeAspect="1"/>
+          </p:cNvPicPr>
+          <p:nvPr/>
+        </p:nvPicPr>
+        <p:blipFill>
+          <a:blip r:embed="rId3"/>
+          <a:stretch>
+            <a:fillRect/>
+          </a:stretch>
+        </p:blipFill>
+        <p:spPr>
+          <a:xfrm>
+            <a:off x="83447" y="5334903"/>
+            <a:ext cx="1840604" cy="1447380"/>
           </a:xfrm>
           <a:prstGeom prst="rect">
             <a:avLst/>
@@ -6455,7 +6501,7 @@
                 </a:effectLst>
                 <a:latin typeface="Segoe UI Light"/>
               </a:rPr>
-              <a:t>Functions</a:t>
+              <a:t>Data Lake Store</a:t>
             </a:r>
           </a:p>
         </p:txBody>
@@ -6463,7 +6509,7 @@
     </p:spTree>
     <p:extLst>
       <p:ext uri="{BB962C8B-B14F-4D97-AF65-F5344CB8AC3E}">
-        <p14:creationId xmlns:p14="http://schemas.microsoft.com/office/powerpoint/2010/main" val="1387030895"/>
+        <p14:creationId xmlns:p14="http://schemas.microsoft.com/office/powerpoint/2010/main" val="1630679092"/>
       </p:ext>
     </p:extLst>
   </p:cSld>
@@ -6525,6 +6571,41 @@
                                   </p:childTnLst>
                                 </p:cTn>
                               </p:par>
+                              <p:par>
+                                <p:cTn id="8" presetID="10" presetClass="entr" presetSubtype="0" fill="hold" nodeType="withEffect">
+                                  <p:stCondLst>
+                                    <p:cond delay="0"/>
+                                  </p:stCondLst>
+                                  <p:childTnLst>
+                                    <p:set>
+                                      <p:cBhvr>
+                                        <p:cTn id="9" dur="1" fill="hold">
+                                          <p:stCondLst>
+                                            <p:cond delay="0"/>
+                                          </p:stCondLst>
+                                        </p:cTn>
+                                        <p:tgtEl>
+                                          <p:spTgt spid="2"/>
+                                        </p:tgtEl>
+                                        <p:attrNameLst>
+                                          <p:attrName>style.visibility</p:attrName>
+                                        </p:attrNameLst>
+                                      </p:cBhvr>
+                                      <p:to>
+                                        <p:strVal val="visible"/>
+                                      </p:to>
+                                    </p:set>
+                                    <p:animEffect transition="in" filter="fade">
+                                      <p:cBhvr>
+                                        <p:cTn id="10" dur="500"/>
+                                        <p:tgtEl>
+                                          <p:spTgt spid="2"/>
+                                        </p:tgtEl>
+                                      </p:cBhvr>
+                                    </p:animEffect>
+                                  </p:childTnLst>
+                                </p:cTn>
+                              </p:par>
                             </p:childTnLst>
                           </p:cTn>
                         </p:par>
@@ -6581,7 +6662,7 @@
           <p:cNvPr id="3" name="Picture 2">
             <a:extLst>
               <a:ext uri="{FF2B5EF4-FFF2-40B4-BE49-F238E27FC236}">
-                <a16:creationId xmlns:a16="http://schemas.microsoft.com/office/drawing/2014/main" id="{3037B186-89CD-4244-8408-C10B6BBB660E}"/>
+                <a16:creationId xmlns:a16="http://schemas.microsoft.com/office/drawing/2014/main" id="{7FFBD379-1125-454D-884C-BE0C71819F86}"/>
               </a:ext>
             </a:extLst>
           </p:cNvPr>
@@ -6598,8 +6679,8 @@
         </p:blipFill>
         <p:spPr>
           <a:xfrm>
-            <a:off x="1825359" y="105799"/>
-            <a:ext cx="8541282" cy="6646401"/>
+            <a:off x="2733149" y="70066"/>
+            <a:ext cx="6725701" cy="6717867"/>
           </a:xfrm>
           <a:prstGeom prst="rect">
             <a:avLst/>
@@ -6693,7 +6774,7 @@
                 </a:effectLst>
                 <a:latin typeface="Segoe UI Light"/>
               </a:rPr>
-              <a:t>Logic Apps</a:t>
+              <a:t>Data Lake Analytics</a:t>
             </a:r>
           </a:p>
         </p:txBody>
@@ -6701,7 +6782,7 @@
     </p:spTree>
     <p:extLst>
       <p:ext uri="{BB962C8B-B14F-4D97-AF65-F5344CB8AC3E}">
-        <p14:creationId xmlns:p14="http://schemas.microsoft.com/office/powerpoint/2010/main" val="3034824262"/>
+        <p14:creationId xmlns:p14="http://schemas.microsoft.com/office/powerpoint/2010/main" val="2120805870"/>
       </p:ext>
     </p:extLst>
   </p:cSld>
@@ -6816,10 +6897,10 @@
       </p:grpSpPr>
       <p:pic>
         <p:nvPicPr>
-          <p:cNvPr id="3" name="Picture 2">
-            <a:extLst>
-              <a:ext uri="{FF2B5EF4-FFF2-40B4-BE49-F238E27FC236}">
-                <a16:creationId xmlns:a16="http://schemas.microsoft.com/office/drawing/2014/main" id="{A76642D8-39F1-456B-ACFF-1B354DDC3DC5}"/>
+          <p:cNvPr id="2" name="Picture 1">
+            <a:extLst>
+              <a:ext uri="{FF2B5EF4-FFF2-40B4-BE49-F238E27FC236}">
+                <a16:creationId xmlns:a16="http://schemas.microsoft.com/office/drawing/2014/main" id="{C38964DD-8EC1-45F2-B3F2-C3FCC3003704}"/>
               </a:ext>
             </a:extLst>
           </p:cNvPr>
@@ -6836,8 +6917,8 @@
         </p:blipFill>
         <p:spPr>
           <a:xfrm>
-            <a:off x="1928212" y="43266"/>
-            <a:ext cx="8335576" cy="6771467"/>
+            <a:off x="2719734" y="61133"/>
+            <a:ext cx="6752532" cy="6735734"/>
           </a:xfrm>
           <a:prstGeom prst="rect">
             <a:avLst/>
@@ -6931,7 +7012,7 @@
                 </a:effectLst>
                 <a:latin typeface="Segoe UI Light"/>
               </a:rPr>
-              <a:t>Analysis Services</a:t>
+              <a:t>Data Factory</a:t>
             </a:r>
           </a:p>
         </p:txBody>
@@ -6939,7 +7020,7 @@
     </p:spTree>
     <p:extLst>
       <p:ext uri="{BB962C8B-B14F-4D97-AF65-F5344CB8AC3E}">
-        <p14:creationId xmlns:p14="http://schemas.microsoft.com/office/powerpoint/2010/main" val="794762057"/>
+        <p14:creationId xmlns:p14="http://schemas.microsoft.com/office/powerpoint/2010/main" val="3269637605"/>
       </p:ext>
     </p:extLst>
   </p:cSld>
@@ -7054,10 +7135,10 @@
       </p:grpSpPr>
       <p:pic>
         <p:nvPicPr>
-          <p:cNvPr id="5" name="Picture 4">
-            <a:extLst>
-              <a:ext uri="{FF2B5EF4-FFF2-40B4-BE49-F238E27FC236}">
-                <a16:creationId xmlns:a16="http://schemas.microsoft.com/office/drawing/2014/main" id="{4DC88D3A-6239-40E7-92AE-B028AF9AB476}"/>
+          <p:cNvPr id="3" name="Picture 2">
+            <a:extLst>
+              <a:ext uri="{FF2B5EF4-FFF2-40B4-BE49-F238E27FC236}">
+                <a16:creationId xmlns:a16="http://schemas.microsoft.com/office/drawing/2014/main" id="{2FC316C0-0397-4BD6-9718-EDAB2D852ED2}"/>
               </a:ext>
             </a:extLst>
           </p:cNvPr>
@@ -7074,8 +7155,8 @@
         </p:blipFill>
         <p:spPr>
           <a:xfrm>
-            <a:off x="2840474" y="87933"/>
-            <a:ext cx="6511051" cy="6682134"/>
+            <a:off x="2455893" y="52199"/>
+            <a:ext cx="7280213" cy="6753601"/>
           </a:xfrm>
           <a:prstGeom prst="rect">
             <a:avLst/>
@@ -7169,7 +7250,7 @@
                 </a:effectLst>
                 <a:latin typeface="Segoe UI Light"/>
               </a:rPr>
-              <a:t>Event Hub</a:t>
+              <a:t>Batch Service</a:t>
             </a:r>
           </a:p>
         </p:txBody>
@@ -7177,7 +7258,7 @@
     </p:spTree>
     <p:extLst>
       <p:ext uri="{BB962C8B-B14F-4D97-AF65-F5344CB8AC3E}">
-        <p14:creationId xmlns:p14="http://schemas.microsoft.com/office/powerpoint/2010/main" val="2388929640"/>
+        <p14:creationId xmlns:p14="http://schemas.microsoft.com/office/powerpoint/2010/main" val="3653908531"/>
       </p:ext>
     </p:extLst>
   </p:cSld>
@@ -7295,7 +7376,7 @@
           <p:cNvPr id="2" name="Picture 1">
             <a:extLst>
               <a:ext uri="{FF2B5EF4-FFF2-40B4-BE49-F238E27FC236}">
-                <a16:creationId xmlns:a16="http://schemas.microsoft.com/office/drawing/2014/main" id="{EB1AE970-1F0D-4B30-B185-B22186BFF870}"/>
+                <a16:creationId xmlns:a16="http://schemas.microsoft.com/office/drawing/2014/main" id="{CADC9F19-C808-496C-8907-5BBC0E85FC48}"/>
               </a:ext>
             </a:extLst>
           </p:cNvPr>
@@ -7312,8 +7393,8 @@
         </p:blipFill>
         <p:spPr>
           <a:xfrm>
-            <a:off x="2706318" y="47733"/>
-            <a:ext cx="6779363" cy="6762534"/>
+            <a:off x="2429062" y="110266"/>
+            <a:ext cx="7333876" cy="6637467"/>
           </a:xfrm>
           <a:prstGeom prst="rect">
             <a:avLst/>
@@ -7407,7 +7488,7 @@
                 </a:effectLst>
                 <a:latin typeface="Segoe UI Light"/>
               </a:rPr>
-              <a:t>Event Grid</a:t>
+              <a:t>Automation</a:t>
             </a:r>
           </a:p>
         </p:txBody>
@@ -7415,7 +7496,7 @@
     </p:spTree>
     <p:extLst>
       <p:ext uri="{BB962C8B-B14F-4D97-AF65-F5344CB8AC3E}">
-        <p14:creationId xmlns:p14="http://schemas.microsoft.com/office/powerpoint/2010/main" val="3447951919"/>
+        <p14:creationId xmlns:p14="http://schemas.microsoft.com/office/powerpoint/2010/main" val="3517388517"/>
       </p:ext>
     </p:extLst>
   </p:cSld>
@@ -7530,10 +7611,10 @@
       </p:grpSpPr>
       <p:pic>
         <p:nvPicPr>
-          <p:cNvPr id="4" name="Picture 3">
-            <a:extLst>
-              <a:ext uri="{FF2B5EF4-FFF2-40B4-BE49-F238E27FC236}">
-                <a16:creationId xmlns:a16="http://schemas.microsoft.com/office/drawing/2014/main" id="{A5952FD6-013B-4B15-A3E1-35E28832EB9E}"/>
+          <p:cNvPr id="2" name="Picture 1">
+            <a:extLst>
+              <a:ext uri="{FF2B5EF4-FFF2-40B4-BE49-F238E27FC236}">
+                <a16:creationId xmlns:a16="http://schemas.microsoft.com/office/drawing/2014/main" id="{50F73E81-00C0-4B00-A50D-7B25324EDCAA}"/>
               </a:ext>
             </a:extLst>
           </p:cNvPr>
@@ -7550,8 +7631,8 @@
         </p:blipFill>
         <p:spPr>
           <a:xfrm>
-            <a:off x="1753809" y="52199"/>
-            <a:ext cx="8684382" cy="6753601"/>
+            <a:off x="2464837" y="87933"/>
+            <a:ext cx="7262326" cy="6682134"/>
           </a:xfrm>
           <a:prstGeom prst="rect">
             <a:avLst/>
@@ -7645,7 +7726,7 @@
                 </a:effectLst>
                 <a:latin typeface="Segoe UI Light"/>
               </a:rPr>
-              <a:t>Stream Analytics</a:t>
+              <a:t>Functions</a:t>
             </a:r>
           </a:p>
         </p:txBody>
@@ -7653,7 +7734,7 @@
     </p:spTree>
     <p:extLst>
       <p:ext uri="{BB962C8B-B14F-4D97-AF65-F5344CB8AC3E}">
-        <p14:creationId xmlns:p14="http://schemas.microsoft.com/office/powerpoint/2010/main" val="2031741729"/>
+        <p14:creationId xmlns:p14="http://schemas.microsoft.com/office/powerpoint/2010/main" val="1387030895"/>
       </p:ext>
     </p:extLst>
   </p:cSld>
@@ -7768,10 +7849,10 @@
       </p:grpSpPr>
       <p:pic>
         <p:nvPicPr>
-          <p:cNvPr id="2" name="Picture 1">
-            <a:extLst>
-              <a:ext uri="{FF2B5EF4-FFF2-40B4-BE49-F238E27FC236}">
-                <a16:creationId xmlns:a16="http://schemas.microsoft.com/office/drawing/2014/main" id="{CB00F877-62D4-4191-A1C0-BCA26D3AAD76}"/>
+          <p:cNvPr id="3" name="Picture 2">
+            <a:extLst>
+              <a:ext uri="{FF2B5EF4-FFF2-40B4-BE49-F238E27FC236}">
+                <a16:creationId xmlns:a16="http://schemas.microsoft.com/office/drawing/2014/main" id="{3037B186-89CD-4244-8408-C10B6BBB660E}"/>
               </a:ext>
             </a:extLst>
           </p:cNvPr>
@@ -7788,8 +7869,8 @@
         </p:blipFill>
         <p:spPr>
           <a:xfrm>
-            <a:off x="2925440" y="52199"/>
-            <a:ext cx="6341119" cy="6753601"/>
+            <a:off x="1825359" y="105799"/>
+            <a:ext cx="8541282" cy="6646401"/>
           </a:xfrm>
           <a:prstGeom prst="rect">
             <a:avLst/>
@@ -7883,7 +7964,7 @@
                 </a:effectLst>
                 <a:latin typeface="Segoe UI Light"/>
               </a:rPr>
-              <a:t>Data Catalogue</a:t>
+              <a:t>Logic Apps</a:t>
             </a:r>
           </a:p>
         </p:txBody>
@@ -7891,7 +7972,7 @@
     </p:spTree>
     <p:extLst>
       <p:ext uri="{BB962C8B-B14F-4D97-AF65-F5344CB8AC3E}">
-        <p14:creationId xmlns:p14="http://schemas.microsoft.com/office/powerpoint/2010/main" val="2067566175"/>
+        <p14:creationId xmlns:p14="http://schemas.microsoft.com/office/powerpoint/2010/main" val="3034824262"/>
       </p:ext>
     </p:extLst>
   </p:cSld>
@@ -8009,7 +8090,7 @@
           <p:cNvPr id="3" name="Picture 2">
             <a:extLst>
               <a:ext uri="{FF2B5EF4-FFF2-40B4-BE49-F238E27FC236}">
-                <a16:creationId xmlns:a16="http://schemas.microsoft.com/office/drawing/2014/main" id="{C05ADA2A-281E-4FD1-B782-E3CA3666A6F6}"/>
+                <a16:creationId xmlns:a16="http://schemas.microsoft.com/office/drawing/2014/main" id="{A76642D8-39F1-456B-ACFF-1B354DDC3DC5}"/>
               </a:ext>
             </a:extLst>
           </p:cNvPr>
@@ -8026,8 +8107,8 @@
         </p:blipFill>
         <p:spPr>
           <a:xfrm>
-            <a:off x="3018139" y="0"/>
-            <a:ext cx="6155721" cy="6858000"/>
+            <a:off x="1928212" y="43266"/>
+            <a:ext cx="8335576" cy="6771467"/>
           </a:xfrm>
           <a:prstGeom prst="rect">
             <a:avLst/>
@@ -8121,7 +8202,7 @@
                 </a:effectLst>
                 <a:latin typeface="Segoe UI Light"/>
               </a:rPr>
-              <a:t>Key Vault</a:t>
+              <a:t>Analysis Services</a:t>
             </a:r>
           </a:p>
         </p:txBody>
@@ -8129,7 +8210,7 @@
     </p:spTree>
     <p:extLst>
       <p:ext uri="{BB962C8B-B14F-4D97-AF65-F5344CB8AC3E}">
-        <p14:creationId xmlns:p14="http://schemas.microsoft.com/office/powerpoint/2010/main" val="1384612691"/>
+        <p14:creationId xmlns:p14="http://schemas.microsoft.com/office/powerpoint/2010/main" val="794762057"/>
       </p:ext>
     </p:extLst>
   </p:cSld>
@@ -8244,10 +8325,10 @@
       </p:grpSpPr>
       <p:pic>
         <p:nvPicPr>
-          <p:cNvPr id="3" name="Picture 2">
-            <a:extLst>
-              <a:ext uri="{FF2B5EF4-FFF2-40B4-BE49-F238E27FC236}">
-                <a16:creationId xmlns:a16="http://schemas.microsoft.com/office/drawing/2014/main" id="{74973D8E-18EE-4246-87CE-C4094D70B0FC}"/>
+          <p:cNvPr id="2" name="Picture 1">
+            <a:extLst>
+              <a:ext uri="{FF2B5EF4-FFF2-40B4-BE49-F238E27FC236}">
+                <a16:creationId xmlns:a16="http://schemas.microsoft.com/office/drawing/2014/main" id="{EB1AE970-1F0D-4B30-B185-B22186BFF870}"/>
               </a:ext>
             </a:extLst>
           </p:cNvPr>
@@ -8257,21 +8338,15 @@
           <p:nvPr/>
         </p:nvPicPr>
         <p:blipFill>
-          <a:blip r:embed="rId2">
-            <a:extLst>
-              <a:ext uri="{28A0092B-C50C-407E-A947-70E740481C1C}">
-                <a14:useLocalDpi xmlns:a14="http://schemas.microsoft.com/office/drawing/2010/main" val="0"/>
-              </a:ext>
-            </a:extLst>
-          </a:blip>
+          <a:blip r:embed="rId2"/>
           <a:stretch>
             <a:fillRect/>
           </a:stretch>
         </p:blipFill>
         <p:spPr>
           <a:xfrm>
-            <a:off x="1396060" y="9828"/>
-            <a:ext cx="8337994" cy="6858000"/>
+            <a:off x="2706318" y="47733"/>
+            <a:ext cx="6779363" cy="6762534"/>
           </a:xfrm>
           <a:prstGeom prst="rect">
             <a:avLst/>
@@ -8280,10 +8355,10 @@
       </p:pic>
       <p:sp>
         <p:nvSpPr>
-          <p:cNvPr id="4" name="Title 2">
-            <a:extLst>
-              <a:ext uri="{FF2B5EF4-FFF2-40B4-BE49-F238E27FC236}">
-                <a16:creationId xmlns:a16="http://schemas.microsoft.com/office/drawing/2014/main" id="{E2398736-2F8F-40B5-8F1C-75F0EE40E1F1}"/>
+          <p:cNvPr id="9" name="Title 2">
+            <a:extLst>
+              <a:ext uri="{FF2B5EF4-FFF2-40B4-BE49-F238E27FC236}">
+                <a16:creationId xmlns:a16="http://schemas.microsoft.com/office/drawing/2014/main" id="{CB877719-98D4-4914-B56E-634238E5C0E6}"/>
               </a:ext>
             </a:extLst>
           </p:cNvPr>
@@ -8365,7 +8440,7 @@
                 </a:effectLst>
                 <a:latin typeface="Segoe UI Light"/>
               </a:rPr>
-              <a:t>Caffeine</a:t>
+              <a:t>Event Grid</a:t>
             </a:r>
           </a:p>
         </p:txBody>
@@ -8373,7 +8448,7 @@
     </p:spTree>
     <p:extLst>
       <p:ext uri="{BB962C8B-B14F-4D97-AF65-F5344CB8AC3E}">
-        <p14:creationId xmlns:p14="http://schemas.microsoft.com/office/powerpoint/2010/main" val="3967542385"/>
+        <p14:creationId xmlns:p14="http://schemas.microsoft.com/office/powerpoint/2010/main" val="3447951919"/>
       </p:ext>
     </p:extLst>
   </p:cSld>
@@ -8414,7 +8489,7 @@
                                           </p:stCondLst>
                                         </p:cTn>
                                         <p:tgtEl>
-                                          <p:spTgt spid="4"/>
+                                          <p:spTgt spid="9"/>
                                         </p:tgtEl>
                                         <p:attrNameLst>
                                           <p:attrName>style.visibility</p:attrName>
@@ -8428,7 +8503,7 @@
                                       <p:cBhvr>
                                         <p:cTn id="7" dur="500"/>
                                         <p:tgtEl>
-                                          <p:spTgt spid="4"/>
+                                          <p:spTgt spid="9"/>
                                         </p:tgtEl>
                                       </p:cBhvr>
                                     </p:animEffect>
@@ -8463,7 +8538,7 @@
       </p:par>
     </p:tnLst>
     <p:bldLst>
-      <p:bldP spid="4" grpId="0" animBg="1"/>
+      <p:bldP spid="9" grpId="0" animBg="1"/>
     </p:bldLst>
   </p:timing>
 </p:sld>
@@ -8488,10 +8563,10 @@
       </p:grpSpPr>
       <p:pic>
         <p:nvPicPr>
-          <p:cNvPr id="3" name="Picture 2">
-            <a:extLst>
-              <a:ext uri="{FF2B5EF4-FFF2-40B4-BE49-F238E27FC236}">
-                <a16:creationId xmlns:a16="http://schemas.microsoft.com/office/drawing/2014/main" id="{FCD69902-4B9B-4E07-8E56-2CDE55B6B45A}"/>
+          <p:cNvPr id="5" name="Picture 4">
+            <a:extLst>
+              <a:ext uri="{FF2B5EF4-FFF2-40B4-BE49-F238E27FC236}">
+                <a16:creationId xmlns:a16="http://schemas.microsoft.com/office/drawing/2014/main" id="{4DC88D3A-6239-40E7-92AE-B028AF9AB476}"/>
               </a:ext>
             </a:extLst>
           </p:cNvPr>
@@ -8508,362 +8583,8 @@
         </p:blipFill>
         <p:spPr>
           <a:xfrm>
-            <a:off x="0" y="0"/>
-            <a:ext cx="12192000" cy="6858000"/>
-          </a:xfrm>
-          <a:prstGeom prst="rect">
-            <a:avLst/>
-          </a:prstGeom>
-        </p:spPr>
-      </p:pic>
-      <p:sp>
-        <p:nvSpPr>
-          <p:cNvPr id="5" name="Title 2">
-            <a:extLst>
-              <a:ext uri="{FF2B5EF4-FFF2-40B4-BE49-F238E27FC236}">
-                <a16:creationId xmlns:a16="http://schemas.microsoft.com/office/drawing/2014/main" id="{A7F331DE-8299-4C61-9F2E-944CAB2DF461}"/>
-              </a:ext>
-            </a:extLst>
-          </p:cNvPr>
-          <p:cNvSpPr txBox="1">
-            <a:spLocks/>
-          </p:cNvSpPr>
-          <p:nvPr/>
-        </p:nvSpPr>
-        <p:spPr>
-          <a:xfrm>
-            <a:off x="0" y="2833180"/>
-            <a:ext cx="12191999" cy="1191639"/>
-          </a:xfrm>
-          <a:prstGeom prst="rect">
-            <a:avLst/>
-          </a:prstGeom>
-          <a:noFill/>
-        </p:spPr>
-        <p:txBody>
-          <a:bodyPr vert="horz" wrap="square" lIns="143428" tIns="89642" rIns="143428" bIns="89642" rtlCol="0" anchor="t" anchorCtr="0">
-            <a:noAutofit/>
-          </a:bodyPr>
-          <a:lstStyle>
-            <a:lvl1pPr algn="l" defTabSz="932578" rtl="0" eaLnBrk="1" latinLnBrk="0" hangingPunct="1">
-              <a:lnSpc>
-                <a:spcPct val="90000"/>
-              </a:lnSpc>
-              <a:spcBef>
-                <a:spcPct val="0"/>
-              </a:spcBef>
-              <a:buNone/>
-              <a:defRPr lang="en-US" sz="5999" b="0" kern="1200" cap="none" spc="-100" baseline="0">
-                <a:ln w="3175">
-                  <a:noFill/>
-                </a:ln>
-                <a:gradFill>
-                  <a:gsLst>
-                    <a:gs pos="3333">
-                      <a:schemeClr val="tx1"/>
-                    </a:gs>
-                    <a:gs pos="39000">
-                      <a:schemeClr val="tx1"/>
-                    </a:gs>
-                  </a:gsLst>
-                  <a:lin ang="5400000" scaled="0"/>
-                </a:gradFill>
-                <a:effectLst/>
-                <a:latin typeface="+mj-lt"/>
-                <a:ea typeface="+mn-ea"/>
-                <a:cs typeface="Segoe UI" pitchFamily="34" charset="0"/>
-              </a:defRPr>
-            </a:lvl1pPr>
-          </a:lstStyle>
-          <a:p>
-            <a:pPr algn="ctr">
-              <a:spcBef>
-                <a:spcPts val="1200"/>
-              </a:spcBef>
-              <a:spcAft>
-                <a:spcPts val="1200"/>
-              </a:spcAft>
-              <a:defRPr/>
-            </a:pPr>
-            <a:r>
-              <a:rPr lang="en-GB" sz="7200" b="1" dirty="0">
-                <a:solidFill>
-                  <a:schemeClr val="bg1"/>
-                </a:solidFill>
-                <a:effectLst>
-                  <a:outerShdw blurRad="38100" dist="38100" dir="2700000" algn="tl">
-                    <a:srgbClr val="000000">
-                      <a:alpha val="43137"/>
-                    </a:srgbClr>
-                  </a:outerShdw>
-                </a:effectLst>
-                <a:latin typeface="Segoe UI Light"/>
-              </a:rPr>
-              <a:t>The Azure Icon Game</a:t>
-            </a:r>
-          </a:p>
-        </p:txBody>
-      </p:sp>
-      <p:sp>
-        <p:nvSpPr>
-          <p:cNvPr id="7" name="Title 2">
-            <a:extLst>
-              <a:ext uri="{FF2B5EF4-FFF2-40B4-BE49-F238E27FC236}">
-                <a16:creationId xmlns:a16="http://schemas.microsoft.com/office/drawing/2014/main" id="{FB15A433-C558-491E-BD03-E71F67E304B1}"/>
-              </a:ext>
-            </a:extLst>
-          </p:cNvPr>
-          <p:cNvSpPr txBox="1">
-            <a:spLocks/>
-          </p:cNvSpPr>
-          <p:nvPr/>
-        </p:nvSpPr>
-        <p:spPr>
-          <a:xfrm>
-            <a:off x="389107" y="621759"/>
-            <a:ext cx="603115" cy="6236241"/>
-          </a:xfrm>
-          <a:prstGeom prst="rect">
-            <a:avLst/>
-          </a:prstGeom>
-          <a:noFill/>
-        </p:spPr>
-        <p:txBody>
-          <a:bodyPr vert="horz" wrap="square" lIns="143428" tIns="89642" rIns="143428" bIns="89642" rtlCol="0" anchor="t" anchorCtr="0">
-            <a:noAutofit/>
-          </a:bodyPr>
-          <a:lstStyle>
-            <a:lvl1pPr algn="l" defTabSz="932578" rtl="0" eaLnBrk="1" latinLnBrk="0" hangingPunct="1">
-              <a:lnSpc>
-                <a:spcPct val="90000"/>
-              </a:lnSpc>
-              <a:spcBef>
-                <a:spcPct val="0"/>
-              </a:spcBef>
-              <a:buNone/>
-              <a:defRPr lang="en-US" sz="5999" b="0" kern="1200" cap="none" spc="-100" baseline="0">
-                <a:ln w="3175">
-                  <a:noFill/>
-                </a:ln>
-                <a:gradFill>
-                  <a:gsLst>
-                    <a:gs pos="3333">
-                      <a:schemeClr val="tx1"/>
-                    </a:gs>
-                    <a:gs pos="39000">
-                      <a:schemeClr val="tx1"/>
-                    </a:gs>
-                  </a:gsLst>
-                  <a:lin ang="5400000" scaled="0"/>
-                </a:gradFill>
-                <a:effectLst/>
-                <a:latin typeface="+mj-lt"/>
-                <a:ea typeface="+mn-ea"/>
-                <a:cs typeface="Segoe UI" pitchFamily="34" charset="0"/>
-              </a:defRPr>
-            </a:lvl1pPr>
-          </a:lstStyle>
-          <a:p>
-            <a:pPr algn="ctr">
-              <a:spcBef>
-                <a:spcPts val="1200"/>
-              </a:spcBef>
-              <a:spcAft>
-                <a:spcPts val="1200"/>
-              </a:spcAft>
-              <a:defRPr/>
-            </a:pPr>
-            <a:r>
-              <a:rPr lang="en-GB" sz="7200" b="1" dirty="0">
-                <a:solidFill>
-                  <a:schemeClr val="bg1"/>
-                </a:solidFill>
-                <a:effectLst>
-                  <a:outerShdw blurRad="38100" dist="38100" dir="2700000" algn="tl">
-                    <a:srgbClr val="000000">
-                      <a:alpha val="43137"/>
-                    </a:srgbClr>
-                  </a:outerShdw>
-                </a:effectLst>
-                <a:latin typeface="Segoe UI Light"/>
-              </a:rPr>
-              <a:t>?</a:t>
-            </a:r>
-          </a:p>
-          <a:p>
-            <a:pPr algn="ctr">
-              <a:spcBef>
-                <a:spcPts val="1200"/>
-              </a:spcBef>
-              <a:spcAft>
-                <a:spcPts val="1200"/>
-              </a:spcAft>
-              <a:defRPr/>
-            </a:pPr>
-            <a:r>
-              <a:rPr lang="en-GB" sz="7200" b="1" dirty="0">
-                <a:solidFill>
-                  <a:schemeClr val="bg1"/>
-                </a:solidFill>
-                <a:effectLst>
-                  <a:outerShdw blurRad="38100" dist="38100" dir="2700000" algn="tl">
-                    <a:srgbClr val="000000">
-                      <a:alpha val="43137"/>
-                    </a:srgbClr>
-                  </a:outerShdw>
-                </a:effectLst>
-                <a:latin typeface="Segoe UI Light"/>
-              </a:rPr>
-              <a:t>?</a:t>
-            </a:r>
-          </a:p>
-          <a:p>
-            <a:pPr algn="ctr">
-              <a:spcBef>
-                <a:spcPts val="1200"/>
-              </a:spcBef>
-              <a:spcAft>
-                <a:spcPts val="1200"/>
-              </a:spcAft>
-              <a:defRPr/>
-            </a:pPr>
-            <a:r>
-              <a:rPr lang="en-GB" sz="7200" b="1" dirty="0">
-                <a:solidFill>
-                  <a:schemeClr val="bg1"/>
-                </a:solidFill>
-                <a:effectLst>
-                  <a:outerShdw blurRad="38100" dist="38100" dir="2700000" algn="tl">
-                    <a:srgbClr val="000000">
-                      <a:alpha val="43137"/>
-                    </a:srgbClr>
-                  </a:outerShdw>
-                </a:effectLst>
-                <a:latin typeface="Segoe UI Light"/>
-              </a:rPr>
-              <a:t>?</a:t>
-            </a:r>
-          </a:p>
-          <a:p>
-            <a:pPr algn="ctr">
-              <a:spcBef>
-                <a:spcPts val="1200"/>
-              </a:spcBef>
-              <a:spcAft>
-                <a:spcPts val="1200"/>
-              </a:spcAft>
-              <a:defRPr/>
-            </a:pPr>
-            <a:r>
-              <a:rPr lang="en-GB" sz="7200" b="1" dirty="0">
-                <a:solidFill>
-                  <a:schemeClr val="bg1"/>
-                </a:solidFill>
-                <a:effectLst>
-                  <a:outerShdw blurRad="38100" dist="38100" dir="2700000" algn="tl">
-                    <a:srgbClr val="000000">
-                      <a:alpha val="43137"/>
-                    </a:srgbClr>
-                  </a:outerShdw>
-                </a:effectLst>
-                <a:latin typeface="Segoe UI Light"/>
-              </a:rPr>
-              <a:t>?</a:t>
-            </a:r>
-          </a:p>
-          <a:p>
-            <a:pPr algn="ctr">
-              <a:spcBef>
-                <a:spcPts val="1200"/>
-              </a:spcBef>
-              <a:spcAft>
-                <a:spcPts val="1200"/>
-              </a:spcAft>
-              <a:defRPr/>
-            </a:pPr>
-            <a:r>
-              <a:rPr lang="en-GB" sz="7200" b="1" dirty="0">
-                <a:solidFill>
-                  <a:schemeClr val="bg1"/>
-                </a:solidFill>
-                <a:effectLst>
-                  <a:outerShdw blurRad="38100" dist="38100" dir="2700000" algn="tl">
-                    <a:srgbClr val="000000">
-                      <a:alpha val="43137"/>
-                    </a:srgbClr>
-                  </a:outerShdw>
-                </a:effectLst>
-                <a:latin typeface="Segoe UI Light"/>
-              </a:rPr>
-              <a:t>?</a:t>
-            </a:r>
-          </a:p>
-        </p:txBody>
-      </p:sp>
-    </p:spTree>
-    <p:extLst>
-      <p:ext uri="{BB962C8B-B14F-4D97-AF65-F5344CB8AC3E}">
-        <p14:creationId xmlns:p14="http://schemas.microsoft.com/office/powerpoint/2010/main" val="4192887432"/>
-      </p:ext>
-    </p:extLst>
-  </p:cSld>
-  <p:clrMapOvr>
-    <a:masterClrMapping/>
-  </p:clrMapOvr>
-</p:sld>
-</file>
-
-<file path=ppt/slides/slide3.xml><?xml version="1.0" encoding="utf-8"?>
-<p:sld xmlns:a="http://schemas.openxmlformats.org/drawingml/2006/main" xmlns:r="http://schemas.openxmlformats.org/officeDocument/2006/relationships" xmlns:p="http://schemas.openxmlformats.org/presentationml/2006/main">
-  <p:cSld>
-    <p:bg>
-      <p:bgPr>
-        <a:solidFill>
-          <a:schemeClr val="bg1">
-            <a:alpha val="50000"/>
-          </a:schemeClr>
-        </a:solidFill>
-        <a:effectLst/>
-      </p:bgPr>
-    </p:bg>
-    <p:spTree>
-      <p:nvGrpSpPr>
-        <p:cNvPr id="1" name=""/>
-        <p:cNvGrpSpPr/>
-        <p:nvPr/>
-      </p:nvGrpSpPr>
-      <p:grpSpPr>
-        <a:xfrm>
-          <a:off x="0" y="0"/>
-          <a:ext cx="0" cy="0"/>
-          <a:chOff x="0" y="0"/>
-          <a:chExt cx="0" cy="0"/>
-        </a:xfrm>
-      </p:grpSpPr>
-      <p:pic>
-        <p:nvPicPr>
-          <p:cNvPr id="2" name="Picture 1">
-            <a:extLst>
-              <a:ext uri="{FF2B5EF4-FFF2-40B4-BE49-F238E27FC236}">
-                <a16:creationId xmlns:a16="http://schemas.microsoft.com/office/drawing/2014/main" id="{3AA6EE47-A84B-4C5E-87E7-8103FE6102BE}"/>
-              </a:ext>
-            </a:extLst>
-          </p:cNvPr>
-          <p:cNvPicPr>
-            <a:picLocks noChangeAspect="1"/>
-          </p:cNvPicPr>
-          <p:nvPr/>
-        </p:nvPicPr>
-        <p:blipFill>
-          <a:blip r:embed="rId2"/>
-          <a:stretch>
-            <a:fillRect/>
-          </a:stretch>
-        </p:blipFill>
-        <p:spPr>
-          <a:xfrm>
-            <a:off x="2464837" y="78999"/>
-            <a:ext cx="7262326" cy="6700001"/>
+            <a:off x="2840474" y="87933"/>
+            <a:ext cx="6511051" cy="6682134"/>
           </a:xfrm>
           <a:prstGeom prst="rect">
             <a:avLst/>
@@ -8957,7 +8678,7 @@
                 </a:effectLst>
                 <a:latin typeface="Segoe UI Light"/>
               </a:rPr>
-              <a:t>Virtual Machine</a:t>
+              <a:t>Event Hub</a:t>
             </a:r>
           </a:p>
         </p:txBody>
@@ -8965,7 +8686,245 @@
     </p:spTree>
     <p:extLst>
       <p:ext uri="{BB962C8B-B14F-4D97-AF65-F5344CB8AC3E}">
-        <p14:creationId xmlns:p14="http://schemas.microsoft.com/office/powerpoint/2010/main" val="3980733746"/>
+        <p14:creationId xmlns:p14="http://schemas.microsoft.com/office/powerpoint/2010/main" val="2388929640"/>
+      </p:ext>
+    </p:extLst>
+  </p:cSld>
+  <p:clrMapOvr>
+    <a:masterClrMapping/>
+  </p:clrMapOvr>
+  <p:timing>
+    <p:tnLst>
+      <p:par>
+        <p:cTn id="1" dur="indefinite" restart="never" nodeType="tmRoot">
+          <p:childTnLst>
+            <p:seq concurrent="1" nextAc="seek">
+              <p:cTn id="2" dur="indefinite" nodeType="mainSeq">
+                <p:childTnLst>
+                  <p:par>
+                    <p:cTn id="3" fill="hold">
+                      <p:stCondLst>
+                        <p:cond delay="indefinite"/>
+                      </p:stCondLst>
+                      <p:childTnLst>
+                        <p:par>
+                          <p:cTn id="4" fill="hold">
+                            <p:stCondLst>
+                              <p:cond delay="0"/>
+                            </p:stCondLst>
+                            <p:childTnLst>
+                              <p:par>
+                                <p:cTn id="5" presetID="10" presetClass="entr" presetSubtype="0" fill="hold" grpId="0" nodeType="clickEffect">
+                                  <p:stCondLst>
+                                    <p:cond delay="0"/>
+                                  </p:stCondLst>
+                                  <p:childTnLst>
+                                    <p:set>
+                                      <p:cBhvr>
+                                        <p:cTn id="6" dur="1" fill="hold">
+                                          <p:stCondLst>
+                                            <p:cond delay="0"/>
+                                          </p:stCondLst>
+                                        </p:cTn>
+                                        <p:tgtEl>
+                                          <p:spTgt spid="9"/>
+                                        </p:tgtEl>
+                                        <p:attrNameLst>
+                                          <p:attrName>style.visibility</p:attrName>
+                                        </p:attrNameLst>
+                                      </p:cBhvr>
+                                      <p:to>
+                                        <p:strVal val="visible"/>
+                                      </p:to>
+                                    </p:set>
+                                    <p:animEffect transition="in" filter="fade">
+                                      <p:cBhvr>
+                                        <p:cTn id="7" dur="500"/>
+                                        <p:tgtEl>
+                                          <p:spTgt spid="9"/>
+                                        </p:tgtEl>
+                                      </p:cBhvr>
+                                    </p:animEffect>
+                                  </p:childTnLst>
+                                </p:cTn>
+                              </p:par>
+                            </p:childTnLst>
+                          </p:cTn>
+                        </p:par>
+                      </p:childTnLst>
+                    </p:cTn>
+                  </p:par>
+                </p:childTnLst>
+              </p:cTn>
+              <p:prevCondLst>
+                <p:cond evt="onPrev" delay="0">
+                  <p:tgtEl>
+                    <p:sldTgt/>
+                  </p:tgtEl>
+                </p:cond>
+              </p:prevCondLst>
+              <p:nextCondLst>
+                <p:cond evt="onNext" delay="0">
+                  <p:tgtEl>
+                    <p:sldTgt/>
+                  </p:tgtEl>
+                </p:cond>
+              </p:nextCondLst>
+            </p:seq>
+          </p:childTnLst>
+        </p:cTn>
+      </p:par>
+    </p:tnLst>
+    <p:bldLst>
+      <p:bldP spid="9" grpId="0" animBg="1"/>
+    </p:bldLst>
+  </p:timing>
+</p:sld>
+</file>
+
+<file path=ppt/slides/slide3.xml><?xml version="1.0" encoding="utf-8"?>
+<p:sld xmlns:a="http://schemas.openxmlformats.org/drawingml/2006/main" xmlns:r="http://schemas.openxmlformats.org/officeDocument/2006/relationships" xmlns:p="http://schemas.openxmlformats.org/presentationml/2006/main">
+  <p:cSld>
+    <p:spTree>
+      <p:nvGrpSpPr>
+        <p:cNvPr id="1" name=""/>
+        <p:cNvGrpSpPr/>
+        <p:nvPr/>
+      </p:nvGrpSpPr>
+      <p:grpSpPr>
+        <a:xfrm>
+          <a:off x="0" y="0"/>
+          <a:ext cx="0" cy="0"/>
+          <a:chOff x="0" y="0"/>
+          <a:chExt cx="0" cy="0"/>
+        </a:xfrm>
+      </p:grpSpPr>
+      <p:pic>
+        <p:nvPicPr>
+          <p:cNvPr id="2" name="Picture 1">
+            <a:extLst>
+              <a:ext uri="{FF2B5EF4-FFF2-40B4-BE49-F238E27FC236}">
+                <a16:creationId xmlns:a16="http://schemas.microsoft.com/office/drawing/2014/main" id="{07AB261B-5B38-4005-AD8F-7C6BE257CD96}"/>
+              </a:ext>
+            </a:extLst>
+          </p:cNvPr>
+          <p:cNvPicPr>
+            <a:picLocks noChangeAspect="1"/>
+          </p:cNvPicPr>
+          <p:nvPr/>
+        </p:nvPicPr>
+        <p:blipFill>
+          <a:blip r:embed="rId2"/>
+          <a:stretch>
+            <a:fillRect/>
+          </a:stretch>
+        </p:blipFill>
+        <p:spPr>
+          <a:xfrm>
+            <a:off x="2073530" y="0"/>
+            <a:ext cx="8044939" cy="6858000"/>
+          </a:xfrm>
+          <a:prstGeom prst="rect">
+            <a:avLst/>
+          </a:prstGeom>
+        </p:spPr>
+      </p:pic>
+      <p:sp>
+        <p:nvSpPr>
+          <p:cNvPr id="9" name="Title 2">
+            <a:extLst>
+              <a:ext uri="{FF2B5EF4-FFF2-40B4-BE49-F238E27FC236}">
+                <a16:creationId xmlns:a16="http://schemas.microsoft.com/office/drawing/2014/main" id="{CB877719-98D4-4914-B56E-634238E5C0E6}"/>
+              </a:ext>
+            </a:extLst>
+          </p:cNvPr>
+          <p:cNvSpPr txBox="1">
+            <a:spLocks/>
+          </p:cNvSpPr>
+          <p:nvPr/>
+        </p:nvSpPr>
+        <p:spPr>
+          <a:xfrm>
+            <a:off x="1" y="2834881"/>
+            <a:ext cx="12191999" cy="1191639"/>
+          </a:xfrm>
+          <a:prstGeom prst="rect">
+            <a:avLst/>
+          </a:prstGeom>
+          <a:solidFill>
+            <a:schemeClr val="bg1">
+              <a:alpha val="50000"/>
+            </a:schemeClr>
+          </a:solidFill>
+        </p:spPr>
+        <p:txBody>
+          <a:bodyPr vert="horz" wrap="square" lIns="143428" tIns="89642" rIns="143428" bIns="89642" rtlCol="0" anchor="t" anchorCtr="0">
+            <a:noAutofit/>
+          </a:bodyPr>
+          <a:lstStyle>
+            <a:lvl1pPr algn="l" defTabSz="932578" rtl="0" eaLnBrk="1" latinLnBrk="0" hangingPunct="1">
+              <a:lnSpc>
+                <a:spcPct val="90000"/>
+              </a:lnSpc>
+              <a:spcBef>
+                <a:spcPct val="0"/>
+              </a:spcBef>
+              <a:buNone/>
+              <a:defRPr lang="en-US" sz="5999" b="0" kern="1200" cap="none" spc="-100" baseline="0">
+                <a:ln w="3175">
+                  <a:noFill/>
+                </a:ln>
+                <a:gradFill>
+                  <a:gsLst>
+                    <a:gs pos="3333">
+                      <a:schemeClr val="tx1"/>
+                    </a:gs>
+                    <a:gs pos="39000">
+                      <a:schemeClr val="tx1"/>
+                    </a:gs>
+                  </a:gsLst>
+                  <a:lin ang="5400000" scaled="0"/>
+                </a:gradFill>
+                <a:effectLst/>
+                <a:latin typeface="+mj-lt"/>
+                <a:ea typeface="+mn-ea"/>
+                <a:cs typeface="Segoe UI" pitchFamily="34" charset="0"/>
+              </a:defRPr>
+            </a:lvl1pPr>
+          </a:lstStyle>
+          <a:p>
+            <a:pPr algn="ctr">
+              <a:spcBef>
+                <a:spcPts val="1200"/>
+              </a:spcBef>
+              <a:spcAft>
+                <a:spcPts val="1200"/>
+              </a:spcAft>
+              <a:defRPr/>
+            </a:pPr>
+            <a:r>
+              <a:rPr lang="en-GB" sz="7200" b="1" dirty="0">
+                <a:solidFill>
+                  <a:schemeClr val="tx1"/>
+                </a:solidFill>
+                <a:effectLst>
+                  <a:outerShdw blurRad="38100" dist="38100" dir="2700000" algn="tl">
+                    <a:srgbClr val="000000">
+                      <a:alpha val="43137"/>
+                    </a:srgbClr>
+                  </a:outerShdw>
+                </a:effectLst>
+                <a:latin typeface="Segoe UI Light"/>
+              </a:rPr>
+              <a:t>Azure Portal</a:t>
+            </a:r>
+          </a:p>
+        </p:txBody>
+      </p:sp>
+    </p:spTree>
+    <p:extLst>
+      <p:ext uri="{BB962C8B-B14F-4D97-AF65-F5344CB8AC3E}">
+        <p14:creationId xmlns:p14="http://schemas.microsoft.com/office/powerpoint/2010/main" val="531307154"/>
       </p:ext>
     </p:extLst>
   </p:cSld>
@@ -9080,106 +9039,10 @@
       </p:grpSpPr>
       <p:pic>
         <p:nvPicPr>
-          <p:cNvPr id="7" name="Picture 6">
-            <a:extLst>
-              <a:ext uri="{FF2B5EF4-FFF2-40B4-BE49-F238E27FC236}">
-                <a16:creationId xmlns:a16="http://schemas.microsoft.com/office/drawing/2014/main" id="{BD13AB21-6598-4C97-809C-8827E0A05676}"/>
-              </a:ext>
-            </a:extLst>
-          </p:cNvPr>
-          <p:cNvPicPr>
-            <a:picLocks noChangeAspect="1"/>
-          </p:cNvPicPr>
-          <p:nvPr/>
-        </p:nvPicPr>
-        <p:blipFill rotWithShape="1">
-          <a:blip r:embed="rId2"/>
-          <a:srcRect t="-242" r="703" b="922"/>
-          <a:stretch/>
-        </p:blipFill>
-        <p:spPr>
-          <a:xfrm>
-            <a:off x="48126" y="43217"/>
-            <a:ext cx="12106275" cy="6582173"/>
-          </a:xfrm>
-          <a:prstGeom prst="rect">
-            <a:avLst/>
-          </a:prstGeom>
-        </p:spPr>
-      </p:pic>
-      <p:sp>
-        <p:nvSpPr>
-          <p:cNvPr id="4" name="Rectangle 3">
-            <a:extLst>
-              <a:ext uri="{FF2B5EF4-FFF2-40B4-BE49-F238E27FC236}">
-                <a16:creationId xmlns:a16="http://schemas.microsoft.com/office/drawing/2014/main" id="{CA33DAEC-5F17-4FF8-97B6-4D83BEFB4B73}"/>
-              </a:ext>
-            </a:extLst>
-          </p:cNvPr>
-          <p:cNvSpPr/>
-          <p:nvPr/>
-        </p:nvSpPr>
-        <p:spPr>
-          <a:xfrm>
-            <a:off x="5654842" y="5496109"/>
-            <a:ext cx="6031831" cy="338554"/>
-          </a:xfrm>
-          <a:prstGeom prst="rect">
-            <a:avLst/>
-          </a:prstGeom>
-        </p:spPr>
-        <p:txBody>
-          <a:bodyPr wrap="square">
-            <a:spAutoFit/>
-          </a:bodyPr>
-          <a:lstStyle/>
-          <a:p>
-            <a:r>
-              <a:rPr lang="en-GB" sz="1600" dirty="0">
-                <a:hlinkClick r:id="rId3"/>
-              </a:rPr>
-              <a:t>https://www.microsoft.com/en-gb/download/details.aspx?id=41937</a:t>
-            </a:r>
-            <a:endParaRPr lang="en-GB" sz="1600" dirty="0"/>
-          </a:p>
-        </p:txBody>
-      </p:sp>
-    </p:spTree>
-    <p:extLst>
-      <p:ext uri="{BB962C8B-B14F-4D97-AF65-F5344CB8AC3E}">
-        <p14:creationId xmlns:p14="http://schemas.microsoft.com/office/powerpoint/2010/main" val="2946166261"/>
-      </p:ext>
-    </p:extLst>
-  </p:cSld>
-  <p:clrMapOvr>
-    <a:masterClrMapping/>
-  </p:clrMapOvr>
-</p:sld>
-</file>
-
-<file path=ppt/slides/slide4.xml><?xml version="1.0" encoding="utf-8"?>
-<p:sld xmlns:a="http://schemas.openxmlformats.org/drawingml/2006/main" xmlns:r="http://schemas.openxmlformats.org/officeDocument/2006/relationships" xmlns:p="http://schemas.openxmlformats.org/presentationml/2006/main">
-  <p:cSld>
-    <p:spTree>
-      <p:nvGrpSpPr>
-        <p:cNvPr id="1" name=""/>
-        <p:cNvGrpSpPr/>
-        <p:nvPr/>
-      </p:nvGrpSpPr>
-      <p:grpSpPr>
-        <a:xfrm>
-          <a:off x="0" y="0"/>
-          <a:ext cx="0" cy="0"/>
-          <a:chOff x="0" y="0"/>
-          <a:chExt cx="0" cy="0"/>
-        </a:xfrm>
-      </p:grpSpPr>
-      <p:pic>
-        <p:nvPicPr>
-          <p:cNvPr id="3" name="Picture 2">
-            <a:extLst>
-              <a:ext uri="{FF2B5EF4-FFF2-40B4-BE49-F238E27FC236}">
-                <a16:creationId xmlns:a16="http://schemas.microsoft.com/office/drawing/2014/main" id="{865FD3B7-6122-4AB9-9EA6-7B249A3B65A4}"/>
+          <p:cNvPr id="4" name="Picture 3">
+            <a:extLst>
+              <a:ext uri="{FF2B5EF4-FFF2-40B4-BE49-F238E27FC236}">
+                <a16:creationId xmlns:a16="http://schemas.microsoft.com/office/drawing/2014/main" id="{A5952FD6-013B-4B15-A3E1-35E28832EB9E}"/>
               </a:ext>
             </a:extLst>
           </p:cNvPr>
@@ -9196,8 +9059,8 @@
         </p:blipFill>
         <p:spPr>
           <a:xfrm>
-            <a:off x="2030042" y="0"/>
-            <a:ext cx="8131915" cy="6847018"/>
+            <a:off x="1753809" y="52199"/>
+            <a:ext cx="8684382" cy="6753601"/>
           </a:xfrm>
           <a:prstGeom prst="rect">
             <a:avLst/>
@@ -9291,7 +9154,7 @@
                 </a:effectLst>
                 <a:latin typeface="Segoe UI Light"/>
               </a:rPr>
-              <a:t>Cosmos DB</a:t>
+              <a:t>Stream Analytics</a:t>
             </a:r>
           </a:p>
         </p:txBody>
@@ -9299,7 +9162,1643 @@
     </p:spTree>
     <p:extLst>
       <p:ext uri="{BB962C8B-B14F-4D97-AF65-F5344CB8AC3E}">
-        <p14:creationId xmlns:p14="http://schemas.microsoft.com/office/powerpoint/2010/main" val="2680484976"/>
+        <p14:creationId xmlns:p14="http://schemas.microsoft.com/office/powerpoint/2010/main" val="2031741729"/>
+      </p:ext>
+    </p:extLst>
+  </p:cSld>
+  <p:clrMapOvr>
+    <a:masterClrMapping/>
+  </p:clrMapOvr>
+  <p:timing>
+    <p:tnLst>
+      <p:par>
+        <p:cTn id="1" dur="indefinite" restart="never" nodeType="tmRoot">
+          <p:childTnLst>
+            <p:seq concurrent="1" nextAc="seek">
+              <p:cTn id="2" dur="indefinite" nodeType="mainSeq">
+                <p:childTnLst>
+                  <p:par>
+                    <p:cTn id="3" fill="hold">
+                      <p:stCondLst>
+                        <p:cond delay="indefinite"/>
+                      </p:stCondLst>
+                      <p:childTnLst>
+                        <p:par>
+                          <p:cTn id="4" fill="hold">
+                            <p:stCondLst>
+                              <p:cond delay="0"/>
+                            </p:stCondLst>
+                            <p:childTnLst>
+                              <p:par>
+                                <p:cTn id="5" presetID="10" presetClass="entr" presetSubtype="0" fill="hold" grpId="0" nodeType="clickEffect">
+                                  <p:stCondLst>
+                                    <p:cond delay="0"/>
+                                  </p:stCondLst>
+                                  <p:childTnLst>
+                                    <p:set>
+                                      <p:cBhvr>
+                                        <p:cTn id="6" dur="1" fill="hold">
+                                          <p:stCondLst>
+                                            <p:cond delay="0"/>
+                                          </p:stCondLst>
+                                        </p:cTn>
+                                        <p:tgtEl>
+                                          <p:spTgt spid="9"/>
+                                        </p:tgtEl>
+                                        <p:attrNameLst>
+                                          <p:attrName>style.visibility</p:attrName>
+                                        </p:attrNameLst>
+                                      </p:cBhvr>
+                                      <p:to>
+                                        <p:strVal val="visible"/>
+                                      </p:to>
+                                    </p:set>
+                                    <p:animEffect transition="in" filter="fade">
+                                      <p:cBhvr>
+                                        <p:cTn id="7" dur="500"/>
+                                        <p:tgtEl>
+                                          <p:spTgt spid="9"/>
+                                        </p:tgtEl>
+                                      </p:cBhvr>
+                                    </p:animEffect>
+                                  </p:childTnLst>
+                                </p:cTn>
+                              </p:par>
+                            </p:childTnLst>
+                          </p:cTn>
+                        </p:par>
+                      </p:childTnLst>
+                    </p:cTn>
+                  </p:par>
+                </p:childTnLst>
+              </p:cTn>
+              <p:prevCondLst>
+                <p:cond evt="onPrev" delay="0">
+                  <p:tgtEl>
+                    <p:sldTgt/>
+                  </p:tgtEl>
+                </p:cond>
+              </p:prevCondLst>
+              <p:nextCondLst>
+                <p:cond evt="onNext" delay="0">
+                  <p:tgtEl>
+                    <p:sldTgt/>
+                  </p:tgtEl>
+                </p:cond>
+              </p:nextCondLst>
+            </p:seq>
+          </p:childTnLst>
+        </p:cTn>
+      </p:par>
+    </p:tnLst>
+    <p:bldLst>
+      <p:bldP spid="9" grpId="0" animBg="1"/>
+    </p:bldLst>
+  </p:timing>
+</p:sld>
+</file>
+
+<file path=ppt/slides/slide31.xml><?xml version="1.0" encoding="utf-8"?>
+<p:sld xmlns:a="http://schemas.openxmlformats.org/drawingml/2006/main" xmlns:r="http://schemas.openxmlformats.org/officeDocument/2006/relationships" xmlns:p="http://schemas.openxmlformats.org/presentationml/2006/main">
+  <p:cSld>
+    <p:spTree>
+      <p:nvGrpSpPr>
+        <p:cNvPr id="1" name=""/>
+        <p:cNvGrpSpPr/>
+        <p:nvPr/>
+      </p:nvGrpSpPr>
+      <p:grpSpPr>
+        <a:xfrm>
+          <a:off x="0" y="0"/>
+          <a:ext cx="0" cy="0"/>
+          <a:chOff x="0" y="0"/>
+          <a:chExt cx="0" cy="0"/>
+        </a:xfrm>
+      </p:grpSpPr>
+      <p:pic>
+        <p:nvPicPr>
+          <p:cNvPr id="3" name="Picture 2">
+            <a:extLst>
+              <a:ext uri="{FF2B5EF4-FFF2-40B4-BE49-F238E27FC236}">
+                <a16:creationId xmlns:a16="http://schemas.microsoft.com/office/drawing/2014/main" id="{2E4ACD74-D39D-4621-81F3-565B9AEE80B1}"/>
+              </a:ext>
+            </a:extLst>
+          </p:cNvPr>
+          <p:cNvPicPr>
+            <a:picLocks noChangeAspect="1"/>
+          </p:cNvPicPr>
+          <p:nvPr/>
+        </p:nvPicPr>
+        <p:blipFill>
+          <a:blip r:embed="rId2"/>
+          <a:stretch>
+            <a:fillRect/>
+          </a:stretch>
+        </p:blipFill>
+        <p:spPr>
+          <a:xfrm>
+            <a:off x="1518669" y="0"/>
+            <a:ext cx="9154662" cy="6858000"/>
+          </a:xfrm>
+          <a:prstGeom prst="rect">
+            <a:avLst/>
+          </a:prstGeom>
+        </p:spPr>
+      </p:pic>
+      <p:sp>
+        <p:nvSpPr>
+          <p:cNvPr id="9" name="Title 2">
+            <a:extLst>
+              <a:ext uri="{FF2B5EF4-FFF2-40B4-BE49-F238E27FC236}">
+                <a16:creationId xmlns:a16="http://schemas.microsoft.com/office/drawing/2014/main" id="{CB877719-98D4-4914-B56E-634238E5C0E6}"/>
+              </a:ext>
+            </a:extLst>
+          </p:cNvPr>
+          <p:cNvSpPr txBox="1">
+            <a:spLocks/>
+          </p:cNvSpPr>
+          <p:nvPr/>
+        </p:nvSpPr>
+        <p:spPr>
+          <a:xfrm>
+            <a:off x="1" y="2834881"/>
+            <a:ext cx="12191999" cy="1191639"/>
+          </a:xfrm>
+          <a:prstGeom prst="rect">
+            <a:avLst/>
+          </a:prstGeom>
+          <a:solidFill>
+            <a:schemeClr val="bg1">
+              <a:alpha val="50000"/>
+            </a:schemeClr>
+          </a:solidFill>
+        </p:spPr>
+        <p:txBody>
+          <a:bodyPr vert="horz" wrap="square" lIns="143428" tIns="89642" rIns="143428" bIns="89642" rtlCol="0" anchor="t" anchorCtr="0">
+            <a:noAutofit/>
+          </a:bodyPr>
+          <a:lstStyle>
+            <a:lvl1pPr algn="l" defTabSz="932578" rtl="0" eaLnBrk="1" latinLnBrk="0" hangingPunct="1">
+              <a:lnSpc>
+                <a:spcPct val="90000"/>
+              </a:lnSpc>
+              <a:spcBef>
+                <a:spcPct val="0"/>
+              </a:spcBef>
+              <a:buNone/>
+              <a:defRPr lang="en-US" sz="5999" b="0" kern="1200" cap="none" spc="-100" baseline="0">
+                <a:ln w="3175">
+                  <a:noFill/>
+                </a:ln>
+                <a:gradFill>
+                  <a:gsLst>
+                    <a:gs pos="3333">
+                      <a:schemeClr val="tx1"/>
+                    </a:gs>
+                    <a:gs pos="39000">
+                      <a:schemeClr val="tx1"/>
+                    </a:gs>
+                  </a:gsLst>
+                  <a:lin ang="5400000" scaled="0"/>
+                </a:gradFill>
+                <a:effectLst/>
+                <a:latin typeface="+mj-lt"/>
+                <a:ea typeface="+mn-ea"/>
+                <a:cs typeface="Segoe UI" pitchFamily="34" charset="0"/>
+              </a:defRPr>
+            </a:lvl1pPr>
+          </a:lstStyle>
+          <a:p>
+            <a:pPr algn="ctr">
+              <a:spcBef>
+                <a:spcPts val="1200"/>
+              </a:spcBef>
+              <a:spcAft>
+                <a:spcPts val="1200"/>
+              </a:spcAft>
+              <a:defRPr/>
+            </a:pPr>
+            <a:r>
+              <a:rPr lang="en-GB" sz="7200" b="1" dirty="0">
+                <a:solidFill>
+                  <a:schemeClr val="tx1"/>
+                </a:solidFill>
+                <a:effectLst>
+                  <a:outerShdw blurRad="38100" dist="38100" dir="2700000" algn="tl">
+                    <a:srgbClr val="000000">
+                      <a:alpha val="43137"/>
+                    </a:srgbClr>
+                  </a:outerShdw>
+                </a:effectLst>
+                <a:latin typeface="Segoe UI Light"/>
+              </a:rPr>
+              <a:t>Power BI</a:t>
+            </a:r>
+          </a:p>
+        </p:txBody>
+      </p:sp>
+    </p:spTree>
+    <p:extLst>
+      <p:ext uri="{BB962C8B-B14F-4D97-AF65-F5344CB8AC3E}">
+        <p14:creationId xmlns:p14="http://schemas.microsoft.com/office/powerpoint/2010/main" val="2067566175"/>
+      </p:ext>
+    </p:extLst>
+  </p:cSld>
+  <p:clrMapOvr>
+    <a:masterClrMapping/>
+  </p:clrMapOvr>
+  <p:timing>
+    <p:tnLst>
+      <p:par>
+        <p:cTn id="1" dur="indefinite" restart="never" nodeType="tmRoot">
+          <p:childTnLst>
+            <p:seq concurrent="1" nextAc="seek">
+              <p:cTn id="2" dur="indefinite" nodeType="mainSeq">
+                <p:childTnLst>
+                  <p:par>
+                    <p:cTn id="3" fill="hold">
+                      <p:stCondLst>
+                        <p:cond delay="indefinite"/>
+                      </p:stCondLst>
+                      <p:childTnLst>
+                        <p:par>
+                          <p:cTn id="4" fill="hold">
+                            <p:stCondLst>
+                              <p:cond delay="0"/>
+                            </p:stCondLst>
+                            <p:childTnLst>
+                              <p:par>
+                                <p:cTn id="5" presetID="10" presetClass="entr" presetSubtype="0" fill="hold" grpId="0" nodeType="clickEffect">
+                                  <p:stCondLst>
+                                    <p:cond delay="0"/>
+                                  </p:stCondLst>
+                                  <p:childTnLst>
+                                    <p:set>
+                                      <p:cBhvr>
+                                        <p:cTn id="6" dur="1" fill="hold">
+                                          <p:stCondLst>
+                                            <p:cond delay="0"/>
+                                          </p:stCondLst>
+                                        </p:cTn>
+                                        <p:tgtEl>
+                                          <p:spTgt spid="9"/>
+                                        </p:tgtEl>
+                                        <p:attrNameLst>
+                                          <p:attrName>style.visibility</p:attrName>
+                                        </p:attrNameLst>
+                                      </p:cBhvr>
+                                      <p:to>
+                                        <p:strVal val="visible"/>
+                                      </p:to>
+                                    </p:set>
+                                    <p:animEffect transition="in" filter="fade">
+                                      <p:cBhvr>
+                                        <p:cTn id="7" dur="500"/>
+                                        <p:tgtEl>
+                                          <p:spTgt spid="9"/>
+                                        </p:tgtEl>
+                                      </p:cBhvr>
+                                    </p:animEffect>
+                                  </p:childTnLst>
+                                </p:cTn>
+                              </p:par>
+                            </p:childTnLst>
+                          </p:cTn>
+                        </p:par>
+                      </p:childTnLst>
+                    </p:cTn>
+                  </p:par>
+                </p:childTnLst>
+              </p:cTn>
+              <p:prevCondLst>
+                <p:cond evt="onPrev" delay="0">
+                  <p:tgtEl>
+                    <p:sldTgt/>
+                  </p:tgtEl>
+                </p:cond>
+              </p:prevCondLst>
+              <p:nextCondLst>
+                <p:cond evt="onNext" delay="0">
+                  <p:tgtEl>
+                    <p:sldTgt/>
+                  </p:tgtEl>
+                </p:cond>
+              </p:nextCondLst>
+            </p:seq>
+          </p:childTnLst>
+        </p:cTn>
+      </p:par>
+    </p:tnLst>
+    <p:bldLst>
+      <p:bldP spid="9" grpId="0" animBg="1"/>
+    </p:bldLst>
+  </p:timing>
+</p:sld>
+</file>
+
+<file path=ppt/slides/slide32.xml><?xml version="1.0" encoding="utf-8"?>
+<p:sld xmlns:a="http://schemas.openxmlformats.org/drawingml/2006/main" xmlns:r="http://schemas.openxmlformats.org/officeDocument/2006/relationships" xmlns:p="http://schemas.openxmlformats.org/presentationml/2006/main">
+  <p:cSld>
+    <p:spTree>
+      <p:nvGrpSpPr>
+        <p:cNvPr id="1" name=""/>
+        <p:cNvGrpSpPr/>
+        <p:nvPr/>
+      </p:nvGrpSpPr>
+      <p:grpSpPr>
+        <a:xfrm>
+          <a:off x="0" y="0"/>
+          <a:ext cx="0" cy="0"/>
+          <a:chOff x="0" y="0"/>
+          <a:chExt cx="0" cy="0"/>
+        </a:xfrm>
+      </p:grpSpPr>
+      <p:pic>
+        <p:nvPicPr>
+          <p:cNvPr id="2" name="Picture 1">
+            <a:extLst>
+              <a:ext uri="{FF2B5EF4-FFF2-40B4-BE49-F238E27FC236}">
+                <a16:creationId xmlns:a16="http://schemas.microsoft.com/office/drawing/2014/main" id="{CB00F877-62D4-4191-A1C0-BCA26D3AAD76}"/>
+              </a:ext>
+            </a:extLst>
+          </p:cNvPr>
+          <p:cNvPicPr>
+            <a:picLocks noChangeAspect="1"/>
+          </p:cNvPicPr>
+          <p:nvPr/>
+        </p:nvPicPr>
+        <p:blipFill>
+          <a:blip r:embed="rId2"/>
+          <a:stretch>
+            <a:fillRect/>
+          </a:stretch>
+        </p:blipFill>
+        <p:spPr>
+          <a:xfrm>
+            <a:off x="2925440" y="52199"/>
+            <a:ext cx="6341119" cy="6753601"/>
+          </a:xfrm>
+          <a:prstGeom prst="rect">
+            <a:avLst/>
+          </a:prstGeom>
+        </p:spPr>
+      </p:pic>
+      <p:sp>
+        <p:nvSpPr>
+          <p:cNvPr id="9" name="Title 2">
+            <a:extLst>
+              <a:ext uri="{FF2B5EF4-FFF2-40B4-BE49-F238E27FC236}">
+                <a16:creationId xmlns:a16="http://schemas.microsoft.com/office/drawing/2014/main" id="{CB877719-98D4-4914-B56E-634238E5C0E6}"/>
+              </a:ext>
+            </a:extLst>
+          </p:cNvPr>
+          <p:cNvSpPr txBox="1">
+            <a:spLocks/>
+          </p:cNvSpPr>
+          <p:nvPr/>
+        </p:nvSpPr>
+        <p:spPr>
+          <a:xfrm>
+            <a:off x="1" y="2834881"/>
+            <a:ext cx="12191999" cy="1191639"/>
+          </a:xfrm>
+          <a:prstGeom prst="rect">
+            <a:avLst/>
+          </a:prstGeom>
+          <a:solidFill>
+            <a:schemeClr val="bg1">
+              <a:alpha val="50000"/>
+            </a:schemeClr>
+          </a:solidFill>
+        </p:spPr>
+        <p:txBody>
+          <a:bodyPr vert="horz" wrap="square" lIns="143428" tIns="89642" rIns="143428" bIns="89642" rtlCol="0" anchor="t" anchorCtr="0">
+            <a:noAutofit/>
+          </a:bodyPr>
+          <a:lstStyle>
+            <a:lvl1pPr algn="l" defTabSz="932578" rtl="0" eaLnBrk="1" latinLnBrk="0" hangingPunct="1">
+              <a:lnSpc>
+                <a:spcPct val="90000"/>
+              </a:lnSpc>
+              <a:spcBef>
+                <a:spcPct val="0"/>
+              </a:spcBef>
+              <a:buNone/>
+              <a:defRPr lang="en-US" sz="5999" b="0" kern="1200" cap="none" spc="-100" baseline="0">
+                <a:ln w="3175">
+                  <a:noFill/>
+                </a:ln>
+                <a:gradFill>
+                  <a:gsLst>
+                    <a:gs pos="3333">
+                      <a:schemeClr val="tx1"/>
+                    </a:gs>
+                    <a:gs pos="39000">
+                      <a:schemeClr val="tx1"/>
+                    </a:gs>
+                  </a:gsLst>
+                  <a:lin ang="5400000" scaled="0"/>
+                </a:gradFill>
+                <a:effectLst/>
+                <a:latin typeface="+mj-lt"/>
+                <a:ea typeface="+mn-ea"/>
+                <a:cs typeface="Segoe UI" pitchFamily="34" charset="0"/>
+              </a:defRPr>
+            </a:lvl1pPr>
+          </a:lstStyle>
+          <a:p>
+            <a:pPr algn="ctr">
+              <a:spcBef>
+                <a:spcPts val="1200"/>
+              </a:spcBef>
+              <a:spcAft>
+                <a:spcPts val="1200"/>
+              </a:spcAft>
+              <a:defRPr/>
+            </a:pPr>
+            <a:r>
+              <a:rPr lang="en-GB" sz="7200" b="1" dirty="0">
+                <a:solidFill>
+                  <a:schemeClr val="tx1"/>
+                </a:solidFill>
+                <a:effectLst>
+                  <a:outerShdw blurRad="38100" dist="38100" dir="2700000" algn="tl">
+                    <a:srgbClr val="000000">
+                      <a:alpha val="43137"/>
+                    </a:srgbClr>
+                  </a:outerShdw>
+                </a:effectLst>
+                <a:latin typeface="Segoe UI Light"/>
+              </a:rPr>
+              <a:t>Data Catalogue</a:t>
+            </a:r>
+          </a:p>
+        </p:txBody>
+      </p:sp>
+    </p:spTree>
+    <p:extLst>
+      <p:ext uri="{BB962C8B-B14F-4D97-AF65-F5344CB8AC3E}">
+        <p14:creationId xmlns:p14="http://schemas.microsoft.com/office/powerpoint/2010/main" val="4014089120"/>
+      </p:ext>
+    </p:extLst>
+  </p:cSld>
+  <p:clrMapOvr>
+    <a:masterClrMapping/>
+  </p:clrMapOvr>
+  <p:timing>
+    <p:tnLst>
+      <p:par>
+        <p:cTn id="1" dur="indefinite" restart="never" nodeType="tmRoot">
+          <p:childTnLst>
+            <p:seq concurrent="1" nextAc="seek">
+              <p:cTn id="2" dur="indefinite" nodeType="mainSeq">
+                <p:childTnLst>
+                  <p:par>
+                    <p:cTn id="3" fill="hold">
+                      <p:stCondLst>
+                        <p:cond delay="indefinite"/>
+                      </p:stCondLst>
+                      <p:childTnLst>
+                        <p:par>
+                          <p:cTn id="4" fill="hold">
+                            <p:stCondLst>
+                              <p:cond delay="0"/>
+                            </p:stCondLst>
+                            <p:childTnLst>
+                              <p:par>
+                                <p:cTn id="5" presetID="10" presetClass="entr" presetSubtype="0" fill="hold" grpId="0" nodeType="clickEffect">
+                                  <p:stCondLst>
+                                    <p:cond delay="0"/>
+                                  </p:stCondLst>
+                                  <p:childTnLst>
+                                    <p:set>
+                                      <p:cBhvr>
+                                        <p:cTn id="6" dur="1" fill="hold">
+                                          <p:stCondLst>
+                                            <p:cond delay="0"/>
+                                          </p:stCondLst>
+                                        </p:cTn>
+                                        <p:tgtEl>
+                                          <p:spTgt spid="9"/>
+                                        </p:tgtEl>
+                                        <p:attrNameLst>
+                                          <p:attrName>style.visibility</p:attrName>
+                                        </p:attrNameLst>
+                                      </p:cBhvr>
+                                      <p:to>
+                                        <p:strVal val="visible"/>
+                                      </p:to>
+                                    </p:set>
+                                    <p:animEffect transition="in" filter="fade">
+                                      <p:cBhvr>
+                                        <p:cTn id="7" dur="500"/>
+                                        <p:tgtEl>
+                                          <p:spTgt spid="9"/>
+                                        </p:tgtEl>
+                                      </p:cBhvr>
+                                    </p:animEffect>
+                                  </p:childTnLst>
+                                </p:cTn>
+                              </p:par>
+                            </p:childTnLst>
+                          </p:cTn>
+                        </p:par>
+                      </p:childTnLst>
+                    </p:cTn>
+                  </p:par>
+                </p:childTnLst>
+              </p:cTn>
+              <p:prevCondLst>
+                <p:cond evt="onPrev" delay="0">
+                  <p:tgtEl>
+                    <p:sldTgt/>
+                  </p:tgtEl>
+                </p:cond>
+              </p:prevCondLst>
+              <p:nextCondLst>
+                <p:cond evt="onNext" delay="0">
+                  <p:tgtEl>
+                    <p:sldTgt/>
+                  </p:tgtEl>
+                </p:cond>
+              </p:nextCondLst>
+            </p:seq>
+          </p:childTnLst>
+        </p:cTn>
+      </p:par>
+    </p:tnLst>
+    <p:bldLst>
+      <p:bldP spid="9" grpId="0" animBg="1"/>
+    </p:bldLst>
+  </p:timing>
+</p:sld>
+</file>
+
+<file path=ppt/slides/slide33.xml><?xml version="1.0" encoding="utf-8"?>
+<p:sld xmlns:a="http://schemas.openxmlformats.org/drawingml/2006/main" xmlns:r="http://schemas.openxmlformats.org/officeDocument/2006/relationships" xmlns:p="http://schemas.openxmlformats.org/presentationml/2006/main">
+  <p:cSld>
+    <p:spTree>
+      <p:nvGrpSpPr>
+        <p:cNvPr id="1" name=""/>
+        <p:cNvGrpSpPr/>
+        <p:nvPr/>
+      </p:nvGrpSpPr>
+      <p:grpSpPr>
+        <a:xfrm>
+          <a:off x="0" y="0"/>
+          <a:ext cx="0" cy="0"/>
+          <a:chOff x="0" y="0"/>
+          <a:chExt cx="0" cy="0"/>
+        </a:xfrm>
+      </p:grpSpPr>
+      <p:pic>
+        <p:nvPicPr>
+          <p:cNvPr id="3" name="Picture 2">
+            <a:extLst>
+              <a:ext uri="{FF2B5EF4-FFF2-40B4-BE49-F238E27FC236}">
+                <a16:creationId xmlns:a16="http://schemas.microsoft.com/office/drawing/2014/main" id="{C05ADA2A-281E-4FD1-B782-E3CA3666A6F6}"/>
+              </a:ext>
+            </a:extLst>
+          </p:cNvPr>
+          <p:cNvPicPr>
+            <a:picLocks noChangeAspect="1"/>
+          </p:cNvPicPr>
+          <p:nvPr/>
+        </p:nvPicPr>
+        <p:blipFill>
+          <a:blip r:embed="rId2"/>
+          <a:stretch>
+            <a:fillRect/>
+          </a:stretch>
+        </p:blipFill>
+        <p:spPr>
+          <a:xfrm>
+            <a:off x="3018139" y="0"/>
+            <a:ext cx="6155721" cy="6858000"/>
+          </a:xfrm>
+          <a:prstGeom prst="rect">
+            <a:avLst/>
+          </a:prstGeom>
+        </p:spPr>
+      </p:pic>
+      <p:sp>
+        <p:nvSpPr>
+          <p:cNvPr id="9" name="Title 2">
+            <a:extLst>
+              <a:ext uri="{FF2B5EF4-FFF2-40B4-BE49-F238E27FC236}">
+                <a16:creationId xmlns:a16="http://schemas.microsoft.com/office/drawing/2014/main" id="{CB877719-98D4-4914-B56E-634238E5C0E6}"/>
+              </a:ext>
+            </a:extLst>
+          </p:cNvPr>
+          <p:cNvSpPr txBox="1">
+            <a:spLocks/>
+          </p:cNvSpPr>
+          <p:nvPr/>
+        </p:nvSpPr>
+        <p:spPr>
+          <a:xfrm>
+            <a:off x="1" y="2834881"/>
+            <a:ext cx="12191999" cy="1191639"/>
+          </a:xfrm>
+          <a:prstGeom prst="rect">
+            <a:avLst/>
+          </a:prstGeom>
+          <a:solidFill>
+            <a:schemeClr val="bg1">
+              <a:alpha val="50000"/>
+            </a:schemeClr>
+          </a:solidFill>
+        </p:spPr>
+        <p:txBody>
+          <a:bodyPr vert="horz" wrap="square" lIns="143428" tIns="89642" rIns="143428" bIns="89642" rtlCol="0" anchor="t" anchorCtr="0">
+            <a:noAutofit/>
+          </a:bodyPr>
+          <a:lstStyle>
+            <a:lvl1pPr algn="l" defTabSz="932578" rtl="0" eaLnBrk="1" latinLnBrk="0" hangingPunct="1">
+              <a:lnSpc>
+                <a:spcPct val="90000"/>
+              </a:lnSpc>
+              <a:spcBef>
+                <a:spcPct val="0"/>
+              </a:spcBef>
+              <a:buNone/>
+              <a:defRPr lang="en-US" sz="5999" b="0" kern="1200" cap="none" spc="-100" baseline="0">
+                <a:ln w="3175">
+                  <a:noFill/>
+                </a:ln>
+                <a:gradFill>
+                  <a:gsLst>
+                    <a:gs pos="3333">
+                      <a:schemeClr val="tx1"/>
+                    </a:gs>
+                    <a:gs pos="39000">
+                      <a:schemeClr val="tx1"/>
+                    </a:gs>
+                  </a:gsLst>
+                  <a:lin ang="5400000" scaled="0"/>
+                </a:gradFill>
+                <a:effectLst/>
+                <a:latin typeface="+mj-lt"/>
+                <a:ea typeface="+mn-ea"/>
+                <a:cs typeface="Segoe UI" pitchFamily="34" charset="0"/>
+              </a:defRPr>
+            </a:lvl1pPr>
+          </a:lstStyle>
+          <a:p>
+            <a:pPr algn="ctr">
+              <a:spcBef>
+                <a:spcPts val="1200"/>
+              </a:spcBef>
+              <a:spcAft>
+                <a:spcPts val="1200"/>
+              </a:spcAft>
+              <a:defRPr/>
+            </a:pPr>
+            <a:r>
+              <a:rPr lang="en-GB" sz="7200" b="1" dirty="0">
+                <a:solidFill>
+                  <a:schemeClr val="tx1"/>
+                </a:solidFill>
+                <a:effectLst>
+                  <a:outerShdw blurRad="38100" dist="38100" dir="2700000" algn="tl">
+                    <a:srgbClr val="000000">
+                      <a:alpha val="43137"/>
+                    </a:srgbClr>
+                  </a:outerShdw>
+                </a:effectLst>
+                <a:latin typeface="Segoe UI Light"/>
+              </a:rPr>
+              <a:t>Key Vault</a:t>
+            </a:r>
+          </a:p>
+        </p:txBody>
+      </p:sp>
+    </p:spTree>
+    <p:extLst>
+      <p:ext uri="{BB962C8B-B14F-4D97-AF65-F5344CB8AC3E}">
+        <p14:creationId xmlns:p14="http://schemas.microsoft.com/office/powerpoint/2010/main" val="1384612691"/>
+      </p:ext>
+    </p:extLst>
+  </p:cSld>
+  <p:clrMapOvr>
+    <a:masterClrMapping/>
+  </p:clrMapOvr>
+  <p:timing>
+    <p:tnLst>
+      <p:par>
+        <p:cTn id="1" dur="indefinite" restart="never" nodeType="tmRoot">
+          <p:childTnLst>
+            <p:seq concurrent="1" nextAc="seek">
+              <p:cTn id="2" dur="indefinite" nodeType="mainSeq">
+                <p:childTnLst>
+                  <p:par>
+                    <p:cTn id="3" fill="hold">
+                      <p:stCondLst>
+                        <p:cond delay="indefinite"/>
+                      </p:stCondLst>
+                      <p:childTnLst>
+                        <p:par>
+                          <p:cTn id="4" fill="hold">
+                            <p:stCondLst>
+                              <p:cond delay="0"/>
+                            </p:stCondLst>
+                            <p:childTnLst>
+                              <p:par>
+                                <p:cTn id="5" presetID="10" presetClass="entr" presetSubtype="0" fill="hold" grpId="0" nodeType="clickEffect">
+                                  <p:stCondLst>
+                                    <p:cond delay="0"/>
+                                  </p:stCondLst>
+                                  <p:childTnLst>
+                                    <p:set>
+                                      <p:cBhvr>
+                                        <p:cTn id="6" dur="1" fill="hold">
+                                          <p:stCondLst>
+                                            <p:cond delay="0"/>
+                                          </p:stCondLst>
+                                        </p:cTn>
+                                        <p:tgtEl>
+                                          <p:spTgt spid="9"/>
+                                        </p:tgtEl>
+                                        <p:attrNameLst>
+                                          <p:attrName>style.visibility</p:attrName>
+                                        </p:attrNameLst>
+                                      </p:cBhvr>
+                                      <p:to>
+                                        <p:strVal val="visible"/>
+                                      </p:to>
+                                    </p:set>
+                                    <p:animEffect transition="in" filter="fade">
+                                      <p:cBhvr>
+                                        <p:cTn id="7" dur="500"/>
+                                        <p:tgtEl>
+                                          <p:spTgt spid="9"/>
+                                        </p:tgtEl>
+                                      </p:cBhvr>
+                                    </p:animEffect>
+                                  </p:childTnLst>
+                                </p:cTn>
+                              </p:par>
+                            </p:childTnLst>
+                          </p:cTn>
+                        </p:par>
+                      </p:childTnLst>
+                    </p:cTn>
+                  </p:par>
+                </p:childTnLst>
+              </p:cTn>
+              <p:prevCondLst>
+                <p:cond evt="onPrev" delay="0">
+                  <p:tgtEl>
+                    <p:sldTgt/>
+                  </p:tgtEl>
+                </p:cond>
+              </p:prevCondLst>
+              <p:nextCondLst>
+                <p:cond evt="onNext" delay="0">
+                  <p:tgtEl>
+                    <p:sldTgt/>
+                  </p:tgtEl>
+                </p:cond>
+              </p:nextCondLst>
+            </p:seq>
+          </p:childTnLst>
+        </p:cTn>
+      </p:par>
+    </p:tnLst>
+    <p:bldLst>
+      <p:bldP spid="9" grpId="0" animBg="1"/>
+    </p:bldLst>
+  </p:timing>
+</p:sld>
+</file>
+
+<file path=ppt/slides/slide34.xml><?xml version="1.0" encoding="utf-8"?>
+<p:sld xmlns:a="http://schemas.openxmlformats.org/drawingml/2006/main" xmlns:r="http://schemas.openxmlformats.org/officeDocument/2006/relationships" xmlns:p="http://schemas.openxmlformats.org/presentationml/2006/main">
+  <p:cSld>
+    <p:spTree>
+      <p:nvGrpSpPr>
+        <p:cNvPr id="1" name=""/>
+        <p:cNvGrpSpPr/>
+        <p:nvPr/>
+      </p:nvGrpSpPr>
+      <p:grpSpPr>
+        <a:xfrm>
+          <a:off x="0" y="0"/>
+          <a:ext cx="0" cy="0"/>
+          <a:chOff x="0" y="0"/>
+          <a:chExt cx="0" cy="0"/>
+        </a:xfrm>
+      </p:grpSpPr>
+      <p:pic>
+        <p:nvPicPr>
+          <p:cNvPr id="3" name="Picture 2">
+            <a:extLst>
+              <a:ext uri="{FF2B5EF4-FFF2-40B4-BE49-F238E27FC236}">
+                <a16:creationId xmlns:a16="http://schemas.microsoft.com/office/drawing/2014/main" id="{74973D8E-18EE-4246-87CE-C4094D70B0FC}"/>
+              </a:ext>
+            </a:extLst>
+          </p:cNvPr>
+          <p:cNvPicPr>
+            <a:picLocks noChangeAspect="1"/>
+          </p:cNvPicPr>
+          <p:nvPr/>
+        </p:nvPicPr>
+        <p:blipFill>
+          <a:blip r:embed="rId2">
+            <a:extLst>
+              <a:ext uri="{28A0092B-C50C-407E-A947-70E740481C1C}">
+                <a14:useLocalDpi xmlns:a14="http://schemas.microsoft.com/office/drawing/2010/main" val="0"/>
+              </a:ext>
+            </a:extLst>
+          </a:blip>
+          <a:stretch>
+            <a:fillRect/>
+          </a:stretch>
+        </p:blipFill>
+        <p:spPr>
+          <a:xfrm>
+            <a:off x="1396060" y="9828"/>
+            <a:ext cx="8337994" cy="6858000"/>
+          </a:xfrm>
+          <a:prstGeom prst="rect">
+            <a:avLst/>
+          </a:prstGeom>
+        </p:spPr>
+      </p:pic>
+      <p:sp>
+        <p:nvSpPr>
+          <p:cNvPr id="4" name="Title 2">
+            <a:extLst>
+              <a:ext uri="{FF2B5EF4-FFF2-40B4-BE49-F238E27FC236}">
+                <a16:creationId xmlns:a16="http://schemas.microsoft.com/office/drawing/2014/main" id="{E2398736-2F8F-40B5-8F1C-75F0EE40E1F1}"/>
+              </a:ext>
+            </a:extLst>
+          </p:cNvPr>
+          <p:cNvSpPr txBox="1">
+            <a:spLocks/>
+          </p:cNvSpPr>
+          <p:nvPr/>
+        </p:nvSpPr>
+        <p:spPr>
+          <a:xfrm>
+            <a:off x="1" y="2834881"/>
+            <a:ext cx="12191999" cy="1191639"/>
+          </a:xfrm>
+          <a:prstGeom prst="rect">
+            <a:avLst/>
+          </a:prstGeom>
+          <a:solidFill>
+            <a:schemeClr val="bg1">
+              <a:alpha val="50000"/>
+            </a:schemeClr>
+          </a:solidFill>
+        </p:spPr>
+        <p:txBody>
+          <a:bodyPr vert="horz" wrap="square" lIns="143428" tIns="89642" rIns="143428" bIns="89642" rtlCol="0" anchor="t" anchorCtr="0">
+            <a:noAutofit/>
+          </a:bodyPr>
+          <a:lstStyle>
+            <a:lvl1pPr algn="l" defTabSz="932578" rtl="0" eaLnBrk="1" latinLnBrk="0" hangingPunct="1">
+              <a:lnSpc>
+                <a:spcPct val="90000"/>
+              </a:lnSpc>
+              <a:spcBef>
+                <a:spcPct val="0"/>
+              </a:spcBef>
+              <a:buNone/>
+              <a:defRPr lang="en-US" sz="5999" b="0" kern="1200" cap="none" spc="-100" baseline="0">
+                <a:ln w="3175">
+                  <a:noFill/>
+                </a:ln>
+                <a:gradFill>
+                  <a:gsLst>
+                    <a:gs pos="3333">
+                      <a:schemeClr val="tx1"/>
+                    </a:gs>
+                    <a:gs pos="39000">
+                      <a:schemeClr val="tx1"/>
+                    </a:gs>
+                  </a:gsLst>
+                  <a:lin ang="5400000" scaled="0"/>
+                </a:gradFill>
+                <a:effectLst/>
+                <a:latin typeface="+mj-lt"/>
+                <a:ea typeface="+mn-ea"/>
+                <a:cs typeface="Segoe UI" pitchFamily="34" charset="0"/>
+              </a:defRPr>
+            </a:lvl1pPr>
+          </a:lstStyle>
+          <a:p>
+            <a:pPr algn="ctr">
+              <a:spcBef>
+                <a:spcPts val="1200"/>
+              </a:spcBef>
+              <a:spcAft>
+                <a:spcPts val="1200"/>
+              </a:spcAft>
+              <a:defRPr/>
+            </a:pPr>
+            <a:r>
+              <a:rPr lang="en-GB" sz="7200" b="1" dirty="0">
+                <a:solidFill>
+                  <a:schemeClr val="tx1"/>
+                </a:solidFill>
+                <a:effectLst>
+                  <a:outerShdw blurRad="38100" dist="38100" dir="2700000" algn="tl">
+                    <a:srgbClr val="000000">
+                      <a:alpha val="43137"/>
+                    </a:srgbClr>
+                  </a:outerShdw>
+                </a:effectLst>
+                <a:latin typeface="Segoe UI Light"/>
+              </a:rPr>
+              <a:t>Caffeine</a:t>
+            </a:r>
+          </a:p>
+        </p:txBody>
+      </p:sp>
+    </p:spTree>
+    <p:extLst>
+      <p:ext uri="{BB962C8B-B14F-4D97-AF65-F5344CB8AC3E}">
+        <p14:creationId xmlns:p14="http://schemas.microsoft.com/office/powerpoint/2010/main" val="3967542385"/>
+      </p:ext>
+    </p:extLst>
+  </p:cSld>
+  <p:clrMapOvr>
+    <a:masterClrMapping/>
+  </p:clrMapOvr>
+  <p:timing>
+    <p:tnLst>
+      <p:par>
+        <p:cTn id="1" dur="indefinite" restart="never" nodeType="tmRoot">
+          <p:childTnLst>
+            <p:seq concurrent="1" nextAc="seek">
+              <p:cTn id="2" dur="indefinite" nodeType="mainSeq">
+                <p:childTnLst>
+                  <p:par>
+                    <p:cTn id="3" fill="hold">
+                      <p:stCondLst>
+                        <p:cond delay="indefinite"/>
+                      </p:stCondLst>
+                      <p:childTnLst>
+                        <p:par>
+                          <p:cTn id="4" fill="hold">
+                            <p:stCondLst>
+                              <p:cond delay="0"/>
+                            </p:stCondLst>
+                            <p:childTnLst>
+                              <p:par>
+                                <p:cTn id="5" presetID="10" presetClass="entr" presetSubtype="0" fill="hold" grpId="0" nodeType="clickEffect">
+                                  <p:stCondLst>
+                                    <p:cond delay="0"/>
+                                  </p:stCondLst>
+                                  <p:childTnLst>
+                                    <p:set>
+                                      <p:cBhvr>
+                                        <p:cTn id="6" dur="1" fill="hold">
+                                          <p:stCondLst>
+                                            <p:cond delay="0"/>
+                                          </p:stCondLst>
+                                        </p:cTn>
+                                        <p:tgtEl>
+                                          <p:spTgt spid="4"/>
+                                        </p:tgtEl>
+                                        <p:attrNameLst>
+                                          <p:attrName>style.visibility</p:attrName>
+                                        </p:attrNameLst>
+                                      </p:cBhvr>
+                                      <p:to>
+                                        <p:strVal val="visible"/>
+                                      </p:to>
+                                    </p:set>
+                                    <p:animEffect transition="in" filter="fade">
+                                      <p:cBhvr>
+                                        <p:cTn id="7" dur="500"/>
+                                        <p:tgtEl>
+                                          <p:spTgt spid="4"/>
+                                        </p:tgtEl>
+                                      </p:cBhvr>
+                                    </p:animEffect>
+                                  </p:childTnLst>
+                                </p:cTn>
+                              </p:par>
+                            </p:childTnLst>
+                          </p:cTn>
+                        </p:par>
+                      </p:childTnLst>
+                    </p:cTn>
+                  </p:par>
+                </p:childTnLst>
+              </p:cTn>
+              <p:prevCondLst>
+                <p:cond evt="onPrev" delay="0">
+                  <p:tgtEl>
+                    <p:sldTgt/>
+                  </p:tgtEl>
+                </p:cond>
+              </p:prevCondLst>
+              <p:nextCondLst>
+                <p:cond evt="onNext" delay="0">
+                  <p:tgtEl>
+                    <p:sldTgt/>
+                  </p:tgtEl>
+                </p:cond>
+              </p:nextCondLst>
+            </p:seq>
+          </p:childTnLst>
+        </p:cTn>
+      </p:par>
+    </p:tnLst>
+    <p:bldLst>
+      <p:bldP spid="4" grpId="0" animBg="1"/>
+    </p:bldLst>
+  </p:timing>
+</p:sld>
+</file>
+
+<file path=ppt/slides/slide35.xml><?xml version="1.0" encoding="utf-8"?>
+<p:sld xmlns:a="http://schemas.openxmlformats.org/drawingml/2006/main" xmlns:r="http://schemas.openxmlformats.org/officeDocument/2006/relationships" xmlns:p="http://schemas.openxmlformats.org/presentationml/2006/main">
+  <p:cSld>
+    <p:spTree>
+      <p:nvGrpSpPr>
+        <p:cNvPr id="1" name=""/>
+        <p:cNvGrpSpPr/>
+        <p:nvPr/>
+      </p:nvGrpSpPr>
+      <p:grpSpPr>
+        <a:xfrm>
+          <a:off x="0" y="0"/>
+          <a:ext cx="0" cy="0"/>
+          <a:chOff x="0" y="0"/>
+          <a:chExt cx="0" cy="0"/>
+        </a:xfrm>
+      </p:grpSpPr>
+      <p:pic>
+        <p:nvPicPr>
+          <p:cNvPr id="3" name="Picture 2">
+            <a:extLst>
+              <a:ext uri="{FF2B5EF4-FFF2-40B4-BE49-F238E27FC236}">
+                <a16:creationId xmlns:a16="http://schemas.microsoft.com/office/drawing/2014/main" id="{FCD69902-4B9B-4E07-8E56-2CDE55B6B45A}"/>
+              </a:ext>
+            </a:extLst>
+          </p:cNvPr>
+          <p:cNvPicPr>
+            <a:picLocks noChangeAspect="1"/>
+          </p:cNvPicPr>
+          <p:nvPr/>
+        </p:nvPicPr>
+        <p:blipFill>
+          <a:blip r:embed="rId2"/>
+          <a:stretch>
+            <a:fillRect/>
+          </a:stretch>
+        </p:blipFill>
+        <p:spPr>
+          <a:xfrm>
+            <a:off x="0" y="0"/>
+            <a:ext cx="12192000" cy="6858000"/>
+          </a:xfrm>
+          <a:prstGeom prst="rect">
+            <a:avLst/>
+          </a:prstGeom>
+        </p:spPr>
+      </p:pic>
+      <p:sp>
+        <p:nvSpPr>
+          <p:cNvPr id="5" name="Title 2">
+            <a:extLst>
+              <a:ext uri="{FF2B5EF4-FFF2-40B4-BE49-F238E27FC236}">
+                <a16:creationId xmlns:a16="http://schemas.microsoft.com/office/drawing/2014/main" id="{A7F331DE-8299-4C61-9F2E-944CAB2DF461}"/>
+              </a:ext>
+            </a:extLst>
+          </p:cNvPr>
+          <p:cNvSpPr txBox="1">
+            <a:spLocks/>
+          </p:cNvSpPr>
+          <p:nvPr/>
+        </p:nvSpPr>
+        <p:spPr>
+          <a:xfrm>
+            <a:off x="0" y="2833180"/>
+            <a:ext cx="12191999" cy="1191639"/>
+          </a:xfrm>
+          <a:prstGeom prst="rect">
+            <a:avLst/>
+          </a:prstGeom>
+          <a:noFill/>
+        </p:spPr>
+        <p:txBody>
+          <a:bodyPr vert="horz" wrap="square" lIns="143428" tIns="89642" rIns="143428" bIns="89642" rtlCol="0" anchor="t" anchorCtr="0">
+            <a:noAutofit/>
+          </a:bodyPr>
+          <a:lstStyle>
+            <a:lvl1pPr algn="l" defTabSz="932578" rtl="0" eaLnBrk="1" latinLnBrk="0" hangingPunct="1">
+              <a:lnSpc>
+                <a:spcPct val="90000"/>
+              </a:lnSpc>
+              <a:spcBef>
+                <a:spcPct val="0"/>
+              </a:spcBef>
+              <a:buNone/>
+              <a:defRPr lang="en-US" sz="5999" b="0" kern="1200" cap="none" spc="-100" baseline="0">
+                <a:ln w="3175">
+                  <a:noFill/>
+                </a:ln>
+                <a:gradFill>
+                  <a:gsLst>
+                    <a:gs pos="3333">
+                      <a:schemeClr val="tx1"/>
+                    </a:gs>
+                    <a:gs pos="39000">
+                      <a:schemeClr val="tx1"/>
+                    </a:gs>
+                  </a:gsLst>
+                  <a:lin ang="5400000" scaled="0"/>
+                </a:gradFill>
+                <a:effectLst/>
+                <a:latin typeface="+mj-lt"/>
+                <a:ea typeface="+mn-ea"/>
+                <a:cs typeface="Segoe UI" pitchFamily="34" charset="0"/>
+              </a:defRPr>
+            </a:lvl1pPr>
+          </a:lstStyle>
+          <a:p>
+            <a:pPr algn="ctr">
+              <a:spcBef>
+                <a:spcPts val="1200"/>
+              </a:spcBef>
+              <a:spcAft>
+                <a:spcPts val="1200"/>
+              </a:spcAft>
+              <a:defRPr/>
+            </a:pPr>
+            <a:r>
+              <a:rPr lang="en-GB" sz="7200" b="1" dirty="0">
+                <a:solidFill>
+                  <a:schemeClr val="bg1"/>
+                </a:solidFill>
+                <a:effectLst>
+                  <a:outerShdw blurRad="38100" dist="38100" dir="2700000" algn="tl">
+                    <a:srgbClr val="000000">
+                      <a:alpha val="43137"/>
+                    </a:srgbClr>
+                  </a:outerShdw>
+                </a:effectLst>
+                <a:latin typeface="Segoe UI Light"/>
+              </a:rPr>
+              <a:t>The Azure Icon Game</a:t>
+            </a:r>
+          </a:p>
+        </p:txBody>
+      </p:sp>
+      <p:sp>
+        <p:nvSpPr>
+          <p:cNvPr id="7" name="Title 2">
+            <a:extLst>
+              <a:ext uri="{FF2B5EF4-FFF2-40B4-BE49-F238E27FC236}">
+                <a16:creationId xmlns:a16="http://schemas.microsoft.com/office/drawing/2014/main" id="{FB15A433-C558-491E-BD03-E71F67E304B1}"/>
+              </a:ext>
+            </a:extLst>
+          </p:cNvPr>
+          <p:cNvSpPr txBox="1">
+            <a:spLocks/>
+          </p:cNvSpPr>
+          <p:nvPr/>
+        </p:nvSpPr>
+        <p:spPr>
+          <a:xfrm>
+            <a:off x="389107" y="621759"/>
+            <a:ext cx="603115" cy="6236241"/>
+          </a:xfrm>
+          <a:prstGeom prst="rect">
+            <a:avLst/>
+          </a:prstGeom>
+          <a:noFill/>
+        </p:spPr>
+        <p:txBody>
+          <a:bodyPr vert="horz" wrap="square" lIns="143428" tIns="89642" rIns="143428" bIns="89642" rtlCol="0" anchor="t" anchorCtr="0">
+            <a:noAutofit/>
+          </a:bodyPr>
+          <a:lstStyle>
+            <a:lvl1pPr algn="l" defTabSz="932578" rtl="0" eaLnBrk="1" latinLnBrk="0" hangingPunct="1">
+              <a:lnSpc>
+                <a:spcPct val="90000"/>
+              </a:lnSpc>
+              <a:spcBef>
+                <a:spcPct val="0"/>
+              </a:spcBef>
+              <a:buNone/>
+              <a:defRPr lang="en-US" sz="5999" b="0" kern="1200" cap="none" spc="-100" baseline="0">
+                <a:ln w="3175">
+                  <a:noFill/>
+                </a:ln>
+                <a:gradFill>
+                  <a:gsLst>
+                    <a:gs pos="3333">
+                      <a:schemeClr val="tx1"/>
+                    </a:gs>
+                    <a:gs pos="39000">
+                      <a:schemeClr val="tx1"/>
+                    </a:gs>
+                  </a:gsLst>
+                  <a:lin ang="5400000" scaled="0"/>
+                </a:gradFill>
+                <a:effectLst/>
+                <a:latin typeface="+mj-lt"/>
+                <a:ea typeface="+mn-ea"/>
+                <a:cs typeface="Segoe UI" pitchFamily="34" charset="0"/>
+              </a:defRPr>
+            </a:lvl1pPr>
+          </a:lstStyle>
+          <a:p>
+            <a:pPr algn="ctr">
+              <a:spcBef>
+                <a:spcPts val="1200"/>
+              </a:spcBef>
+              <a:spcAft>
+                <a:spcPts val="1200"/>
+              </a:spcAft>
+              <a:defRPr/>
+            </a:pPr>
+            <a:r>
+              <a:rPr lang="en-GB" sz="7200" b="1" dirty="0">
+                <a:solidFill>
+                  <a:schemeClr val="bg1"/>
+                </a:solidFill>
+                <a:effectLst>
+                  <a:outerShdw blurRad="38100" dist="38100" dir="2700000" algn="tl">
+                    <a:srgbClr val="000000">
+                      <a:alpha val="43137"/>
+                    </a:srgbClr>
+                  </a:outerShdw>
+                </a:effectLst>
+                <a:latin typeface="Segoe UI Light"/>
+              </a:rPr>
+              <a:t>?</a:t>
+            </a:r>
+          </a:p>
+          <a:p>
+            <a:pPr algn="ctr">
+              <a:spcBef>
+                <a:spcPts val="1200"/>
+              </a:spcBef>
+              <a:spcAft>
+                <a:spcPts val="1200"/>
+              </a:spcAft>
+              <a:defRPr/>
+            </a:pPr>
+            <a:r>
+              <a:rPr lang="en-GB" sz="7200" b="1" dirty="0">
+                <a:solidFill>
+                  <a:schemeClr val="bg1"/>
+                </a:solidFill>
+                <a:effectLst>
+                  <a:outerShdw blurRad="38100" dist="38100" dir="2700000" algn="tl">
+                    <a:srgbClr val="000000">
+                      <a:alpha val="43137"/>
+                    </a:srgbClr>
+                  </a:outerShdw>
+                </a:effectLst>
+                <a:latin typeface="Segoe UI Light"/>
+              </a:rPr>
+              <a:t>?</a:t>
+            </a:r>
+          </a:p>
+          <a:p>
+            <a:pPr algn="ctr">
+              <a:spcBef>
+                <a:spcPts val="1200"/>
+              </a:spcBef>
+              <a:spcAft>
+                <a:spcPts val="1200"/>
+              </a:spcAft>
+              <a:defRPr/>
+            </a:pPr>
+            <a:r>
+              <a:rPr lang="en-GB" sz="7200" b="1" dirty="0">
+                <a:solidFill>
+                  <a:schemeClr val="bg1"/>
+                </a:solidFill>
+                <a:effectLst>
+                  <a:outerShdw blurRad="38100" dist="38100" dir="2700000" algn="tl">
+                    <a:srgbClr val="000000">
+                      <a:alpha val="43137"/>
+                    </a:srgbClr>
+                  </a:outerShdw>
+                </a:effectLst>
+                <a:latin typeface="Segoe UI Light"/>
+              </a:rPr>
+              <a:t>?</a:t>
+            </a:r>
+          </a:p>
+          <a:p>
+            <a:pPr algn="ctr">
+              <a:spcBef>
+                <a:spcPts val="1200"/>
+              </a:spcBef>
+              <a:spcAft>
+                <a:spcPts val="1200"/>
+              </a:spcAft>
+              <a:defRPr/>
+            </a:pPr>
+            <a:r>
+              <a:rPr lang="en-GB" sz="7200" b="1" dirty="0">
+                <a:solidFill>
+                  <a:schemeClr val="bg1"/>
+                </a:solidFill>
+                <a:effectLst>
+                  <a:outerShdw blurRad="38100" dist="38100" dir="2700000" algn="tl">
+                    <a:srgbClr val="000000">
+                      <a:alpha val="43137"/>
+                    </a:srgbClr>
+                  </a:outerShdw>
+                </a:effectLst>
+                <a:latin typeface="Segoe UI Light"/>
+              </a:rPr>
+              <a:t>?</a:t>
+            </a:r>
+          </a:p>
+          <a:p>
+            <a:pPr algn="ctr">
+              <a:spcBef>
+                <a:spcPts val="1200"/>
+              </a:spcBef>
+              <a:spcAft>
+                <a:spcPts val="1200"/>
+              </a:spcAft>
+              <a:defRPr/>
+            </a:pPr>
+            <a:r>
+              <a:rPr lang="en-GB" sz="7200" b="1" dirty="0">
+                <a:solidFill>
+                  <a:schemeClr val="bg1"/>
+                </a:solidFill>
+                <a:effectLst>
+                  <a:outerShdw blurRad="38100" dist="38100" dir="2700000" algn="tl">
+                    <a:srgbClr val="000000">
+                      <a:alpha val="43137"/>
+                    </a:srgbClr>
+                  </a:outerShdw>
+                </a:effectLst>
+                <a:latin typeface="Segoe UI Light"/>
+              </a:rPr>
+              <a:t>?</a:t>
+            </a:r>
+          </a:p>
+        </p:txBody>
+      </p:sp>
+    </p:spTree>
+    <p:extLst>
+      <p:ext uri="{BB962C8B-B14F-4D97-AF65-F5344CB8AC3E}">
+        <p14:creationId xmlns:p14="http://schemas.microsoft.com/office/powerpoint/2010/main" val="4192887432"/>
+      </p:ext>
+    </p:extLst>
+  </p:cSld>
+  <p:clrMapOvr>
+    <a:masterClrMapping/>
+  </p:clrMapOvr>
+</p:sld>
+</file>
+
+<file path=ppt/slides/slide36.xml><?xml version="1.0" encoding="utf-8"?>
+<p:sld xmlns:a="http://schemas.openxmlformats.org/drawingml/2006/main" xmlns:r="http://schemas.openxmlformats.org/officeDocument/2006/relationships" xmlns:p="http://schemas.openxmlformats.org/presentationml/2006/main">
+  <p:cSld>
+    <p:spTree>
+      <p:nvGrpSpPr>
+        <p:cNvPr id="1" name=""/>
+        <p:cNvGrpSpPr/>
+        <p:nvPr/>
+      </p:nvGrpSpPr>
+      <p:grpSpPr>
+        <a:xfrm>
+          <a:off x="0" y="0"/>
+          <a:ext cx="0" cy="0"/>
+          <a:chOff x="0" y="0"/>
+          <a:chExt cx="0" cy="0"/>
+        </a:xfrm>
+      </p:grpSpPr>
+      <p:pic>
+        <p:nvPicPr>
+          <p:cNvPr id="7" name="Picture 6">
+            <a:extLst>
+              <a:ext uri="{FF2B5EF4-FFF2-40B4-BE49-F238E27FC236}">
+                <a16:creationId xmlns:a16="http://schemas.microsoft.com/office/drawing/2014/main" id="{BD13AB21-6598-4C97-809C-8827E0A05676}"/>
+              </a:ext>
+            </a:extLst>
+          </p:cNvPr>
+          <p:cNvPicPr>
+            <a:picLocks noChangeAspect="1"/>
+          </p:cNvPicPr>
+          <p:nvPr/>
+        </p:nvPicPr>
+        <p:blipFill rotWithShape="1">
+          <a:blip r:embed="rId2"/>
+          <a:srcRect t="-242" r="703" b="922"/>
+          <a:stretch/>
+        </p:blipFill>
+        <p:spPr>
+          <a:xfrm>
+            <a:off x="48126" y="43217"/>
+            <a:ext cx="12106275" cy="6582173"/>
+          </a:xfrm>
+          <a:prstGeom prst="rect">
+            <a:avLst/>
+          </a:prstGeom>
+        </p:spPr>
+      </p:pic>
+      <p:sp>
+        <p:nvSpPr>
+          <p:cNvPr id="4" name="Rectangle 3">
+            <a:extLst>
+              <a:ext uri="{FF2B5EF4-FFF2-40B4-BE49-F238E27FC236}">
+                <a16:creationId xmlns:a16="http://schemas.microsoft.com/office/drawing/2014/main" id="{CA33DAEC-5F17-4FF8-97B6-4D83BEFB4B73}"/>
+              </a:ext>
+            </a:extLst>
+          </p:cNvPr>
+          <p:cNvSpPr/>
+          <p:nvPr/>
+        </p:nvSpPr>
+        <p:spPr>
+          <a:xfrm>
+            <a:off x="5654842" y="5496109"/>
+            <a:ext cx="6031831" cy="338554"/>
+          </a:xfrm>
+          <a:prstGeom prst="rect">
+            <a:avLst/>
+          </a:prstGeom>
+        </p:spPr>
+        <p:txBody>
+          <a:bodyPr wrap="square">
+            <a:spAutoFit/>
+          </a:bodyPr>
+          <a:lstStyle/>
+          <a:p>
+            <a:r>
+              <a:rPr lang="en-GB" sz="1600" dirty="0">
+                <a:hlinkClick r:id="rId3"/>
+              </a:rPr>
+              <a:t>https://www.microsoft.com/en-gb/download/details.aspx?id=41937</a:t>
+            </a:r>
+            <a:endParaRPr lang="en-GB" sz="1600" dirty="0"/>
+          </a:p>
+        </p:txBody>
+      </p:sp>
+    </p:spTree>
+    <p:extLst>
+      <p:ext uri="{BB962C8B-B14F-4D97-AF65-F5344CB8AC3E}">
+        <p14:creationId xmlns:p14="http://schemas.microsoft.com/office/powerpoint/2010/main" val="2946166261"/>
+      </p:ext>
+    </p:extLst>
+  </p:cSld>
+  <p:clrMapOvr>
+    <a:masterClrMapping/>
+  </p:clrMapOvr>
+</p:sld>
+</file>
+
+<file path=ppt/slides/slide4.xml><?xml version="1.0" encoding="utf-8"?>
+<p:sld xmlns:a="http://schemas.openxmlformats.org/drawingml/2006/main" xmlns:r="http://schemas.openxmlformats.org/officeDocument/2006/relationships" xmlns:p="http://schemas.openxmlformats.org/presentationml/2006/main">
+  <p:cSld>
+    <p:spTree>
+      <p:nvGrpSpPr>
+        <p:cNvPr id="1" name=""/>
+        <p:cNvGrpSpPr/>
+        <p:nvPr/>
+      </p:nvGrpSpPr>
+      <p:grpSpPr>
+        <a:xfrm>
+          <a:off x="0" y="0"/>
+          <a:ext cx="0" cy="0"/>
+          <a:chOff x="0" y="0"/>
+          <a:chExt cx="0" cy="0"/>
+        </a:xfrm>
+      </p:grpSpPr>
+      <p:pic>
+        <p:nvPicPr>
+          <p:cNvPr id="3" name="Picture 2">
+            <a:extLst>
+              <a:ext uri="{FF2B5EF4-FFF2-40B4-BE49-F238E27FC236}">
+                <a16:creationId xmlns:a16="http://schemas.microsoft.com/office/drawing/2014/main" id="{1CA89D36-E1D9-4FD8-8869-059B5189D16C}"/>
+              </a:ext>
+            </a:extLst>
+          </p:cNvPr>
+          <p:cNvPicPr>
+            <a:picLocks noChangeAspect="1"/>
+          </p:cNvPicPr>
+          <p:nvPr/>
+        </p:nvPicPr>
+        <p:blipFill>
+          <a:blip r:embed="rId2"/>
+          <a:stretch>
+            <a:fillRect/>
+          </a:stretch>
+        </p:blipFill>
+        <p:spPr>
+          <a:xfrm>
+            <a:off x="3542559" y="61133"/>
+            <a:ext cx="5106882" cy="6735734"/>
+          </a:xfrm>
+          <a:prstGeom prst="rect">
+            <a:avLst/>
+          </a:prstGeom>
+        </p:spPr>
+      </p:pic>
+      <p:sp>
+        <p:nvSpPr>
+          <p:cNvPr id="9" name="Title 2">
+            <a:extLst>
+              <a:ext uri="{FF2B5EF4-FFF2-40B4-BE49-F238E27FC236}">
+                <a16:creationId xmlns:a16="http://schemas.microsoft.com/office/drawing/2014/main" id="{CB877719-98D4-4914-B56E-634238E5C0E6}"/>
+              </a:ext>
+            </a:extLst>
+          </p:cNvPr>
+          <p:cNvSpPr txBox="1">
+            <a:spLocks/>
+          </p:cNvSpPr>
+          <p:nvPr/>
+        </p:nvSpPr>
+        <p:spPr>
+          <a:xfrm>
+            <a:off x="1" y="2834881"/>
+            <a:ext cx="12191999" cy="1191639"/>
+          </a:xfrm>
+          <a:prstGeom prst="rect">
+            <a:avLst/>
+          </a:prstGeom>
+          <a:solidFill>
+            <a:schemeClr val="bg1">
+              <a:alpha val="50000"/>
+            </a:schemeClr>
+          </a:solidFill>
+        </p:spPr>
+        <p:txBody>
+          <a:bodyPr vert="horz" wrap="square" lIns="143428" tIns="89642" rIns="143428" bIns="89642" rtlCol="0" anchor="t" anchorCtr="0">
+            <a:noAutofit/>
+          </a:bodyPr>
+          <a:lstStyle>
+            <a:lvl1pPr algn="l" defTabSz="932578" rtl="0" eaLnBrk="1" latinLnBrk="0" hangingPunct="1">
+              <a:lnSpc>
+                <a:spcPct val="90000"/>
+              </a:lnSpc>
+              <a:spcBef>
+                <a:spcPct val="0"/>
+              </a:spcBef>
+              <a:buNone/>
+              <a:defRPr lang="en-US" sz="5999" b="0" kern="1200" cap="none" spc="-100" baseline="0">
+                <a:ln w="3175">
+                  <a:noFill/>
+                </a:ln>
+                <a:gradFill>
+                  <a:gsLst>
+                    <a:gs pos="3333">
+                      <a:schemeClr val="tx1"/>
+                    </a:gs>
+                    <a:gs pos="39000">
+                      <a:schemeClr val="tx1"/>
+                    </a:gs>
+                  </a:gsLst>
+                  <a:lin ang="5400000" scaled="0"/>
+                </a:gradFill>
+                <a:effectLst/>
+                <a:latin typeface="+mj-lt"/>
+                <a:ea typeface="+mn-ea"/>
+                <a:cs typeface="Segoe UI" pitchFamily="34" charset="0"/>
+              </a:defRPr>
+            </a:lvl1pPr>
+          </a:lstStyle>
+          <a:p>
+            <a:pPr algn="ctr">
+              <a:spcBef>
+                <a:spcPts val="1200"/>
+              </a:spcBef>
+              <a:spcAft>
+                <a:spcPts val="1200"/>
+              </a:spcAft>
+              <a:defRPr/>
+            </a:pPr>
+            <a:r>
+              <a:rPr lang="en-GB" sz="7200" b="1" dirty="0">
+                <a:solidFill>
+                  <a:schemeClr val="tx1"/>
+                </a:solidFill>
+                <a:effectLst>
+                  <a:outerShdw blurRad="38100" dist="38100" dir="2700000" algn="tl">
+                    <a:srgbClr val="000000">
+                      <a:alpha val="43137"/>
+                    </a:srgbClr>
+                  </a:outerShdw>
+                </a:effectLst>
+                <a:latin typeface="Segoe UI Light"/>
+              </a:rPr>
+              <a:t>SQL Database</a:t>
+            </a:r>
+          </a:p>
+        </p:txBody>
+      </p:sp>
+    </p:spTree>
+    <p:extLst>
+      <p:ext uri="{BB962C8B-B14F-4D97-AF65-F5344CB8AC3E}">
+        <p14:creationId xmlns:p14="http://schemas.microsoft.com/office/powerpoint/2010/main" val="3244887524"/>
       </p:ext>
     </p:extLst>
   </p:cSld>
@@ -9398,16 +10897,6 @@
 <file path=ppt/slides/slide5.xml><?xml version="1.0" encoding="utf-8"?>
 <p:sld xmlns:a="http://schemas.openxmlformats.org/drawingml/2006/main" xmlns:r="http://schemas.openxmlformats.org/officeDocument/2006/relationships" xmlns:p="http://schemas.openxmlformats.org/presentationml/2006/main">
   <p:cSld>
-    <p:bg>
-      <p:bgPr>
-        <a:solidFill>
-          <a:schemeClr val="bg1">
-            <a:alpha val="50000"/>
-          </a:schemeClr>
-        </a:solidFill>
-        <a:effectLst/>
-      </p:bgPr>
-    </p:bg>
     <p:spTree>
       <p:nvGrpSpPr>
         <p:cNvPr id="1" name=""/>
@@ -9424,10 +10913,10 @@
       </p:grpSpPr>
       <p:pic>
         <p:nvPicPr>
-          <p:cNvPr id="3" name="Picture 2">
-            <a:extLst>
-              <a:ext uri="{FF2B5EF4-FFF2-40B4-BE49-F238E27FC236}">
-                <a16:creationId xmlns:a16="http://schemas.microsoft.com/office/drawing/2014/main" id="{9A68ECC0-C578-4F42-8AD2-063ED47D4C68}"/>
+          <p:cNvPr id="2" name="Picture 1">
+            <a:extLst>
+              <a:ext uri="{FF2B5EF4-FFF2-40B4-BE49-F238E27FC236}">
+                <a16:creationId xmlns:a16="http://schemas.microsoft.com/office/drawing/2014/main" id="{B6F47EB0-1734-4A88-BFFA-40950BEACAE0}"/>
               </a:ext>
             </a:extLst>
           </p:cNvPr>
@@ -9444,8 +10933,8 @@
         </p:blipFill>
         <p:spPr>
           <a:xfrm>
-            <a:off x="2719734" y="56666"/>
-            <a:ext cx="6752532" cy="6744667"/>
+            <a:off x="3480234" y="0"/>
+            <a:ext cx="5231531" cy="6858000"/>
           </a:xfrm>
           <a:prstGeom prst="rect">
             <a:avLst/>
@@ -9539,7 +11028,7 @@
                 </a:effectLst>
                 <a:latin typeface="Segoe UI Light"/>
               </a:rPr>
-              <a:t>Azure Active Directory</a:t>
+              <a:t>PostgreSQL</a:t>
             </a:r>
           </a:p>
         </p:txBody>
@@ -9547,7 +11036,7 @@
     </p:spTree>
     <p:extLst>
       <p:ext uri="{BB962C8B-B14F-4D97-AF65-F5344CB8AC3E}">
-        <p14:creationId xmlns:p14="http://schemas.microsoft.com/office/powerpoint/2010/main" val="2470710082"/>
+        <p14:creationId xmlns:p14="http://schemas.microsoft.com/office/powerpoint/2010/main" val="2584251107"/>
       </p:ext>
     </p:extLst>
   </p:cSld>
@@ -9675,7 +11164,7 @@
           <p:cNvPr id="2" name="Picture 1">
             <a:extLst>
               <a:ext uri="{FF2B5EF4-FFF2-40B4-BE49-F238E27FC236}">
-                <a16:creationId xmlns:a16="http://schemas.microsoft.com/office/drawing/2014/main" id="{92977E48-CC7E-41E7-8A92-76D1AC757A1F}"/>
+                <a16:creationId xmlns:a16="http://schemas.microsoft.com/office/drawing/2014/main" id="{3AA6EE47-A84B-4C5E-87E7-8103FE6102BE}"/>
               </a:ext>
             </a:extLst>
           </p:cNvPr>
@@ -9692,8 +11181,8 @@
         </p:blipFill>
         <p:spPr>
           <a:xfrm>
-            <a:off x="2261887" y="590133"/>
-            <a:ext cx="7668226" cy="5677734"/>
+            <a:off x="2464837" y="78999"/>
+            <a:ext cx="7262326" cy="6700001"/>
           </a:xfrm>
           <a:prstGeom prst="rect">
             <a:avLst/>
@@ -9787,7 +11276,7 @@
                 </a:effectLst>
                 <a:latin typeface="Segoe UI Light"/>
               </a:rPr>
-              <a:t>Azure Kubernetes Service</a:t>
+              <a:t>Virtual Machine</a:t>
             </a:r>
           </a:p>
         </p:txBody>
@@ -9795,7 +11284,7 @@
     </p:spTree>
     <p:extLst>
       <p:ext uri="{BB962C8B-B14F-4D97-AF65-F5344CB8AC3E}">
-        <p14:creationId xmlns:p14="http://schemas.microsoft.com/office/powerpoint/2010/main" val="789130149"/>
+        <p14:creationId xmlns:p14="http://schemas.microsoft.com/office/powerpoint/2010/main" val="3980733746"/>
       </p:ext>
     </p:extLst>
   </p:cSld>
@@ -9910,10 +11399,10 @@
       </p:grpSpPr>
       <p:pic>
         <p:nvPicPr>
-          <p:cNvPr id="3" name="Picture 2">
-            <a:extLst>
-              <a:ext uri="{FF2B5EF4-FFF2-40B4-BE49-F238E27FC236}">
-                <a16:creationId xmlns:a16="http://schemas.microsoft.com/office/drawing/2014/main" id="{1CA89D36-E1D9-4FD8-8869-059B5189D16C}"/>
+          <p:cNvPr id="2" name="Picture 1">
+            <a:extLst>
+              <a:ext uri="{FF2B5EF4-FFF2-40B4-BE49-F238E27FC236}">
+                <a16:creationId xmlns:a16="http://schemas.microsoft.com/office/drawing/2014/main" id="{BD22FAD6-D41E-4384-9708-1EB110A619B8}"/>
               </a:ext>
             </a:extLst>
           </p:cNvPr>
@@ -9930,8 +11419,8 @@
         </p:blipFill>
         <p:spPr>
           <a:xfrm>
-            <a:off x="3542559" y="61133"/>
-            <a:ext cx="5106882" cy="6735734"/>
+            <a:off x="2369390" y="0"/>
+            <a:ext cx="7453220" cy="6858000"/>
           </a:xfrm>
           <a:prstGeom prst="rect">
             <a:avLst/>
@@ -10025,7 +11514,7 @@
                 </a:effectLst>
                 <a:latin typeface="Segoe UI Light"/>
               </a:rPr>
-              <a:t>SQL Database</a:t>
+              <a:t>Cosmos DB</a:t>
             </a:r>
           </a:p>
         </p:txBody>
@@ -10033,7 +11522,7 @@
     </p:spTree>
     <p:extLst>
       <p:ext uri="{BB962C8B-B14F-4D97-AF65-F5344CB8AC3E}">
-        <p14:creationId xmlns:p14="http://schemas.microsoft.com/office/powerpoint/2010/main" val="3244887524"/>
+        <p14:creationId xmlns:p14="http://schemas.microsoft.com/office/powerpoint/2010/main" val="2680484976"/>
       </p:ext>
     </p:extLst>
   </p:cSld>
@@ -10151,7 +11640,7 @@
           <p:cNvPr id="3" name="Picture 2">
             <a:extLst>
               <a:ext uri="{FF2B5EF4-FFF2-40B4-BE49-F238E27FC236}">
-                <a16:creationId xmlns:a16="http://schemas.microsoft.com/office/drawing/2014/main" id="{7212D992-2472-4487-8078-00C72B65CAEE}"/>
+                <a16:creationId xmlns:a16="http://schemas.microsoft.com/office/drawing/2014/main" id="{91BCAE1B-13BF-4A38-9C19-FCFC3FCC9F2A}"/>
               </a:ext>
             </a:extLst>
           </p:cNvPr>
@@ -10168,8 +11657,38 @@
         </p:blipFill>
         <p:spPr>
           <a:xfrm>
-            <a:off x="2764453" y="101333"/>
-            <a:ext cx="6663094" cy="6655334"/>
+            <a:off x="2984692" y="0"/>
+            <a:ext cx="6222616" cy="6858000"/>
+          </a:xfrm>
+          <a:prstGeom prst="rect">
+            <a:avLst/>
+          </a:prstGeom>
+        </p:spPr>
+      </p:pic>
+      <p:pic>
+        <p:nvPicPr>
+          <p:cNvPr id="2" name="Picture 1">
+            <a:extLst>
+              <a:ext uri="{FF2B5EF4-FFF2-40B4-BE49-F238E27FC236}">
+                <a16:creationId xmlns:a16="http://schemas.microsoft.com/office/drawing/2014/main" id="{BD22FAD6-D41E-4384-9708-1EB110A619B8}"/>
+              </a:ext>
+            </a:extLst>
+          </p:cNvPr>
+          <p:cNvPicPr>
+            <a:picLocks noChangeAspect="1"/>
+          </p:cNvPicPr>
+          <p:nvPr/>
+        </p:nvPicPr>
+        <p:blipFill>
+          <a:blip r:embed="rId3"/>
+          <a:stretch>
+            <a:fillRect/>
+          </a:stretch>
+        </p:blipFill>
+        <p:spPr>
+          <a:xfrm>
+            <a:off x="0" y="5666361"/>
+            <a:ext cx="1295064" cy="1191639"/>
           </a:xfrm>
           <a:prstGeom prst="rect">
             <a:avLst/>
@@ -10263,15 +11782,44 @@
                 </a:effectLst>
                 <a:latin typeface="Segoe UI Light"/>
               </a:rPr>
-              <a:t>Resources</a:t>
+              <a:t>Gremlin API for </a:t>
             </a:r>
+            <a:r>
+              <a:rPr lang="en-GB" sz="7200" b="1" dirty="0" err="1">
+                <a:solidFill>
+                  <a:schemeClr val="tx1"/>
+                </a:solidFill>
+                <a:effectLst>
+                  <a:outerShdw blurRad="38100" dist="38100" dir="2700000" algn="tl">
+                    <a:srgbClr val="000000">
+                      <a:alpha val="43137"/>
+                    </a:srgbClr>
+                  </a:outerShdw>
+                </a:effectLst>
+                <a:latin typeface="Segoe UI Light"/>
+              </a:rPr>
+              <a:t>CosmosDB</a:t>
+            </a:r>
+            <a:endParaRPr lang="en-GB" sz="7200" b="1" dirty="0">
+              <a:solidFill>
+                <a:schemeClr val="tx1"/>
+              </a:solidFill>
+              <a:effectLst>
+                <a:outerShdw blurRad="38100" dist="38100" dir="2700000" algn="tl">
+                  <a:srgbClr val="000000">
+                    <a:alpha val="43137"/>
+                  </a:srgbClr>
+                </a:outerShdw>
+              </a:effectLst>
+              <a:latin typeface="Segoe UI Light"/>
+            </a:endParaRPr>
           </a:p>
         </p:txBody>
       </p:sp>
     </p:spTree>
     <p:extLst>
       <p:ext uri="{BB962C8B-B14F-4D97-AF65-F5344CB8AC3E}">
-        <p14:creationId xmlns:p14="http://schemas.microsoft.com/office/powerpoint/2010/main" val="2295619804"/>
+        <p14:creationId xmlns:p14="http://schemas.microsoft.com/office/powerpoint/2010/main" val="2222739253"/>
       </p:ext>
     </p:extLst>
   </p:cSld>
@@ -10333,6 +11881,41 @@
                                   </p:childTnLst>
                                 </p:cTn>
                               </p:par>
+                              <p:par>
+                                <p:cTn id="8" presetID="10" presetClass="entr" presetSubtype="0" fill="hold" nodeType="withEffect">
+                                  <p:stCondLst>
+                                    <p:cond delay="0"/>
+                                  </p:stCondLst>
+                                  <p:childTnLst>
+                                    <p:set>
+                                      <p:cBhvr>
+                                        <p:cTn id="9" dur="1" fill="hold">
+                                          <p:stCondLst>
+                                            <p:cond delay="0"/>
+                                          </p:stCondLst>
+                                        </p:cTn>
+                                        <p:tgtEl>
+                                          <p:spTgt spid="2"/>
+                                        </p:tgtEl>
+                                        <p:attrNameLst>
+                                          <p:attrName>style.visibility</p:attrName>
+                                        </p:attrNameLst>
+                                      </p:cBhvr>
+                                      <p:to>
+                                        <p:strVal val="visible"/>
+                                      </p:to>
+                                    </p:set>
+                                    <p:animEffect transition="in" filter="fade">
+                                      <p:cBhvr>
+                                        <p:cTn id="10" dur="500"/>
+                                        <p:tgtEl>
+                                          <p:spTgt spid="2"/>
+                                        </p:tgtEl>
+                                      </p:cBhvr>
+                                    </p:animEffect>
+                                  </p:childTnLst>
+                                </p:cTn>
+                              </p:par>
                             </p:childTnLst>
                           </p:cTn>
                         </p:par>
@@ -10370,6 +11953,16 @@
 <file path=ppt/slides/slide9.xml><?xml version="1.0" encoding="utf-8"?>
 <p:sld xmlns:a="http://schemas.openxmlformats.org/drawingml/2006/main" xmlns:r="http://schemas.openxmlformats.org/officeDocument/2006/relationships" xmlns:p="http://schemas.openxmlformats.org/presentationml/2006/main">
   <p:cSld>
+    <p:bg>
+      <p:bgPr>
+        <a:solidFill>
+          <a:schemeClr val="bg1">
+            <a:alpha val="50000"/>
+          </a:schemeClr>
+        </a:solidFill>
+        <a:effectLst/>
+      </p:bgPr>
+    </p:bg>
     <p:spTree>
       <p:nvGrpSpPr>
         <p:cNvPr id="1" name=""/>
@@ -10386,10 +11979,10 @@
       </p:grpSpPr>
       <p:pic>
         <p:nvPicPr>
-          <p:cNvPr id="2" name="Picture 1">
-            <a:extLst>
-              <a:ext uri="{FF2B5EF4-FFF2-40B4-BE49-F238E27FC236}">
-                <a16:creationId xmlns:a16="http://schemas.microsoft.com/office/drawing/2014/main" id="{DFCBF99B-DEED-4980-8C79-B1BD2293E22B}"/>
+          <p:cNvPr id="3" name="Picture 2">
+            <a:extLst>
+              <a:ext uri="{FF2B5EF4-FFF2-40B4-BE49-F238E27FC236}">
+                <a16:creationId xmlns:a16="http://schemas.microsoft.com/office/drawing/2014/main" id="{9A68ECC0-C578-4F42-8AD2-063ED47D4C68}"/>
               </a:ext>
             </a:extLst>
           </p:cNvPr>
@@ -10406,8 +11999,8 @@
         </p:blipFill>
         <p:spPr>
           <a:xfrm>
-            <a:off x="1396059" y="717733"/>
-            <a:ext cx="9399882" cy="5422534"/>
+            <a:off x="2719734" y="56666"/>
+            <a:ext cx="6752532" cy="6744667"/>
           </a:xfrm>
           <a:prstGeom prst="rect">
             <a:avLst/>
@@ -10501,7 +12094,7 @@
                 </a:effectLst>
                 <a:latin typeface="Segoe UI Light"/>
               </a:rPr>
-              <a:t>Virtual Network</a:t>
+              <a:t>Azure Active Directory</a:t>
             </a:r>
           </a:p>
         </p:txBody>
@@ -10509,7 +12102,7 @@
     </p:spTree>
     <p:extLst>
       <p:ext uri="{BB962C8B-B14F-4D97-AF65-F5344CB8AC3E}">
-        <p14:creationId xmlns:p14="http://schemas.microsoft.com/office/powerpoint/2010/main" val="215655951"/>
+        <p14:creationId xmlns:p14="http://schemas.microsoft.com/office/powerpoint/2010/main" val="2470710082"/>
       </p:ext>
     </p:extLst>
   </p:cSld>

--- a/The Azure Icon Game.pptx
+++ b/The Azure Icon Game.pptx
@@ -296,7 +296,7 @@
           <a:p>
             <a:fld id="{8CD9E07E-FA0D-404F-8FFA-F4C9C459F055}" type="datetimeFigureOut">
               <a:rPr lang="en-GB" smtClean="0"/>
-              <a:t>04/09/2019</a:t>
+              <a:t>07/11/2019</a:t>
             </a:fld>
             <a:endParaRPr lang="en-GB" dirty="0"/>
           </a:p>
@@ -496,7 +496,7 @@
           <a:p>
             <a:fld id="{8CD9E07E-FA0D-404F-8FFA-F4C9C459F055}" type="datetimeFigureOut">
               <a:rPr lang="en-GB" smtClean="0"/>
-              <a:t>04/09/2019</a:t>
+              <a:t>07/11/2019</a:t>
             </a:fld>
             <a:endParaRPr lang="en-GB" dirty="0"/>
           </a:p>
@@ -706,7 +706,7 @@
           <a:p>
             <a:fld id="{8CD9E07E-FA0D-404F-8FFA-F4C9C459F055}" type="datetimeFigureOut">
               <a:rPr lang="en-GB" smtClean="0"/>
-              <a:t>04/09/2019</a:t>
+              <a:t>07/11/2019</a:t>
             </a:fld>
             <a:endParaRPr lang="en-GB" dirty="0"/>
           </a:p>
@@ -906,7 +906,7 @@
           <a:p>
             <a:fld id="{8CD9E07E-FA0D-404F-8FFA-F4C9C459F055}" type="datetimeFigureOut">
               <a:rPr lang="en-GB" smtClean="0"/>
-              <a:t>04/09/2019</a:t>
+              <a:t>07/11/2019</a:t>
             </a:fld>
             <a:endParaRPr lang="en-GB" dirty="0"/>
           </a:p>
@@ -1182,7 +1182,7 @@
           <a:p>
             <a:fld id="{8CD9E07E-FA0D-404F-8FFA-F4C9C459F055}" type="datetimeFigureOut">
               <a:rPr lang="en-GB" smtClean="0"/>
-              <a:t>04/09/2019</a:t>
+              <a:t>07/11/2019</a:t>
             </a:fld>
             <a:endParaRPr lang="en-GB" dirty="0"/>
           </a:p>
@@ -1450,7 +1450,7 @@
           <a:p>
             <a:fld id="{8CD9E07E-FA0D-404F-8FFA-F4C9C459F055}" type="datetimeFigureOut">
               <a:rPr lang="en-GB" smtClean="0"/>
-              <a:t>04/09/2019</a:t>
+              <a:t>07/11/2019</a:t>
             </a:fld>
             <a:endParaRPr lang="en-GB" dirty="0"/>
           </a:p>
@@ -1865,7 +1865,7 @@
           <a:p>
             <a:fld id="{8CD9E07E-FA0D-404F-8FFA-F4C9C459F055}" type="datetimeFigureOut">
               <a:rPr lang="en-GB" smtClean="0"/>
-              <a:t>04/09/2019</a:t>
+              <a:t>07/11/2019</a:t>
             </a:fld>
             <a:endParaRPr lang="en-GB" dirty="0"/>
           </a:p>
@@ -2007,7 +2007,7 @@
           <a:p>
             <a:fld id="{8CD9E07E-FA0D-404F-8FFA-F4C9C459F055}" type="datetimeFigureOut">
               <a:rPr lang="en-GB" smtClean="0"/>
-              <a:t>04/09/2019</a:t>
+              <a:t>07/11/2019</a:t>
             </a:fld>
             <a:endParaRPr lang="en-GB" dirty="0"/>
           </a:p>
@@ -2120,7 +2120,7 @@
           <a:p>
             <a:fld id="{8CD9E07E-FA0D-404F-8FFA-F4C9C459F055}" type="datetimeFigureOut">
               <a:rPr lang="en-GB" smtClean="0"/>
-              <a:t>04/09/2019</a:t>
+              <a:t>07/11/2019</a:t>
             </a:fld>
             <a:endParaRPr lang="en-GB" dirty="0"/>
           </a:p>
@@ -2433,7 +2433,7 @@
           <a:p>
             <a:fld id="{8CD9E07E-FA0D-404F-8FFA-F4C9C459F055}" type="datetimeFigureOut">
               <a:rPr lang="en-GB" smtClean="0"/>
-              <a:t>04/09/2019</a:t>
+              <a:t>07/11/2019</a:t>
             </a:fld>
             <a:endParaRPr lang="en-GB" dirty="0"/>
           </a:p>
@@ -2722,7 +2722,7 @@
           <a:p>
             <a:fld id="{8CD9E07E-FA0D-404F-8FFA-F4C9C459F055}" type="datetimeFigureOut">
               <a:rPr lang="en-GB" smtClean="0"/>
-              <a:t>04/09/2019</a:t>
+              <a:t>07/11/2019</a:t>
             </a:fld>
             <a:endParaRPr lang="en-GB" dirty="0"/>
           </a:p>
@@ -2965,7 +2965,7 @@
           <a:p>
             <a:fld id="{8CD9E07E-FA0D-404F-8FFA-F4C9C459F055}" type="datetimeFigureOut">
               <a:rPr lang="en-GB" smtClean="0"/>
-              <a:t>04/09/2019</a:t>
+              <a:t>07/11/2019</a:t>
             </a:fld>
             <a:endParaRPr lang="en-GB" dirty="0"/>
           </a:p>
@@ -10620,7 +10620,7 @@
         </p:nvSpPr>
         <p:spPr>
           <a:xfrm>
-            <a:off x="5654842" y="5496109"/>
+            <a:off x="5696787" y="5160549"/>
             <a:ext cx="6031831" cy="338554"/>
           </a:xfrm>
           <a:prstGeom prst="rect">
@@ -10640,6 +10640,43 @@
               <a:t>https://www.microsoft.com/en-gb/download/details.aspx?id=41937</a:t>
             </a:r>
             <a:endParaRPr lang="en-GB" sz="1600" dirty="0"/>
+          </a:p>
+        </p:txBody>
+      </p:sp>
+      <p:sp>
+        <p:nvSpPr>
+          <p:cNvPr id="2" name="Rectangle 1">
+            <a:extLst>
+              <a:ext uri="{FF2B5EF4-FFF2-40B4-BE49-F238E27FC236}">
+                <a16:creationId xmlns:a16="http://schemas.microsoft.com/office/drawing/2014/main" id="{F6C17B20-9564-4368-90E8-AF59C91EFFDD}"/>
+              </a:ext>
+            </a:extLst>
+          </p:cNvPr>
+          <p:cNvSpPr/>
+          <p:nvPr/>
+        </p:nvSpPr>
+        <p:spPr>
+          <a:xfrm>
+            <a:off x="5696787" y="5499103"/>
+            <a:ext cx="5169364" cy="369332"/>
+          </a:xfrm>
+          <a:prstGeom prst="rect">
+            <a:avLst/>
+          </a:prstGeom>
+        </p:spPr>
+        <p:txBody>
+          <a:bodyPr wrap="none">
+            <a:spAutoFit/>
+          </a:bodyPr>
+          <a:lstStyle/>
+          <a:p>
+            <a:r>
+              <a:rPr lang="en-GB" dirty="0">
+                <a:hlinkClick r:id="rId4"/>
+              </a:rPr>
+              <a:t>https://github.com/mrpaulandrew/ContentCollateral</a:t>
+            </a:r>
+            <a:endParaRPr lang="en-GB" dirty="0"/>
           </a:p>
         </p:txBody>
       </p:sp>
